--- a/Section_IV_BioComputing/slides/Designs.pptx
+++ b/Section_IV_BioComputing/slides/Designs.pptx
@@ -5,14 +5,17 @@
     <p:sldMasterId id="2147483648" r:id="rId1"/>
   </p:sldMasterIdLst>
   <p:notesMasterIdLst>
-    <p:notesMasterId r:id="rId7"/>
+    <p:notesMasterId r:id="rId10"/>
   </p:notesMasterIdLst>
   <p:sldIdLst>
-    <p:sldId id="1887" r:id="rId2"/>
-    <p:sldId id="1888" r:id="rId3"/>
-    <p:sldId id="1890" r:id="rId4"/>
-    <p:sldId id="1876" r:id="rId5"/>
-    <p:sldId id="1889" r:id="rId6"/>
+    <p:sldId id="1891" r:id="rId2"/>
+    <p:sldId id="1887" r:id="rId3"/>
+    <p:sldId id="1893" r:id="rId4"/>
+    <p:sldId id="1892" r:id="rId5"/>
+    <p:sldId id="1888" r:id="rId6"/>
+    <p:sldId id="1890" r:id="rId7"/>
+    <p:sldId id="1876" r:id="rId8"/>
+    <p:sldId id="1889" r:id="rId9"/>
   </p:sldIdLst>
   <p:sldSz cx="12192000" cy="6858000"/>
   <p:notesSz cx="6858000" cy="9144000"/>
@@ -212,7 +215,7 @@
           <a:p>
             <a:fld id="{587CBFC6-A9BB-4E5E-87F9-DC306CACD92F}" type="datetimeFigureOut">
               <a:rPr lang="en-US" smtClean="0"/>
-              <a:t>10/16/2025</a:t>
+              <a:t>11/12/2025</a:t>
             </a:fld>
             <a:endParaRPr lang="en-US"/>
           </a:p>
@@ -568,7 +571,7 @@
           <a:p>
             <a:fld id="{7D5572D0-3795-4C3C-849E-BDA62F558749}" type="slidenum">
               <a:rPr lang="LID4096" smtClean="0"/>
-              <a:t>1</a:t>
+              <a:t>2</a:t>
             </a:fld>
             <a:endParaRPr lang="LID4096"/>
           </a:p>
@@ -588,6 +591,114 @@
 </file>
 
 <file path=ppt/notesSlides/notesSlide2.xml><?xml version="1.0" encoding="utf-8"?>
+<p:notes xmlns:a="http://schemas.openxmlformats.org/drawingml/2006/main" xmlns:r="http://schemas.openxmlformats.org/officeDocument/2006/relationships" xmlns:p="http://schemas.openxmlformats.org/presentationml/2006/main">
+  <p:cSld>
+    <p:spTree>
+      <p:nvGrpSpPr>
+        <p:cNvPr id="1" name="">
+          <a:extLst>
+            <a:ext uri="{FF2B5EF4-FFF2-40B4-BE49-F238E27FC236}">
+              <a16:creationId xmlns:a16="http://schemas.microsoft.com/office/drawing/2014/main" id="{DAC48799-BD40-2DFB-CB44-B2E2CA7619B8}"/>
+            </a:ext>
+          </a:extLst>
+        </p:cNvPr>
+        <p:cNvGrpSpPr/>
+        <p:nvPr/>
+      </p:nvGrpSpPr>
+      <p:grpSpPr>
+        <a:xfrm>
+          <a:off x="0" y="0"/>
+          <a:ext cx="0" cy="0"/>
+          <a:chOff x="0" y="0"/>
+          <a:chExt cx="0" cy="0"/>
+        </a:xfrm>
+      </p:grpSpPr>
+      <p:sp>
+        <p:nvSpPr>
+          <p:cNvPr id="2" name="Slide Image Placeholder 1">
+            <a:extLst>
+              <a:ext uri="{FF2B5EF4-FFF2-40B4-BE49-F238E27FC236}">
+                <a16:creationId xmlns:a16="http://schemas.microsoft.com/office/drawing/2014/main" id="{B6783062-EF13-75B4-D4EB-D74C41256E81}"/>
+              </a:ext>
+            </a:extLst>
+          </p:cNvPr>
+          <p:cNvSpPr>
+            <a:spLocks noGrp="1" noRot="1" noChangeAspect="1"/>
+          </p:cNvSpPr>
+          <p:nvPr>
+            <p:ph type="sldImg"/>
+          </p:nvPr>
+        </p:nvSpPr>
+        <p:spPr/>
+      </p:sp>
+      <p:sp>
+        <p:nvSpPr>
+          <p:cNvPr id="3" name="Notes Placeholder 2">
+            <a:extLst>
+              <a:ext uri="{FF2B5EF4-FFF2-40B4-BE49-F238E27FC236}">
+                <a16:creationId xmlns:a16="http://schemas.microsoft.com/office/drawing/2014/main" id="{9481F85B-61DE-C809-E14B-F6D36F54A597}"/>
+              </a:ext>
+            </a:extLst>
+          </p:cNvPr>
+          <p:cNvSpPr>
+            <a:spLocks noGrp="1"/>
+          </p:cNvSpPr>
+          <p:nvPr>
+            <p:ph type="body" idx="1"/>
+          </p:nvPr>
+        </p:nvSpPr>
+        <p:spPr/>
+        <p:txBody>
+          <a:bodyPr/>
+          <a:lstStyle/>
+          <a:p>
+            <a:endParaRPr lang="en-US" dirty="0"/>
+          </a:p>
+        </p:txBody>
+      </p:sp>
+      <p:sp>
+        <p:nvSpPr>
+          <p:cNvPr id="4" name="Slide Number Placeholder 3">
+            <a:extLst>
+              <a:ext uri="{FF2B5EF4-FFF2-40B4-BE49-F238E27FC236}">
+                <a16:creationId xmlns:a16="http://schemas.microsoft.com/office/drawing/2014/main" id="{A7C3E247-3577-E15C-E051-DDF7DAF341DA}"/>
+              </a:ext>
+            </a:extLst>
+          </p:cNvPr>
+          <p:cNvSpPr>
+            <a:spLocks noGrp="1"/>
+          </p:cNvSpPr>
+          <p:nvPr>
+            <p:ph type="sldNum" sz="quarter" idx="5"/>
+          </p:nvPr>
+        </p:nvSpPr>
+        <p:spPr/>
+        <p:txBody>
+          <a:bodyPr/>
+          <a:lstStyle/>
+          <a:p>
+            <a:fld id="{7D5572D0-3795-4C3C-849E-BDA62F558749}" type="slidenum">
+              <a:rPr lang="LID4096" smtClean="0"/>
+              <a:t>4</a:t>
+            </a:fld>
+            <a:endParaRPr lang="LID4096"/>
+          </a:p>
+        </p:txBody>
+      </p:sp>
+    </p:spTree>
+    <p:extLst>
+      <p:ext uri="{BB962C8B-B14F-4D97-AF65-F5344CB8AC3E}">
+        <p14:creationId xmlns:p14="http://schemas.microsoft.com/office/powerpoint/2010/main" val="877352827"/>
+      </p:ext>
+    </p:extLst>
+  </p:cSld>
+  <p:clrMapOvr>
+    <a:masterClrMapping/>
+  </p:clrMapOvr>
+</p:notes>
+</file>
+
+<file path=ppt/notesSlides/notesSlide3.xml><?xml version="1.0" encoding="utf-8"?>
 <p:notes xmlns:a="http://schemas.openxmlformats.org/drawingml/2006/main" xmlns:r="http://schemas.openxmlformats.org/officeDocument/2006/relationships" xmlns:p="http://schemas.openxmlformats.org/presentationml/2006/main">
   <p:cSld>
     <p:spTree>
@@ -676,7 +787,7 @@
           <a:p>
             <a:fld id="{7D5572D0-3795-4C3C-849E-BDA62F558749}" type="slidenum">
               <a:rPr lang="LID4096" smtClean="0"/>
-              <a:t>3</a:t>
+              <a:t>6</a:t>
             </a:fld>
             <a:endParaRPr lang="LID4096"/>
           </a:p>
@@ -695,7 +806,7 @@
 </p:notes>
 </file>
 
-<file path=ppt/notesSlides/notesSlide3.xml><?xml version="1.0" encoding="utf-8"?>
+<file path=ppt/notesSlides/notesSlide4.xml><?xml version="1.0" encoding="utf-8"?>
 <p:notes xmlns:a="http://schemas.openxmlformats.org/drawingml/2006/main" xmlns:r="http://schemas.openxmlformats.org/officeDocument/2006/relationships" xmlns:p="http://schemas.openxmlformats.org/presentationml/2006/main">
   <p:cSld>
     <p:spTree>
@@ -784,7 +895,7 @@
           <a:p>
             <a:fld id="{7D5572D0-3795-4C3C-849E-BDA62F558749}" type="slidenum">
               <a:rPr lang="LID4096" smtClean="0"/>
-              <a:t>4</a:t>
+              <a:t>7</a:t>
             </a:fld>
             <a:endParaRPr lang="LID4096"/>
           </a:p>
@@ -950,7 +1061,7 @@
           <a:p>
             <a:fld id="{9EFB2E82-6871-4A63-8FC6-B35E58246C01}" type="datetimeFigureOut">
               <a:rPr lang="en-US" smtClean="0"/>
-              <a:t>10/16/2025</a:t>
+              <a:t>11/12/2025</a:t>
             </a:fld>
             <a:endParaRPr lang="en-US"/>
           </a:p>
@@ -1148,7 +1259,7 @@
           <a:p>
             <a:fld id="{9EFB2E82-6871-4A63-8FC6-B35E58246C01}" type="datetimeFigureOut">
               <a:rPr lang="en-US" smtClean="0"/>
-              <a:t>10/16/2025</a:t>
+              <a:t>11/12/2025</a:t>
             </a:fld>
             <a:endParaRPr lang="en-US"/>
           </a:p>
@@ -1356,7 +1467,7 @@
           <a:p>
             <a:fld id="{9EFB2E82-6871-4A63-8FC6-B35E58246C01}" type="datetimeFigureOut">
               <a:rPr lang="en-US" smtClean="0"/>
-              <a:t>10/16/2025</a:t>
+              <a:t>11/12/2025</a:t>
             </a:fld>
             <a:endParaRPr lang="en-US"/>
           </a:p>
@@ -1800,7 +1911,7 @@
           <a:p>
             <a:fld id="{9EFB2E82-6871-4A63-8FC6-B35E58246C01}" type="datetimeFigureOut">
               <a:rPr lang="en-US" smtClean="0"/>
-              <a:t>10/16/2025</a:t>
+              <a:t>11/12/2025</a:t>
             </a:fld>
             <a:endParaRPr lang="en-US"/>
           </a:p>
@@ -2075,7 +2186,7 @@
           <a:p>
             <a:fld id="{9EFB2E82-6871-4A63-8FC6-B35E58246C01}" type="datetimeFigureOut">
               <a:rPr lang="en-US" smtClean="0"/>
-              <a:t>10/16/2025</a:t>
+              <a:t>11/12/2025</a:t>
             </a:fld>
             <a:endParaRPr lang="en-US"/>
           </a:p>
@@ -2340,7 +2451,7 @@
           <a:p>
             <a:fld id="{9EFB2E82-6871-4A63-8FC6-B35E58246C01}" type="datetimeFigureOut">
               <a:rPr lang="en-US" smtClean="0"/>
-              <a:t>10/16/2025</a:t>
+              <a:t>11/12/2025</a:t>
             </a:fld>
             <a:endParaRPr lang="en-US"/>
           </a:p>
@@ -2752,7 +2863,7 @@
           <a:p>
             <a:fld id="{9EFB2E82-6871-4A63-8FC6-B35E58246C01}" type="datetimeFigureOut">
               <a:rPr lang="en-US" smtClean="0"/>
-              <a:t>10/16/2025</a:t>
+              <a:t>11/12/2025</a:t>
             </a:fld>
             <a:endParaRPr lang="en-US"/>
           </a:p>
@@ -2893,7 +3004,7 @@
           <a:p>
             <a:fld id="{9EFB2E82-6871-4A63-8FC6-B35E58246C01}" type="datetimeFigureOut">
               <a:rPr lang="en-US" smtClean="0"/>
-              <a:t>10/16/2025</a:t>
+              <a:t>11/12/2025</a:t>
             </a:fld>
             <a:endParaRPr lang="en-US"/>
           </a:p>
@@ -3006,7 +3117,7 @@
           <a:p>
             <a:fld id="{9EFB2E82-6871-4A63-8FC6-B35E58246C01}" type="datetimeFigureOut">
               <a:rPr lang="en-US" smtClean="0"/>
-              <a:t>10/16/2025</a:t>
+              <a:t>11/12/2025</a:t>
             </a:fld>
             <a:endParaRPr lang="en-US"/>
           </a:p>
@@ -3317,7 +3428,7 @@
           <a:p>
             <a:fld id="{9EFB2E82-6871-4A63-8FC6-B35E58246C01}" type="datetimeFigureOut">
               <a:rPr lang="en-US" smtClean="0"/>
-              <a:t>10/16/2025</a:t>
+              <a:t>11/12/2025</a:t>
             </a:fld>
             <a:endParaRPr lang="en-US"/>
           </a:p>
@@ -3605,7 +3716,7 @@
           <a:p>
             <a:fld id="{9EFB2E82-6871-4A63-8FC6-B35E58246C01}" type="datetimeFigureOut">
               <a:rPr lang="en-US" smtClean="0"/>
-              <a:t>10/16/2025</a:t>
+              <a:t>11/12/2025</a:t>
             </a:fld>
             <a:endParaRPr lang="en-US"/>
           </a:p>
@@ -3846,7 +3957,7 @@
           <a:p>
             <a:fld id="{9EFB2E82-6871-4A63-8FC6-B35E58246C01}" type="datetimeFigureOut">
               <a:rPr lang="en-US" smtClean="0"/>
-              <a:t>10/16/2025</a:t>
+              <a:t>11/12/2025</a:t>
             </a:fld>
             <a:endParaRPr lang="en-US"/>
           </a:p>
@@ -4252,6 +4363,712 @@
   <p:cSld>
     <p:spTree>
       <p:nvGrpSpPr>
+        <p:cNvPr id="1" name=""/>
+        <p:cNvGrpSpPr/>
+        <p:nvPr/>
+      </p:nvGrpSpPr>
+      <p:grpSpPr>
+        <a:xfrm>
+          <a:off x="0" y="0"/>
+          <a:ext cx="0" cy="0"/>
+          <a:chOff x="0" y="0"/>
+          <a:chExt cx="0" cy="0"/>
+        </a:xfrm>
+      </p:grpSpPr>
+      <p:sp>
+        <p:nvSpPr>
+          <p:cNvPr id="5" name="Isosceles Triangle 4">
+            <a:extLst>
+              <a:ext uri="{FF2B5EF4-FFF2-40B4-BE49-F238E27FC236}">
+                <a16:creationId xmlns:a16="http://schemas.microsoft.com/office/drawing/2014/main" id="{41DCC196-95E4-F1B7-50EA-092C2A0E9D37}"/>
+              </a:ext>
+            </a:extLst>
+          </p:cNvPr>
+          <p:cNvSpPr/>
+          <p:nvPr/>
+        </p:nvSpPr>
+        <p:spPr>
+          <a:xfrm>
+            <a:off x="1028701" y="1047751"/>
+            <a:ext cx="10429874" cy="4362450"/>
+          </a:xfrm>
+          <a:prstGeom prst="triangle">
+            <a:avLst>
+              <a:gd name="adj" fmla="val 50045"/>
+            </a:avLst>
+          </a:prstGeom>
+          <a:noFill/>
+        </p:spPr>
+        <p:style>
+          <a:lnRef idx="2">
+            <a:schemeClr val="accent1">
+              <a:shade val="15000"/>
+            </a:schemeClr>
+          </a:lnRef>
+          <a:fillRef idx="1">
+            <a:schemeClr val="accent1"/>
+          </a:fillRef>
+          <a:effectRef idx="0">
+            <a:schemeClr val="accent1"/>
+          </a:effectRef>
+          <a:fontRef idx="minor">
+            <a:schemeClr val="lt1"/>
+          </a:fontRef>
+        </p:style>
+        <p:txBody>
+          <a:bodyPr rtlCol="0" anchor="ctr"/>
+          <a:lstStyle/>
+          <a:p>
+            <a:pPr algn="ctr"/>
+            <a:endParaRPr lang="en-US"/>
+          </a:p>
+        </p:txBody>
+      </p:sp>
+      <p:sp>
+        <p:nvSpPr>
+          <p:cNvPr id="6" name="TextBox 5">
+            <a:extLst>
+              <a:ext uri="{FF2B5EF4-FFF2-40B4-BE49-F238E27FC236}">
+                <a16:creationId xmlns:a16="http://schemas.microsoft.com/office/drawing/2014/main" id="{71C51C79-C95D-8840-7C3D-7C7E859E323D}"/>
+              </a:ext>
+            </a:extLst>
+          </p:cNvPr>
+          <p:cNvSpPr txBox="1"/>
+          <p:nvPr/>
+        </p:nvSpPr>
+        <p:spPr>
+          <a:xfrm>
+            <a:off x="5699096" y="5810249"/>
+            <a:ext cx="998991" cy="461665"/>
+          </a:xfrm>
+          <a:prstGeom prst="rect">
+            <a:avLst/>
+          </a:prstGeom>
+          <a:noFill/>
+        </p:spPr>
+        <p:txBody>
+          <a:bodyPr wrap="none" rtlCol="0">
+            <a:spAutoFit/>
+          </a:bodyPr>
+          <a:lstStyle/>
+          <a:p>
+            <a:r>
+              <a:rPr lang="en-US" sz="2400" dirty="0"/>
+              <a:t>Pipe 1</a:t>
+            </a:r>
+          </a:p>
+        </p:txBody>
+      </p:sp>
+      <mc:AlternateContent xmlns:mc="http://schemas.openxmlformats.org/markup-compatibility/2006" xmlns:a14="http://schemas.microsoft.com/office/drawing/2010/main">
+        <mc:Choice Requires="a14">
+          <p:sp>
+            <p:nvSpPr>
+              <p:cNvPr id="7" name="TextBox 6">
+                <a:extLst>
+                  <a:ext uri="{FF2B5EF4-FFF2-40B4-BE49-F238E27FC236}">
+                    <a16:creationId xmlns:a16="http://schemas.microsoft.com/office/drawing/2014/main" id="{66E71EE6-E603-D0A6-641C-9E2EBE45E0D6}"/>
+                  </a:ext>
+                </a:extLst>
+              </p:cNvPr>
+              <p:cNvSpPr txBox="1"/>
+              <p:nvPr/>
+            </p:nvSpPr>
+            <p:spPr>
+              <a:xfrm>
+                <a:off x="2989245" y="4948536"/>
+                <a:ext cx="868379" cy="461665"/>
+              </a:xfrm>
+              <a:prstGeom prst="rect">
+                <a:avLst/>
+              </a:prstGeom>
+              <a:noFill/>
+            </p:spPr>
+            <p:txBody>
+              <a:bodyPr wrap="none" rtlCol="0">
+                <a:spAutoFit/>
+              </a:bodyPr>
+              <a:lstStyle/>
+              <a:p>
+                <a:pPr/>
+                <a14:m>
+                  <m:oMathPara xmlns:m="http://schemas.openxmlformats.org/officeDocument/2006/math">
+                    <m:oMathParaPr>
+                      <m:jc m:val="centerGroup"/>
+                    </m:oMathParaPr>
+                    <m:oMath xmlns:m="http://schemas.openxmlformats.org/officeDocument/2006/math">
+                      <m:sSub>
+                        <m:sSubPr>
+                          <m:ctrlPr>
+                            <a:rPr lang="en-US" sz="2400" i="1" smtClean="0">
+                              <a:latin typeface="Cambria Math" panose="02040503050406030204" pitchFamily="18" charset="0"/>
+                            </a:rPr>
+                          </m:ctrlPr>
+                        </m:sSubPr>
+                        <m:e>
+                          <m:r>
+                            <m:rPr>
+                              <m:sty m:val="p"/>
+                            </m:rPr>
+                            <a:rPr lang="en-GB" sz="2400" b="0" i="1" smtClean="0">
+                              <a:latin typeface="Cambria Math" panose="02040503050406030204" pitchFamily="18" charset="0"/>
+                            </a:rPr>
+                            <m:t>L</m:t>
+                          </m:r>
+                        </m:e>
+                        <m:sub>
+                          <m:r>
+                            <a:rPr lang="en-GB" sz="2400" b="0" i="1" smtClean="0">
+                              <a:latin typeface="Cambria Math" panose="02040503050406030204" pitchFamily="18" charset="0"/>
+                            </a:rPr>
+                            <m:t>1</m:t>
+                          </m:r>
+                        </m:sub>
+                      </m:sSub>
+                      <m:r>
+                        <a:rPr lang="en-GB" sz="2400" b="0" i="1" smtClean="0">
+                          <a:latin typeface="Cambria Math" panose="02040503050406030204" pitchFamily="18" charset="0"/>
+                        </a:rPr>
+                        <m:t>/2</m:t>
+                      </m:r>
+                    </m:oMath>
+                  </m:oMathPara>
+                </a14:m>
+                <a:endParaRPr lang="en-US" sz="2400" dirty="0"/>
+              </a:p>
+            </p:txBody>
+          </p:sp>
+        </mc:Choice>
+        <mc:Fallback xmlns="">
+          <p:sp>
+            <p:nvSpPr>
+              <p:cNvPr id="7" name="TextBox 6">
+                <a:extLst>
+                  <a:ext uri="{FF2B5EF4-FFF2-40B4-BE49-F238E27FC236}">
+                    <a16:creationId xmlns:a16="http://schemas.microsoft.com/office/drawing/2014/main" id="{66E71EE6-E603-D0A6-641C-9E2EBE45E0D6}"/>
+                  </a:ext>
+                </a:extLst>
+              </p:cNvPr>
+              <p:cNvSpPr txBox="1">
+                <a:spLocks noRot="1" noChangeAspect="1" noMove="1" noResize="1" noEditPoints="1" noAdjustHandles="1" noChangeArrowheads="1" noChangeShapeType="1" noTextEdit="1"/>
+              </p:cNvSpPr>
+              <p:nvPr/>
+            </p:nvSpPr>
+            <p:spPr>
+              <a:xfrm>
+                <a:off x="2989245" y="4948536"/>
+                <a:ext cx="868379" cy="461665"/>
+              </a:xfrm>
+              <a:prstGeom prst="rect">
+                <a:avLst/>
+              </a:prstGeom>
+              <a:blipFill>
+                <a:blip r:embed="rId2"/>
+                <a:stretch>
+                  <a:fillRect b="-15789"/>
+                </a:stretch>
+              </a:blipFill>
+            </p:spPr>
+            <p:txBody>
+              <a:bodyPr/>
+              <a:lstStyle/>
+              <a:p>
+                <a:r>
+                  <a:rPr lang="en-US">
+                    <a:noFill/>
+                  </a:rPr>
+                  <a:t> </a:t>
+                </a:r>
+              </a:p>
+            </p:txBody>
+          </p:sp>
+        </mc:Fallback>
+      </mc:AlternateContent>
+      <mc:AlternateContent xmlns:mc="http://schemas.openxmlformats.org/markup-compatibility/2006" xmlns:a14="http://schemas.microsoft.com/office/drawing/2010/main">
+        <mc:Choice Requires="a14">
+          <p:sp>
+            <p:nvSpPr>
+              <p:cNvPr id="8" name="TextBox 7">
+                <a:extLst>
+                  <a:ext uri="{FF2B5EF4-FFF2-40B4-BE49-F238E27FC236}">
+                    <a16:creationId xmlns:a16="http://schemas.microsoft.com/office/drawing/2014/main" id="{A90B7616-3E59-1CD9-2A4B-46680C238CCA}"/>
+                  </a:ext>
+                </a:extLst>
+              </p:cNvPr>
+              <p:cNvSpPr txBox="1"/>
+              <p:nvPr/>
+            </p:nvSpPr>
+            <p:spPr>
+              <a:xfrm>
+                <a:off x="3857624" y="3080915"/>
+                <a:ext cx="875496" cy="461665"/>
+              </a:xfrm>
+              <a:prstGeom prst="rect">
+                <a:avLst/>
+              </a:prstGeom>
+              <a:noFill/>
+            </p:spPr>
+            <p:txBody>
+              <a:bodyPr wrap="none" rtlCol="0">
+                <a:spAutoFit/>
+              </a:bodyPr>
+              <a:lstStyle/>
+              <a:p>
+                <a:pPr/>
+                <a14:m>
+                  <m:oMathPara xmlns:m="http://schemas.openxmlformats.org/officeDocument/2006/math">
+                    <m:oMathParaPr>
+                      <m:jc m:val="centerGroup"/>
+                    </m:oMathParaPr>
+                    <m:oMath xmlns:m="http://schemas.openxmlformats.org/officeDocument/2006/math">
+                      <m:sSub>
+                        <m:sSubPr>
+                          <m:ctrlPr>
+                            <a:rPr lang="en-US" sz="2400" i="1" smtClean="0">
+                              <a:latin typeface="Cambria Math" panose="02040503050406030204" pitchFamily="18" charset="0"/>
+                            </a:rPr>
+                          </m:ctrlPr>
+                        </m:sSubPr>
+                        <m:e>
+                          <m:r>
+                            <m:rPr>
+                              <m:sty m:val="p"/>
+                            </m:rPr>
+                            <a:rPr lang="en-GB" sz="2400" b="0" i="1" smtClean="0">
+                              <a:latin typeface="Cambria Math" panose="02040503050406030204" pitchFamily="18" charset="0"/>
+                            </a:rPr>
+                            <m:t>L</m:t>
+                          </m:r>
+                        </m:e>
+                        <m:sub>
+                          <m:r>
+                            <a:rPr lang="en-GB" sz="2400" b="0" i="1" smtClean="0">
+                              <a:latin typeface="Cambria Math" panose="02040503050406030204" pitchFamily="18" charset="0"/>
+                            </a:rPr>
+                            <m:t>2</m:t>
+                          </m:r>
+                        </m:sub>
+                      </m:sSub>
+                      <m:r>
+                        <a:rPr lang="en-GB" sz="2400" b="0" i="1" smtClean="0">
+                          <a:latin typeface="Cambria Math" panose="02040503050406030204" pitchFamily="18" charset="0"/>
+                        </a:rPr>
+                        <m:t>/2</m:t>
+                      </m:r>
+                    </m:oMath>
+                  </m:oMathPara>
+                </a14:m>
+                <a:endParaRPr lang="en-US" sz="2400" dirty="0"/>
+              </a:p>
+            </p:txBody>
+          </p:sp>
+        </mc:Choice>
+        <mc:Fallback xmlns="">
+          <p:sp>
+            <p:nvSpPr>
+              <p:cNvPr id="8" name="TextBox 7">
+                <a:extLst>
+                  <a:ext uri="{FF2B5EF4-FFF2-40B4-BE49-F238E27FC236}">
+                    <a16:creationId xmlns:a16="http://schemas.microsoft.com/office/drawing/2014/main" id="{A90B7616-3E59-1CD9-2A4B-46680C238CCA}"/>
+                  </a:ext>
+                </a:extLst>
+              </p:cNvPr>
+              <p:cNvSpPr txBox="1">
+                <a:spLocks noRot="1" noChangeAspect="1" noMove="1" noResize="1" noEditPoints="1" noAdjustHandles="1" noChangeArrowheads="1" noChangeShapeType="1" noTextEdit="1"/>
+              </p:cNvSpPr>
+              <p:nvPr/>
+            </p:nvSpPr>
+            <p:spPr>
+              <a:xfrm>
+                <a:off x="3857624" y="3080915"/>
+                <a:ext cx="875496" cy="461665"/>
+              </a:xfrm>
+              <a:prstGeom prst="rect">
+                <a:avLst/>
+              </a:prstGeom>
+              <a:blipFill>
+                <a:blip r:embed="rId3"/>
+                <a:stretch>
+                  <a:fillRect b="-15789"/>
+                </a:stretch>
+              </a:blipFill>
+            </p:spPr>
+            <p:txBody>
+              <a:bodyPr/>
+              <a:lstStyle/>
+              <a:p>
+                <a:r>
+                  <a:rPr lang="en-US">
+                    <a:noFill/>
+                  </a:rPr>
+                  <a:t> </a:t>
+                </a:r>
+              </a:p>
+            </p:txBody>
+          </p:sp>
+        </mc:Fallback>
+      </mc:AlternateContent>
+      <p:cxnSp>
+        <p:nvCxnSpPr>
+          <p:cNvPr id="10" name="Straight Connector 9">
+            <a:extLst>
+              <a:ext uri="{FF2B5EF4-FFF2-40B4-BE49-F238E27FC236}">
+                <a16:creationId xmlns:a16="http://schemas.microsoft.com/office/drawing/2014/main" id="{9F81ECA2-7BFE-1A7C-9382-B9A948112038}"/>
+              </a:ext>
+            </a:extLst>
+          </p:cNvPr>
+          <p:cNvCxnSpPr>
+            <a:cxnSpLocks/>
+            <a:stCxn id="5" idx="0"/>
+            <a:endCxn id="5" idx="3"/>
+          </p:cNvCxnSpPr>
+          <p:nvPr/>
+        </p:nvCxnSpPr>
+        <p:spPr>
+          <a:xfrm>
+            <a:off x="6248331" y="1047751"/>
+            <a:ext cx="0" cy="4362450"/>
+          </a:xfrm>
+          <a:prstGeom prst="line">
+            <a:avLst/>
+          </a:prstGeom>
+          <a:ln>
+            <a:prstDash val="dash"/>
+          </a:ln>
+        </p:spPr>
+        <p:style>
+          <a:lnRef idx="2">
+            <a:schemeClr val="dk1"/>
+          </a:lnRef>
+          <a:fillRef idx="0">
+            <a:schemeClr val="dk1"/>
+          </a:fillRef>
+          <a:effectRef idx="1">
+            <a:schemeClr val="dk1"/>
+          </a:effectRef>
+          <a:fontRef idx="minor">
+            <a:schemeClr val="tx1"/>
+          </a:fontRef>
+        </p:style>
+      </p:cxnSp>
+      <mc:AlternateContent xmlns:mc="http://schemas.openxmlformats.org/markup-compatibility/2006" xmlns:a14="http://schemas.microsoft.com/office/drawing/2010/main">
+        <mc:Choice Requires="a14">
+          <p:sp>
+            <p:nvSpPr>
+              <p:cNvPr id="17" name="TextBox 16">
+                <a:extLst>
+                  <a:ext uri="{FF2B5EF4-FFF2-40B4-BE49-F238E27FC236}">
+                    <a16:creationId xmlns:a16="http://schemas.microsoft.com/office/drawing/2014/main" id="{4E81C710-A639-2EFD-0F8E-1E1F7F8F184A}"/>
+                  </a:ext>
+                </a:extLst>
+              </p:cNvPr>
+              <p:cNvSpPr txBox="1"/>
+              <p:nvPr/>
+            </p:nvSpPr>
+            <p:spPr>
+              <a:xfrm>
+                <a:off x="5848003" y="1495427"/>
+                <a:ext cx="256159" cy="369332"/>
+              </a:xfrm>
+              <a:prstGeom prst="rect">
+                <a:avLst/>
+              </a:prstGeom>
+              <a:noFill/>
+            </p:spPr>
+            <p:txBody>
+              <a:bodyPr wrap="none" lIns="0" tIns="0" rIns="0" bIns="0" rtlCol="0">
+                <a:spAutoFit/>
+              </a:bodyPr>
+              <a:lstStyle/>
+              <a:p>
+                <a:pPr/>
+                <a14:m>
+                  <m:oMathPara xmlns:m="http://schemas.openxmlformats.org/officeDocument/2006/math">
+                    <m:oMathParaPr>
+                      <m:jc m:val="centerGroup"/>
+                    </m:oMathParaPr>
+                    <m:oMath xmlns:m="http://schemas.openxmlformats.org/officeDocument/2006/math">
+                      <m:r>
+                        <a:rPr lang="en-US" sz="2400" i="1" smtClean="0">
+                          <a:latin typeface="Cambria Math" panose="02040503050406030204" pitchFamily="18" charset="0"/>
+                          <a:ea typeface="Cambria Math" panose="02040503050406030204" pitchFamily="18" charset="0"/>
+                        </a:rPr>
+                        <m:t>𝛼</m:t>
+                      </m:r>
+                    </m:oMath>
+                  </m:oMathPara>
+                </a14:m>
+                <a:endParaRPr lang="en-US" sz="2400" dirty="0"/>
+              </a:p>
+            </p:txBody>
+          </p:sp>
+        </mc:Choice>
+        <mc:Fallback xmlns="">
+          <p:sp>
+            <p:nvSpPr>
+              <p:cNvPr id="17" name="TextBox 16">
+                <a:extLst>
+                  <a:ext uri="{FF2B5EF4-FFF2-40B4-BE49-F238E27FC236}">
+                    <a16:creationId xmlns:a16="http://schemas.microsoft.com/office/drawing/2014/main" id="{4E81C710-A639-2EFD-0F8E-1E1F7F8F184A}"/>
+                  </a:ext>
+                </a:extLst>
+              </p:cNvPr>
+              <p:cNvSpPr txBox="1">
+                <a:spLocks noRot="1" noChangeAspect="1" noMove="1" noResize="1" noEditPoints="1" noAdjustHandles="1" noChangeArrowheads="1" noChangeShapeType="1" noTextEdit="1"/>
+              </p:cNvSpPr>
+              <p:nvPr/>
+            </p:nvSpPr>
+            <p:spPr>
+              <a:xfrm>
+                <a:off x="5848003" y="1495427"/>
+                <a:ext cx="256159" cy="369332"/>
+              </a:xfrm>
+              <a:prstGeom prst="rect">
+                <a:avLst/>
+              </a:prstGeom>
+              <a:blipFill>
+                <a:blip r:embed="rId4"/>
+                <a:stretch>
+                  <a:fillRect l="-16667" r="-14286"/>
+                </a:stretch>
+              </a:blipFill>
+            </p:spPr>
+            <p:txBody>
+              <a:bodyPr/>
+              <a:lstStyle/>
+              <a:p>
+                <a:r>
+                  <a:rPr lang="en-US">
+                    <a:noFill/>
+                  </a:rPr>
+                  <a:t> </a:t>
+                </a:r>
+              </a:p>
+            </p:txBody>
+          </p:sp>
+        </mc:Fallback>
+      </mc:AlternateContent>
+      <p:sp>
+        <p:nvSpPr>
+          <p:cNvPr id="24" name="Partial Circle 23">
+            <a:extLst>
+              <a:ext uri="{FF2B5EF4-FFF2-40B4-BE49-F238E27FC236}">
+                <a16:creationId xmlns:a16="http://schemas.microsoft.com/office/drawing/2014/main" id="{8195E41F-8301-CDD1-3F57-0BB94501EAF5}"/>
+              </a:ext>
+            </a:extLst>
+          </p:cNvPr>
+          <p:cNvSpPr/>
+          <p:nvPr/>
+        </p:nvSpPr>
+        <p:spPr>
+          <a:xfrm>
+            <a:off x="5786438" y="614365"/>
+            <a:ext cx="914400" cy="914400"/>
+          </a:xfrm>
+          <a:prstGeom prst="pie">
+            <a:avLst>
+              <a:gd name="adj1" fmla="val 5459266"/>
+              <a:gd name="adj2" fmla="val 8511497"/>
+            </a:avLst>
+          </a:prstGeom>
+          <a:noFill/>
+        </p:spPr>
+        <p:style>
+          <a:lnRef idx="2">
+            <a:schemeClr val="accent1">
+              <a:shade val="15000"/>
+            </a:schemeClr>
+          </a:lnRef>
+          <a:fillRef idx="1">
+            <a:schemeClr val="accent1"/>
+          </a:fillRef>
+          <a:effectRef idx="0">
+            <a:schemeClr val="accent1"/>
+          </a:effectRef>
+          <a:fontRef idx="minor">
+            <a:schemeClr val="lt1"/>
+          </a:fontRef>
+        </p:style>
+        <p:txBody>
+          <a:bodyPr rtlCol="0" anchor="ctr"/>
+          <a:lstStyle/>
+          <a:p>
+            <a:pPr algn="ctr"/>
+            <a:endParaRPr lang="en-US">
+              <a:solidFill>
+                <a:schemeClr val="tx1"/>
+              </a:solidFill>
+            </a:endParaRPr>
+          </a:p>
+        </p:txBody>
+      </p:sp>
+      <p:sp>
+        <p:nvSpPr>
+          <p:cNvPr id="25" name="TextBox 24">
+            <a:extLst>
+              <a:ext uri="{FF2B5EF4-FFF2-40B4-BE49-F238E27FC236}">
+                <a16:creationId xmlns:a16="http://schemas.microsoft.com/office/drawing/2014/main" id="{F05A23A6-4931-BF23-D07B-61E78491433D}"/>
+              </a:ext>
+            </a:extLst>
+          </p:cNvPr>
+          <p:cNvSpPr txBox="1"/>
+          <p:nvPr/>
+        </p:nvSpPr>
+        <p:spPr>
+          <a:xfrm>
+            <a:off x="3358129" y="2126606"/>
+            <a:ext cx="998991" cy="461665"/>
+          </a:xfrm>
+          <a:prstGeom prst="rect">
+            <a:avLst/>
+          </a:prstGeom>
+          <a:noFill/>
+        </p:spPr>
+        <p:txBody>
+          <a:bodyPr wrap="none" rtlCol="0">
+            <a:spAutoFit/>
+          </a:bodyPr>
+          <a:lstStyle/>
+          <a:p>
+            <a:r>
+              <a:rPr lang="en-US" sz="2400" dirty="0"/>
+              <a:t>Pipe 2</a:t>
+            </a:r>
+          </a:p>
+        </p:txBody>
+      </p:sp>
+      <mc:AlternateContent xmlns:mc="http://schemas.openxmlformats.org/markup-compatibility/2006" xmlns:a14="http://schemas.microsoft.com/office/drawing/2010/main">
+        <mc:Choice Requires="a14">
+          <p:sp>
+            <p:nvSpPr>
+              <p:cNvPr id="26" name="TextBox 25">
+                <a:extLst>
+                  <a:ext uri="{FF2B5EF4-FFF2-40B4-BE49-F238E27FC236}">
+                    <a16:creationId xmlns:a16="http://schemas.microsoft.com/office/drawing/2014/main" id="{19AD34C9-6B9C-A901-167B-50E61A5018DE}"/>
+                  </a:ext>
+                </a:extLst>
+              </p:cNvPr>
+              <p:cNvSpPr txBox="1"/>
+              <p:nvPr/>
+            </p:nvSpPr>
+            <p:spPr>
+              <a:xfrm>
+                <a:off x="6383939" y="2953490"/>
+                <a:ext cx="559704" cy="461665"/>
+              </a:xfrm>
+              <a:prstGeom prst="rect">
+                <a:avLst/>
+              </a:prstGeom>
+              <a:noFill/>
+            </p:spPr>
+            <p:txBody>
+              <a:bodyPr wrap="none" rtlCol="0">
+                <a:spAutoFit/>
+              </a:bodyPr>
+              <a:lstStyle/>
+              <a:p>
+                <a:pPr/>
+                <a14:m>
+                  <m:oMathPara xmlns:m="http://schemas.openxmlformats.org/officeDocument/2006/math">
+                    <m:oMathParaPr>
+                      <m:jc m:val="centerGroup"/>
+                    </m:oMathParaPr>
+                    <m:oMath xmlns:m="http://schemas.openxmlformats.org/officeDocument/2006/math">
+                      <m:sSub>
+                        <m:sSubPr>
+                          <m:ctrlPr>
+                            <a:rPr lang="en-US" sz="2400" i="1">
+                              <a:latin typeface="Cambria Math" panose="02040503050406030204" pitchFamily="18" charset="0"/>
+                            </a:rPr>
+                          </m:ctrlPr>
+                        </m:sSubPr>
+                        <m:e>
+                          <m:r>
+                            <a:rPr lang="en-GB" sz="2400" i="1" smtClean="0">
+                              <a:latin typeface="Cambria Math" panose="02040503050406030204" pitchFamily="18" charset="0"/>
+                            </a:rPr>
+                            <m:t>h</m:t>
+                          </m:r>
+                        </m:e>
+                        <m:sub>
+                          <m:r>
+                            <a:rPr lang="en-GB" sz="2400" i="1" smtClean="0">
+                              <a:latin typeface="Cambria Math" panose="02040503050406030204" pitchFamily="18" charset="0"/>
+                            </a:rPr>
+                            <m:t>2</m:t>
+                          </m:r>
+                        </m:sub>
+                      </m:sSub>
+                    </m:oMath>
+                  </m:oMathPara>
+                </a14:m>
+                <a:endParaRPr lang="en-US" sz="2400" i="1" dirty="0"/>
+              </a:p>
+            </p:txBody>
+          </p:sp>
+        </mc:Choice>
+        <mc:Fallback xmlns="">
+          <p:sp>
+            <p:nvSpPr>
+              <p:cNvPr id="26" name="TextBox 25">
+                <a:extLst>
+                  <a:ext uri="{FF2B5EF4-FFF2-40B4-BE49-F238E27FC236}">
+                    <a16:creationId xmlns:a16="http://schemas.microsoft.com/office/drawing/2014/main" id="{19AD34C9-6B9C-A901-167B-50E61A5018DE}"/>
+                  </a:ext>
+                </a:extLst>
+              </p:cNvPr>
+              <p:cNvSpPr txBox="1">
+                <a:spLocks noRot="1" noChangeAspect="1" noMove="1" noResize="1" noEditPoints="1" noAdjustHandles="1" noChangeArrowheads="1" noChangeShapeType="1" noTextEdit="1"/>
+              </p:cNvSpPr>
+              <p:nvPr/>
+            </p:nvSpPr>
+            <p:spPr>
+              <a:xfrm>
+                <a:off x="6383939" y="2953490"/>
+                <a:ext cx="559704" cy="461665"/>
+              </a:xfrm>
+              <a:prstGeom prst="rect">
+                <a:avLst/>
+              </a:prstGeom>
+              <a:blipFill>
+                <a:blip r:embed="rId5"/>
+                <a:stretch>
+                  <a:fillRect/>
+                </a:stretch>
+              </a:blipFill>
+            </p:spPr>
+            <p:txBody>
+              <a:bodyPr/>
+              <a:lstStyle/>
+              <a:p>
+                <a:r>
+                  <a:rPr lang="en-US">
+                    <a:noFill/>
+                  </a:rPr>
+                  <a:t> </a:t>
+                </a:r>
+              </a:p>
+            </p:txBody>
+          </p:sp>
+        </mc:Fallback>
+      </mc:AlternateContent>
+    </p:spTree>
+    <p:extLst>
+      <p:ext uri="{BB962C8B-B14F-4D97-AF65-F5344CB8AC3E}">
+        <p14:creationId xmlns:p14="http://schemas.microsoft.com/office/powerpoint/2010/main" val="1259445307"/>
+      </p:ext>
+    </p:extLst>
+  </p:cSld>
+  <p:clrMapOvr>
+    <a:masterClrMapping/>
+  </p:clrMapOvr>
+</p:sld>
+</file>
+
+<file path=ppt/slides/slide2.xml><?xml version="1.0" encoding="utf-8"?>
+<p:sld xmlns:a="http://schemas.openxmlformats.org/drawingml/2006/main" xmlns:r="http://schemas.openxmlformats.org/officeDocument/2006/relationships" xmlns:p="http://schemas.openxmlformats.org/presentationml/2006/main">
+  <p:cSld>
+    <p:spTree>
+      <p:nvGrpSpPr>
         <p:cNvPr id="1" name="">
           <a:extLst>
             <a:ext uri="{FF2B5EF4-FFF2-40B4-BE49-F238E27FC236}">
@@ -5844,9 +6661,9 @@
           <p:nvPr/>
         </p:nvCxnSpPr>
         <p:spPr>
-          <a:xfrm>
-            <a:off x="1641219" y="3329609"/>
-            <a:ext cx="577828" cy="0"/>
+          <a:xfrm flipV="1">
+            <a:off x="1701800" y="3329609"/>
+            <a:ext cx="517247" cy="30431"/>
           </a:xfrm>
           <a:prstGeom prst="line">
             <a:avLst/>
@@ -5882,9 +6699,9 @@
           <p:nvPr/>
         </p:nvCxnSpPr>
         <p:spPr>
-          <a:xfrm flipV="1">
-            <a:off x="1641219" y="3479892"/>
-            <a:ext cx="577828" cy="5454"/>
+          <a:xfrm>
+            <a:off x="1701800" y="3429000"/>
+            <a:ext cx="517247" cy="50892"/>
           </a:xfrm>
           <a:prstGeom prst="line">
             <a:avLst/>
@@ -8100,8 +8917,8 @@
         </p:nvCxnSpPr>
         <p:spPr>
           <a:xfrm>
-            <a:off x="1641219" y="3325750"/>
-            <a:ext cx="0" cy="154142"/>
+            <a:off x="1701800" y="3351846"/>
+            <a:ext cx="0" cy="73152"/>
           </a:xfrm>
           <a:prstGeom prst="line">
             <a:avLst/>
@@ -9206,7 +10023,7937 @@
 </p:sld>
 </file>
 
-<file path=ppt/slides/slide2.xml><?xml version="1.0" encoding="utf-8"?>
+<file path=ppt/slides/slide3.xml><?xml version="1.0" encoding="utf-8"?>
+<p:sld xmlns:a="http://schemas.openxmlformats.org/drawingml/2006/main" xmlns:r="http://schemas.openxmlformats.org/officeDocument/2006/relationships" xmlns:p="http://schemas.openxmlformats.org/presentationml/2006/main">
+  <p:cSld>
+    <p:spTree>
+      <p:nvGrpSpPr>
+        <p:cNvPr id="1" name="">
+          <a:extLst>
+            <a:ext uri="{FF2B5EF4-FFF2-40B4-BE49-F238E27FC236}">
+              <a16:creationId xmlns:a16="http://schemas.microsoft.com/office/drawing/2014/main" id="{8CBB9179-B1C7-3CB3-1696-4224CBAEB15C}"/>
+            </a:ext>
+          </a:extLst>
+        </p:cNvPr>
+        <p:cNvGrpSpPr/>
+        <p:nvPr/>
+      </p:nvGrpSpPr>
+      <p:grpSpPr>
+        <a:xfrm>
+          <a:off x="0" y="0"/>
+          <a:ext cx="0" cy="0"/>
+          <a:chOff x="0" y="0"/>
+          <a:chExt cx="0" cy="0"/>
+        </a:xfrm>
+      </p:grpSpPr>
+      <p:sp>
+        <p:nvSpPr>
+          <p:cNvPr id="5" name="Isosceles Triangle 4">
+            <a:extLst>
+              <a:ext uri="{FF2B5EF4-FFF2-40B4-BE49-F238E27FC236}">
+                <a16:creationId xmlns:a16="http://schemas.microsoft.com/office/drawing/2014/main" id="{6DBF3228-70E1-8212-6969-E972293D8A73}"/>
+              </a:ext>
+            </a:extLst>
+          </p:cNvPr>
+          <p:cNvSpPr/>
+          <p:nvPr/>
+        </p:nvSpPr>
+        <p:spPr>
+          <a:xfrm>
+            <a:off x="1133764" y="1618901"/>
+            <a:ext cx="10429874" cy="4362450"/>
+          </a:xfrm>
+          <a:prstGeom prst="triangle">
+            <a:avLst>
+              <a:gd name="adj" fmla="val 50045"/>
+            </a:avLst>
+          </a:prstGeom>
+          <a:noFill/>
+        </p:spPr>
+        <p:style>
+          <a:lnRef idx="2">
+            <a:schemeClr val="accent1">
+              <a:shade val="15000"/>
+            </a:schemeClr>
+          </a:lnRef>
+          <a:fillRef idx="1">
+            <a:schemeClr val="accent1"/>
+          </a:fillRef>
+          <a:effectRef idx="0">
+            <a:schemeClr val="accent1"/>
+          </a:effectRef>
+          <a:fontRef idx="minor">
+            <a:schemeClr val="lt1"/>
+          </a:fontRef>
+        </p:style>
+        <p:txBody>
+          <a:bodyPr rtlCol="0" anchor="ctr"/>
+          <a:lstStyle/>
+          <a:p>
+            <a:pPr algn="ctr"/>
+            <a:endParaRPr lang="en-US" sz="2800"/>
+          </a:p>
+        </p:txBody>
+      </p:sp>
+      <p:sp>
+        <p:nvSpPr>
+          <p:cNvPr id="6" name="TextBox 5">
+            <a:extLst>
+              <a:ext uri="{FF2B5EF4-FFF2-40B4-BE49-F238E27FC236}">
+                <a16:creationId xmlns:a16="http://schemas.microsoft.com/office/drawing/2014/main" id="{AE20EA73-653E-346A-A878-486D90CD8EA4}"/>
+              </a:ext>
+            </a:extLst>
+          </p:cNvPr>
+          <p:cNvSpPr txBox="1"/>
+          <p:nvPr/>
+        </p:nvSpPr>
+        <p:spPr>
+          <a:xfrm>
+            <a:off x="5635864" y="6058233"/>
+            <a:ext cx="1406154" cy="646331"/>
+          </a:xfrm>
+          <a:prstGeom prst="rect">
+            <a:avLst/>
+          </a:prstGeom>
+          <a:noFill/>
+        </p:spPr>
+        <p:txBody>
+          <a:bodyPr wrap="none" rtlCol="0">
+            <a:spAutoFit/>
+          </a:bodyPr>
+          <a:lstStyle/>
+          <a:p>
+            <a:r>
+              <a:rPr lang="en-US" sz="3600" dirty="0"/>
+              <a:t>Pipe 1</a:t>
+            </a:r>
+          </a:p>
+        </p:txBody>
+      </p:sp>
+      <mc:AlternateContent xmlns:mc="http://schemas.openxmlformats.org/markup-compatibility/2006" xmlns:a14="http://schemas.microsoft.com/office/drawing/2010/main">
+        <mc:Choice Requires="a14">
+          <p:sp>
+            <p:nvSpPr>
+              <p:cNvPr id="7" name="TextBox 6">
+                <a:extLst>
+                  <a:ext uri="{FF2B5EF4-FFF2-40B4-BE49-F238E27FC236}">
+                    <a16:creationId xmlns:a16="http://schemas.microsoft.com/office/drawing/2014/main" id="{78FD2854-1EC5-A988-0447-77A5E763512A}"/>
+                  </a:ext>
+                </a:extLst>
+              </p:cNvPr>
+              <p:cNvSpPr txBox="1"/>
+              <p:nvPr/>
+            </p:nvSpPr>
+            <p:spPr>
+              <a:xfrm>
+                <a:off x="3312363" y="5219965"/>
+                <a:ext cx="1212640" cy="646331"/>
+              </a:xfrm>
+              <a:prstGeom prst="rect">
+                <a:avLst/>
+              </a:prstGeom>
+              <a:noFill/>
+            </p:spPr>
+            <p:txBody>
+              <a:bodyPr wrap="none" rtlCol="0">
+                <a:spAutoFit/>
+              </a:bodyPr>
+              <a:lstStyle/>
+              <a:p>
+                <a:pPr/>
+                <a14:m>
+                  <m:oMathPara xmlns:m="http://schemas.openxmlformats.org/officeDocument/2006/math">
+                    <m:oMathParaPr>
+                      <m:jc m:val="centerGroup"/>
+                    </m:oMathParaPr>
+                    <m:oMath xmlns:m="http://schemas.openxmlformats.org/officeDocument/2006/math">
+                      <m:sSub>
+                        <m:sSubPr>
+                          <m:ctrlPr>
+                            <a:rPr lang="en-US" sz="3600" i="1" smtClean="0">
+                              <a:latin typeface="Cambria Math" panose="02040503050406030204" pitchFamily="18" charset="0"/>
+                            </a:rPr>
+                          </m:ctrlPr>
+                        </m:sSubPr>
+                        <m:e>
+                          <m:r>
+                            <m:rPr>
+                              <m:sty m:val="p"/>
+                            </m:rPr>
+                            <a:rPr lang="en-GB" sz="3600" b="0" i="1" smtClean="0">
+                              <a:latin typeface="Cambria Math" panose="02040503050406030204" pitchFamily="18" charset="0"/>
+                            </a:rPr>
+                            <m:t>L</m:t>
+                          </m:r>
+                        </m:e>
+                        <m:sub>
+                          <m:r>
+                            <a:rPr lang="en-GB" sz="3600" b="0" i="1" smtClean="0">
+                              <a:latin typeface="Cambria Math" panose="02040503050406030204" pitchFamily="18" charset="0"/>
+                            </a:rPr>
+                            <m:t>1</m:t>
+                          </m:r>
+                        </m:sub>
+                      </m:sSub>
+                      <m:r>
+                        <a:rPr lang="en-GB" sz="3600" b="0" i="1" smtClean="0">
+                          <a:latin typeface="Cambria Math" panose="02040503050406030204" pitchFamily="18" charset="0"/>
+                        </a:rPr>
+                        <m:t>/2</m:t>
+                      </m:r>
+                    </m:oMath>
+                  </m:oMathPara>
+                </a14:m>
+                <a:endParaRPr lang="en-US" sz="3600" dirty="0"/>
+              </a:p>
+            </p:txBody>
+          </p:sp>
+        </mc:Choice>
+        <mc:Fallback xmlns="">
+          <p:sp>
+            <p:nvSpPr>
+              <p:cNvPr id="7" name="TextBox 6">
+                <a:extLst>
+                  <a:ext uri="{FF2B5EF4-FFF2-40B4-BE49-F238E27FC236}">
+                    <a16:creationId xmlns:a16="http://schemas.microsoft.com/office/drawing/2014/main" id="{78FD2854-1EC5-A988-0447-77A5E763512A}"/>
+                  </a:ext>
+                </a:extLst>
+              </p:cNvPr>
+              <p:cNvSpPr txBox="1">
+                <a:spLocks noRot="1" noChangeAspect="1" noMove="1" noResize="1" noEditPoints="1" noAdjustHandles="1" noChangeArrowheads="1" noChangeShapeType="1" noTextEdit="1"/>
+              </p:cNvSpPr>
+              <p:nvPr/>
+            </p:nvSpPr>
+            <p:spPr>
+              <a:xfrm>
+                <a:off x="3312363" y="5219965"/>
+                <a:ext cx="1212640" cy="646331"/>
+              </a:xfrm>
+              <a:prstGeom prst="rect">
+                <a:avLst/>
+              </a:prstGeom>
+              <a:blipFill>
+                <a:blip r:embed="rId2"/>
+                <a:stretch>
+                  <a:fillRect/>
+                </a:stretch>
+              </a:blipFill>
+            </p:spPr>
+            <p:txBody>
+              <a:bodyPr/>
+              <a:lstStyle/>
+              <a:p>
+                <a:r>
+                  <a:rPr lang="en-US">
+                    <a:noFill/>
+                  </a:rPr>
+                  <a:t> </a:t>
+                </a:r>
+              </a:p>
+            </p:txBody>
+          </p:sp>
+        </mc:Fallback>
+      </mc:AlternateContent>
+      <mc:AlternateContent xmlns:mc="http://schemas.openxmlformats.org/markup-compatibility/2006" xmlns:a14="http://schemas.microsoft.com/office/drawing/2010/main">
+        <mc:Choice Requires="a14">
+          <p:sp>
+            <p:nvSpPr>
+              <p:cNvPr id="8" name="TextBox 7">
+                <a:extLst>
+                  <a:ext uri="{FF2B5EF4-FFF2-40B4-BE49-F238E27FC236}">
+                    <a16:creationId xmlns:a16="http://schemas.microsoft.com/office/drawing/2014/main" id="{3B068152-0123-357E-B885-1B048F23B14A}"/>
+                  </a:ext>
+                </a:extLst>
+              </p:cNvPr>
+              <p:cNvSpPr txBox="1"/>
+              <p:nvPr/>
+            </p:nvSpPr>
+            <p:spPr>
+              <a:xfrm>
+                <a:off x="3962687" y="3652065"/>
+                <a:ext cx="1223348" cy="646331"/>
+              </a:xfrm>
+              <a:prstGeom prst="rect">
+                <a:avLst/>
+              </a:prstGeom>
+              <a:noFill/>
+            </p:spPr>
+            <p:txBody>
+              <a:bodyPr wrap="none" rtlCol="0">
+                <a:spAutoFit/>
+              </a:bodyPr>
+              <a:lstStyle/>
+              <a:p>
+                <a:pPr/>
+                <a14:m>
+                  <m:oMathPara xmlns:m="http://schemas.openxmlformats.org/officeDocument/2006/math">
+                    <m:oMathParaPr>
+                      <m:jc m:val="centerGroup"/>
+                    </m:oMathParaPr>
+                    <m:oMath xmlns:m="http://schemas.openxmlformats.org/officeDocument/2006/math">
+                      <m:sSub>
+                        <m:sSubPr>
+                          <m:ctrlPr>
+                            <a:rPr lang="en-US" sz="3600" i="1" smtClean="0">
+                              <a:latin typeface="Cambria Math" panose="02040503050406030204" pitchFamily="18" charset="0"/>
+                            </a:rPr>
+                          </m:ctrlPr>
+                        </m:sSubPr>
+                        <m:e>
+                          <m:r>
+                            <m:rPr>
+                              <m:sty m:val="p"/>
+                            </m:rPr>
+                            <a:rPr lang="en-GB" sz="3600" b="0" i="1" smtClean="0">
+                              <a:latin typeface="Cambria Math" panose="02040503050406030204" pitchFamily="18" charset="0"/>
+                            </a:rPr>
+                            <m:t>L</m:t>
+                          </m:r>
+                        </m:e>
+                        <m:sub>
+                          <m:r>
+                            <a:rPr lang="en-GB" sz="3600" b="0" i="1" smtClean="0">
+                              <a:latin typeface="Cambria Math" panose="02040503050406030204" pitchFamily="18" charset="0"/>
+                            </a:rPr>
+                            <m:t>3</m:t>
+                          </m:r>
+                        </m:sub>
+                      </m:sSub>
+                      <m:r>
+                        <a:rPr lang="en-GB" sz="3600" b="0" i="1" smtClean="0">
+                          <a:latin typeface="Cambria Math" panose="02040503050406030204" pitchFamily="18" charset="0"/>
+                        </a:rPr>
+                        <m:t>/2</m:t>
+                      </m:r>
+                    </m:oMath>
+                  </m:oMathPara>
+                </a14:m>
+                <a:endParaRPr lang="en-US" sz="3600" dirty="0"/>
+              </a:p>
+            </p:txBody>
+          </p:sp>
+        </mc:Choice>
+        <mc:Fallback xmlns="">
+          <p:sp>
+            <p:nvSpPr>
+              <p:cNvPr id="8" name="TextBox 7">
+                <a:extLst>
+                  <a:ext uri="{FF2B5EF4-FFF2-40B4-BE49-F238E27FC236}">
+                    <a16:creationId xmlns:a16="http://schemas.microsoft.com/office/drawing/2014/main" id="{3B068152-0123-357E-B885-1B048F23B14A}"/>
+                  </a:ext>
+                </a:extLst>
+              </p:cNvPr>
+              <p:cNvSpPr txBox="1">
+                <a:spLocks noRot="1" noChangeAspect="1" noMove="1" noResize="1" noEditPoints="1" noAdjustHandles="1" noChangeArrowheads="1" noChangeShapeType="1" noTextEdit="1"/>
+              </p:cNvSpPr>
+              <p:nvPr/>
+            </p:nvSpPr>
+            <p:spPr>
+              <a:xfrm>
+                <a:off x="3962687" y="3652065"/>
+                <a:ext cx="1223348" cy="646331"/>
+              </a:xfrm>
+              <a:prstGeom prst="rect">
+                <a:avLst/>
+              </a:prstGeom>
+              <a:blipFill>
+                <a:blip r:embed="rId3"/>
+                <a:stretch>
+                  <a:fillRect/>
+                </a:stretch>
+              </a:blipFill>
+            </p:spPr>
+            <p:txBody>
+              <a:bodyPr/>
+              <a:lstStyle/>
+              <a:p>
+                <a:r>
+                  <a:rPr lang="en-US">
+                    <a:noFill/>
+                  </a:rPr>
+                  <a:t> </a:t>
+                </a:r>
+              </a:p>
+            </p:txBody>
+          </p:sp>
+        </mc:Fallback>
+      </mc:AlternateContent>
+      <p:cxnSp>
+        <p:nvCxnSpPr>
+          <p:cNvPr id="10" name="Straight Connector 9">
+            <a:extLst>
+              <a:ext uri="{FF2B5EF4-FFF2-40B4-BE49-F238E27FC236}">
+                <a16:creationId xmlns:a16="http://schemas.microsoft.com/office/drawing/2014/main" id="{21E68A59-E883-9408-83FF-1DA90A746BA3}"/>
+              </a:ext>
+            </a:extLst>
+          </p:cNvPr>
+          <p:cNvCxnSpPr>
+            <a:cxnSpLocks/>
+            <a:endCxn id="5" idx="3"/>
+          </p:cNvCxnSpPr>
+          <p:nvPr/>
+        </p:nvCxnSpPr>
+        <p:spPr>
+          <a:xfrm>
+            <a:off x="6348701" y="908387"/>
+            <a:ext cx="4693" cy="5072964"/>
+          </a:xfrm>
+          <a:prstGeom prst="line">
+            <a:avLst/>
+          </a:prstGeom>
+          <a:ln>
+            <a:prstDash val="dash"/>
+          </a:ln>
+        </p:spPr>
+        <p:style>
+          <a:lnRef idx="2">
+            <a:schemeClr val="dk1"/>
+          </a:lnRef>
+          <a:fillRef idx="0">
+            <a:schemeClr val="dk1"/>
+          </a:fillRef>
+          <a:effectRef idx="1">
+            <a:schemeClr val="dk1"/>
+          </a:effectRef>
+          <a:fontRef idx="minor">
+            <a:schemeClr val="tx1"/>
+          </a:fontRef>
+        </p:style>
+      </p:cxnSp>
+      <mc:AlternateContent xmlns:mc="http://schemas.openxmlformats.org/markup-compatibility/2006" xmlns:a14="http://schemas.microsoft.com/office/drawing/2010/main">
+        <mc:Choice Requires="a14">
+          <p:sp>
+            <p:nvSpPr>
+              <p:cNvPr id="17" name="TextBox 16">
+                <a:extLst>
+                  <a:ext uri="{FF2B5EF4-FFF2-40B4-BE49-F238E27FC236}">
+                    <a16:creationId xmlns:a16="http://schemas.microsoft.com/office/drawing/2014/main" id="{9B8DF70C-6D95-8508-D8E5-3012C5EB22C0}"/>
+                  </a:ext>
+                </a:extLst>
+              </p:cNvPr>
+              <p:cNvSpPr txBox="1"/>
+              <p:nvPr/>
+            </p:nvSpPr>
+            <p:spPr>
+              <a:xfrm>
+                <a:off x="5815188" y="2035515"/>
+                <a:ext cx="385875" cy="553998"/>
+              </a:xfrm>
+              <a:prstGeom prst="rect">
+                <a:avLst/>
+              </a:prstGeom>
+              <a:noFill/>
+            </p:spPr>
+            <p:txBody>
+              <a:bodyPr wrap="none" lIns="0" tIns="0" rIns="0" bIns="0" rtlCol="0">
+                <a:spAutoFit/>
+              </a:bodyPr>
+              <a:lstStyle/>
+              <a:p>
+                <a:pPr/>
+                <a14:m>
+                  <m:oMathPara xmlns:m="http://schemas.openxmlformats.org/officeDocument/2006/math">
+                    <m:oMathParaPr>
+                      <m:jc m:val="centerGroup"/>
+                    </m:oMathParaPr>
+                    <m:oMath xmlns:m="http://schemas.openxmlformats.org/officeDocument/2006/math">
+                      <m:r>
+                        <a:rPr lang="en-US" sz="3600" i="1" smtClean="0">
+                          <a:latin typeface="Cambria Math" panose="02040503050406030204" pitchFamily="18" charset="0"/>
+                          <a:ea typeface="Cambria Math" panose="02040503050406030204" pitchFamily="18" charset="0"/>
+                        </a:rPr>
+                        <m:t>𝛼</m:t>
+                      </m:r>
+                    </m:oMath>
+                  </m:oMathPara>
+                </a14:m>
+                <a:endParaRPr lang="en-US" sz="3600" dirty="0"/>
+              </a:p>
+            </p:txBody>
+          </p:sp>
+        </mc:Choice>
+        <mc:Fallback xmlns="">
+          <p:sp>
+            <p:nvSpPr>
+              <p:cNvPr id="17" name="TextBox 16">
+                <a:extLst>
+                  <a:ext uri="{FF2B5EF4-FFF2-40B4-BE49-F238E27FC236}">
+                    <a16:creationId xmlns:a16="http://schemas.microsoft.com/office/drawing/2014/main" id="{9B8DF70C-6D95-8508-D8E5-3012C5EB22C0}"/>
+                  </a:ext>
+                </a:extLst>
+              </p:cNvPr>
+              <p:cNvSpPr txBox="1">
+                <a:spLocks noRot="1" noChangeAspect="1" noMove="1" noResize="1" noEditPoints="1" noAdjustHandles="1" noChangeArrowheads="1" noChangeShapeType="1" noTextEdit="1"/>
+              </p:cNvSpPr>
+              <p:nvPr/>
+            </p:nvSpPr>
+            <p:spPr>
+              <a:xfrm>
+                <a:off x="5815188" y="2035515"/>
+                <a:ext cx="385875" cy="553998"/>
+              </a:xfrm>
+              <a:prstGeom prst="rect">
+                <a:avLst/>
+              </a:prstGeom>
+              <a:blipFill>
+                <a:blip r:embed="rId4"/>
+                <a:stretch>
+                  <a:fillRect/>
+                </a:stretch>
+              </a:blipFill>
+            </p:spPr>
+            <p:txBody>
+              <a:bodyPr/>
+              <a:lstStyle/>
+              <a:p>
+                <a:r>
+                  <a:rPr lang="en-US">
+                    <a:noFill/>
+                  </a:rPr>
+                  <a:t> </a:t>
+                </a:r>
+              </a:p>
+            </p:txBody>
+          </p:sp>
+        </mc:Fallback>
+      </mc:AlternateContent>
+      <p:sp>
+        <p:nvSpPr>
+          <p:cNvPr id="24" name="Partial Circle 23">
+            <a:extLst>
+              <a:ext uri="{FF2B5EF4-FFF2-40B4-BE49-F238E27FC236}">
+                <a16:creationId xmlns:a16="http://schemas.microsoft.com/office/drawing/2014/main" id="{E5457CB4-2BC9-3153-330D-0A13B8E764FA}"/>
+              </a:ext>
+            </a:extLst>
+          </p:cNvPr>
+          <p:cNvSpPr/>
+          <p:nvPr/>
+        </p:nvSpPr>
+        <p:spPr>
+          <a:xfrm>
+            <a:off x="5891501" y="1185515"/>
+            <a:ext cx="914400" cy="914400"/>
+          </a:xfrm>
+          <a:prstGeom prst="pie">
+            <a:avLst>
+              <a:gd name="adj1" fmla="val 5459266"/>
+              <a:gd name="adj2" fmla="val 8511497"/>
+            </a:avLst>
+          </a:prstGeom>
+          <a:noFill/>
+        </p:spPr>
+        <p:style>
+          <a:lnRef idx="2">
+            <a:schemeClr val="accent1">
+              <a:shade val="15000"/>
+            </a:schemeClr>
+          </a:lnRef>
+          <a:fillRef idx="1">
+            <a:schemeClr val="accent1"/>
+          </a:fillRef>
+          <a:effectRef idx="0">
+            <a:schemeClr val="accent1"/>
+          </a:effectRef>
+          <a:fontRef idx="minor">
+            <a:schemeClr val="lt1"/>
+          </a:fontRef>
+        </p:style>
+        <p:txBody>
+          <a:bodyPr rtlCol="0" anchor="ctr"/>
+          <a:lstStyle/>
+          <a:p>
+            <a:pPr algn="ctr"/>
+            <a:endParaRPr lang="en-US" sz="2800">
+              <a:solidFill>
+                <a:schemeClr val="tx1"/>
+              </a:solidFill>
+            </a:endParaRPr>
+          </a:p>
+        </p:txBody>
+      </p:sp>
+      <p:sp>
+        <p:nvSpPr>
+          <p:cNvPr id="25" name="TextBox 24">
+            <a:extLst>
+              <a:ext uri="{FF2B5EF4-FFF2-40B4-BE49-F238E27FC236}">
+                <a16:creationId xmlns:a16="http://schemas.microsoft.com/office/drawing/2014/main" id="{631BCE5C-769F-1221-5E12-E5A9A5B6943C}"/>
+              </a:ext>
+            </a:extLst>
+          </p:cNvPr>
+          <p:cNvSpPr txBox="1"/>
+          <p:nvPr/>
+        </p:nvSpPr>
+        <p:spPr>
+          <a:xfrm>
+            <a:off x="2512529" y="585222"/>
+            <a:ext cx="1406154" cy="646331"/>
+          </a:xfrm>
+          <a:prstGeom prst="rect">
+            <a:avLst/>
+          </a:prstGeom>
+          <a:noFill/>
+        </p:spPr>
+        <p:txBody>
+          <a:bodyPr wrap="none" rtlCol="0">
+            <a:spAutoFit/>
+          </a:bodyPr>
+          <a:lstStyle/>
+          <a:p>
+            <a:r>
+              <a:rPr lang="en-US" sz="3600" dirty="0"/>
+              <a:t>Pipe 3</a:t>
+            </a:r>
+          </a:p>
+        </p:txBody>
+      </p:sp>
+      <mc:AlternateContent xmlns:mc="http://schemas.openxmlformats.org/markup-compatibility/2006" xmlns:a14="http://schemas.microsoft.com/office/drawing/2010/main">
+        <mc:Choice Requires="a14">
+          <p:sp>
+            <p:nvSpPr>
+              <p:cNvPr id="26" name="TextBox 25">
+                <a:extLst>
+                  <a:ext uri="{FF2B5EF4-FFF2-40B4-BE49-F238E27FC236}">
+                    <a16:creationId xmlns:a16="http://schemas.microsoft.com/office/drawing/2014/main" id="{848CB8C2-CDAB-DBDE-A639-29BCD18A7B6E}"/>
+                  </a:ext>
+                </a:extLst>
+              </p:cNvPr>
+              <p:cNvSpPr txBox="1"/>
+              <p:nvPr/>
+            </p:nvSpPr>
+            <p:spPr>
+              <a:xfrm>
+                <a:off x="6489002" y="3524640"/>
+                <a:ext cx="750462" cy="646331"/>
+              </a:xfrm>
+              <a:prstGeom prst="rect">
+                <a:avLst/>
+              </a:prstGeom>
+              <a:noFill/>
+            </p:spPr>
+            <p:txBody>
+              <a:bodyPr wrap="none" rtlCol="0">
+                <a:spAutoFit/>
+              </a:bodyPr>
+              <a:lstStyle/>
+              <a:p>
+                <a:pPr/>
+                <a14:m>
+                  <m:oMathPara xmlns:m="http://schemas.openxmlformats.org/officeDocument/2006/math">
+                    <m:oMathParaPr>
+                      <m:jc m:val="centerGroup"/>
+                    </m:oMathParaPr>
+                    <m:oMath xmlns:m="http://schemas.openxmlformats.org/officeDocument/2006/math">
+                      <m:sSub>
+                        <m:sSubPr>
+                          <m:ctrlPr>
+                            <a:rPr lang="en-US" sz="3600" i="1">
+                              <a:latin typeface="Cambria Math" panose="02040503050406030204" pitchFamily="18" charset="0"/>
+                            </a:rPr>
+                          </m:ctrlPr>
+                        </m:sSubPr>
+                        <m:e>
+                          <m:r>
+                            <a:rPr lang="en-GB" sz="3600" i="1" smtClean="0">
+                              <a:latin typeface="Cambria Math" panose="02040503050406030204" pitchFamily="18" charset="0"/>
+                            </a:rPr>
+                            <m:t>h</m:t>
+                          </m:r>
+                        </m:e>
+                        <m:sub>
+                          <m:r>
+                            <a:rPr lang="en-GB" sz="3600" b="0" i="1" smtClean="0">
+                              <a:latin typeface="Cambria Math" panose="02040503050406030204" pitchFamily="18" charset="0"/>
+                            </a:rPr>
+                            <m:t>3</m:t>
+                          </m:r>
+                        </m:sub>
+                      </m:sSub>
+                    </m:oMath>
+                  </m:oMathPara>
+                </a14:m>
+                <a:endParaRPr lang="en-US" sz="3600" i="1" dirty="0"/>
+              </a:p>
+            </p:txBody>
+          </p:sp>
+        </mc:Choice>
+        <mc:Fallback xmlns="">
+          <p:sp>
+            <p:nvSpPr>
+              <p:cNvPr id="26" name="TextBox 25">
+                <a:extLst>
+                  <a:ext uri="{FF2B5EF4-FFF2-40B4-BE49-F238E27FC236}">
+                    <a16:creationId xmlns:a16="http://schemas.microsoft.com/office/drawing/2014/main" id="{848CB8C2-CDAB-DBDE-A639-29BCD18A7B6E}"/>
+                  </a:ext>
+                </a:extLst>
+              </p:cNvPr>
+              <p:cNvSpPr txBox="1">
+                <a:spLocks noRot="1" noChangeAspect="1" noMove="1" noResize="1" noEditPoints="1" noAdjustHandles="1" noChangeArrowheads="1" noChangeShapeType="1" noTextEdit="1"/>
+              </p:cNvSpPr>
+              <p:nvPr/>
+            </p:nvSpPr>
+            <p:spPr>
+              <a:xfrm>
+                <a:off x="6489002" y="3524640"/>
+                <a:ext cx="750462" cy="646331"/>
+              </a:xfrm>
+              <a:prstGeom prst="rect">
+                <a:avLst/>
+              </a:prstGeom>
+              <a:blipFill>
+                <a:blip r:embed="rId5"/>
+                <a:stretch>
+                  <a:fillRect/>
+                </a:stretch>
+              </a:blipFill>
+            </p:spPr>
+            <p:txBody>
+              <a:bodyPr/>
+              <a:lstStyle/>
+              <a:p>
+                <a:r>
+                  <a:rPr lang="en-US">
+                    <a:noFill/>
+                  </a:rPr>
+                  <a:t> </a:t>
+                </a:r>
+              </a:p>
+            </p:txBody>
+          </p:sp>
+        </mc:Fallback>
+      </mc:AlternateContent>
+      <p:cxnSp>
+        <p:nvCxnSpPr>
+          <p:cNvPr id="3" name="Straight Connector 2">
+            <a:extLst>
+              <a:ext uri="{FF2B5EF4-FFF2-40B4-BE49-F238E27FC236}">
+                <a16:creationId xmlns:a16="http://schemas.microsoft.com/office/drawing/2014/main" id="{B27895BC-59E3-59BE-BAB8-E5B5A3B71638}"/>
+              </a:ext>
+            </a:extLst>
+          </p:cNvPr>
+          <p:cNvCxnSpPr>
+            <a:cxnSpLocks/>
+          </p:cNvCxnSpPr>
+          <p:nvPr/>
+        </p:nvCxnSpPr>
+        <p:spPr>
+          <a:xfrm flipV="1">
+            <a:off x="369656" y="908387"/>
+            <a:ext cx="5969285" cy="5041225"/>
+          </a:xfrm>
+          <a:prstGeom prst="line">
+            <a:avLst/>
+          </a:prstGeom>
+        </p:spPr>
+        <p:style>
+          <a:lnRef idx="2">
+            <a:schemeClr val="accent1"/>
+          </a:lnRef>
+          <a:fillRef idx="0">
+            <a:schemeClr val="accent1"/>
+          </a:fillRef>
+          <a:effectRef idx="1">
+            <a:schemeClr val="accent1"/>
+          </a:effectRef>
+          <a:fontRef idx="minor">
+            <a:schemeClr val="tx1"/>
+          </a:fontRef>
+        </p:style>
+      </p:cxnSp>
+      <p:cxnSp>
+        <p:nvCxnSpPr>
+          <p:cNvPr id="16" name="Straight Connector 15">
+            <a:extLst>
+              <a:ext uri="{FF2B5EF4-FFF2-40B4-BE49-F238E27FC236}">
+                <a16:creationId xmlns:a16="http://schemas.microsoft.com/office/drawing/2014/main" id="{BF4BF098-ECC8-DC09-8354-6A1A8A01EB33}"/>
+              </a:ext>
+            </a:extLst>
+          </p:cNvPr>
+          <p:cNvCxnSpPr>
+            <a:stCxn id="5" idx="0"/>
+            <a:endCxn id="5" idx="0"/>
+          </p:cNvCxnSpPr>
+          <p:nvPr/>
+        </p:nvCxnSpPr>
+        <p:spPr>
+          <a:xfrm flipH="1">
+            <a:off x="6348701" y="1618901"/>
+            <a:ext cx="4693" cy="0"/>
+          </a:xfrm>
+          <a:prstGeom prst="line">
+            <a:avLst/>
+          </a:prstGeom>
+        </p:spPr>
+        <p:style>
+          <a:lnRef idx="2">
+            <a:schemeClr val="accent1"/>
+          </a:lnRef>
+          <a:fillRef idx="0">
+            <a:schemeClr val="accent1"/>
+          </a:fillRef>
+          <a:effectRef idx="1">
+            <a:schemeClr val="accent1"/>
+          </a:effectRef>
+          <a:fontRef idx="minor">
+            <a:schemeClr val="tx1"/>
+          </a:fontRef>
+        </p:style>
+      </p:cxnSp>
+      <p:cxnSp>
+        <p:nvCxnSpPr>
+          <p:cNvPr id="19" name="Straight Connector 18">
+            <a:extLst>
+              <a:ext uri="{FF2B5EF4-FFF2-40B4-BE49-F238E27FC236}">
+                <a16:creationId xmlns:a16="http://schemas.microsoft.com/office/drawing/2014/main" id="{1B897A17-C11A-8F4A-0E3A-FD39B7DD03BC}"/>
+              </a:ext>
+            </a:extLst>
+          </p:cNvPr>
+          <p:cNvCxnSpPr>
+            <a:cxnSpLocks/>
+            <a:endCxn id="5" idx="0"/>
+          </p:cNvCxnSpPr>
+          <p:nvPr/>
+        </p:nvCxnSpPr>
+        <p:spPr>
+          <a:xfrm>
+            <a:off x="6008125" y="1231553"/>
+            <a:ext cx="345269" cy="387348"/>
+          </a:xfrm>
+          <a:prstGeom prst="line">
+            <a:avLst/>
+          </a:prstGeom>
+          <a:ln>
+            <a:solidFill>
+              <a:schemeClr val="tx1"/>
+            </a:solidFill>
+            <a:prstDash val="dash"/>
+          </a:ln>
+        </p:spPr>
+        <p:style>
+          <a:lnRef idx="2">
+            <a:schemeClr val="accent1"/>
+          </a:lnRef>
+          <a:fillRef idx="0">
+            <a:schemeClr val="accent1"/>
+          </a:fillRef>
+          <a:effectRef idx="1">
+            <a:schemeClr val="accent1"/>
+          </a:effectRef>
+          <a:fontRef idx="minor">
+            <a:schemeClr val="tx1"/>
+          </a:fontRef>
+        </p:style>
+      </p:cxnSp>
+      <mc:AlternateContent xmlns:mc="http://schemas.openxmlformats.org/markup-compatibility/2006" xmlns:a14="http://schemas.microsoft.com/office/drawing/2010/main">
+        <mc:Choice Requires="a14">
+          <p:sp>
+            <p:nvSpPr>
+              <p:cNvPr id="23" name="TextBox 22">
+                <a:extLst>
+                  <a:ext uri="{FF2B5EF4-FFF2-40B4-BE49-F238E27FC236}">
+                    <a16:creationId xmlns:a16="http://schemas.microsoft.com/office/drawing/2014/main" id="{26AF09A7-E864-7FF6-9F4D-407B7BCA604A}"/>
+                  </a:ext>
+                </a:extLst>
+              </p:cNvPr>
+              <p:cNvSpPr txBox="1"/>
+              <p:nvPr/>
+            </p:nvSpPr>
+            <p:spPr>
+              <a:xfrm>
+                <a:off x="5618343" y="1357353"/>
+                <a:ext cx="662940" cy="461665"/>
+              </a:xfrm>
+              <a:prstGeom prst="rect">
+                <a:avLst/>
+              </a:prstGeom>
+              <a:noFill/>
+            </p:spPr>
+            <p:txBody>
+              <a:bodyPr wrap="square">
+                <a:spAutoFit/>
+              </a:bodyPr>
+              <a:lstStyle/>
+              <a:p>
+                <a:pPr/>
+                <a14:m>
+                  <m:oMathPara xmlns:m="http://schemas.openxmlformats.org/officeDocument/2006/math">
+                    <m:oMathParaPr>
+                      <m:jc m:val="centerGroup"/>
+                    </m:oMathParaPr>
+                    <m:oMath xmlns:m="http://schemas.openxmlformats.org/officeDocument/2006/math">
+                      <m:sSub>
+                        <m:sSubPr>
+                          <m:ctrlPr>
+                            <a:rPr lang="en-US" sz="2400" i="1" smtClean="0">
+                              <a:latin typeface="Cambria Math" panose="02040503050406030204" pitchFamily="18" charset="0"/>
+                            </a:rPr>
+                          </m:ctrlPr>
+                        </m:sSubPr>
+                        <m:e>
+                          <m:r>
+                            <a:rPr lang="en-GB" sz="2400" b="0" i="1" smtClean="0">
+                              <a:latin typeface="Cambria Math" panose="02040503050406030204" pitchFamily="18" charset="0"/>
+                            </a:rPr>
+                            <m:t>𝑤</m:t>
+                          </m:r>
+                        </m:e>
+                        <m:sub>
+                          <m:r>
+                            <a:rPr lang="en-GB" sz="2400" b="0" i="1" smtClean="0">
+                              <a:latin typeface="Cambria Math" panose="02040503050406030204" pitchFamily="18" charset="0"/>
+                            </a:rPr>
+                            <m:t>3</m:t>
+                          </m:r>
+                        </m:sub>
+                      </m:sSub>
+                    </m:oMath>
+                  </m:oMathPara>
+                </a14:m>
+                <a:endParaRPr lang="en-US" sz="2400" dirty="0"/>
+              </a:p>
+            </p:txBody>
+          </p:sp>
+        </mc:Choice>
+        <mc:Fallback xmlns="">
+          <p:sp>
+            <p:nvSpPr>
+              <p:cNvPr id="23" name="TextBox 22">
+                <a:extLst>
+                  <a:ext uri="{FF2B5EF4-FFF2-40B4-BE49-F238E27FC236}">
+                    <a16:creationId xmlns:a16="http://schemas.microsoft.com/office/drawing/2014/main" id="{26AF09A7-E864-7FF6-9F4D-407B7BCA604A}"/>
+                  </a:ext>
+                </a:extLst>
+              </p:cNvPr>
+              <p:cNvSpPr txBox="1">
+                <a:spLocks noRot="1" noChangeAspect="1" noMove="1" noResize="1" noEditPoints="1" noAdjustHandles="1" noChangeArrowheads="1" noChangeShapeType="1" noTextEdit="1"/>
+              </p:cNvSpPr>
+              <p:nvPr/>
+            </p:nvSpPr>
+            <p:spPr>
+              <a:xfrm>
+                <a:off x="5618343" y="1357353"/>
+                <a:ext cx="662940" cy="461665"/>
+              </a:xfrm>
+              <a:prstGeom prst="rect">
+                <a:avLst/>
+              </a:prstGeom>
+              <a:blipFill>
+                <a:blip r:embed="rId6"/>
+                <a:stretch>
+                  <a:fillRect/>
+                </a:stretch>
+              </a:blipFill>
+            </p:spPr>
+            <p:txBody>
+              <a:bodyPr/>
+              <a:lstStyle/>
+              <a:p>
+                <a:r>
+                  <a:rPr lang="en-US">
+                    <a:noFill/>
+                  </a:rPr>
+                  <a:t> </a:t>
+                </a:r>
+              </a:p>
+            </p:txBody>
+          </p:sp>
+        </mc:Fallback>
+      </mc:AlternateContent>
+      <mc:AlternateContent xmlns:mc="http://schemas.openxmlformats.org/markup-compatibility/2006">
+        <mc:Choice xmlns:a14="http://schemas.microsoft.com/office/drawing/2010/main" Requires="a14">
+          <p:sp>
+            <p:nvSpPr>
+              <p:cNvPr id="27" name="TextBox 26">
+                <a:extLst>
+                  <a:ext uri="{FF2B5EF4-FFF2-40B4-BE49-F238E27FC236}">
+                    <a16:creationId xmlns:a16="http://schemas.microsoft.com/office/drawing/2014/main" id="{5AE4B529-9A5A-5098-A973-DD945F8B69C3}"/>
+                  </a:ext>
+                </a:extLst>
+              </p:cNvPr>
+              <p:cNvSpPr txBox="1"/>
+              <p:nvPr/>
+            </p:nvSpPr>
+            <p:spPr>
+              <a:xfrm>
+                <a:off x="6254440" y="1170675"/>
+                <a:ext cx="744050" cy="461665"/>
+              </a:xfrm>
+              <a:prstGeom prst="rect">
+                <a:avLst/>
+              </a:prstGeom>
+              <a:noFill/>
+            </p:spPr>
+            <p:txBody>
+              <a:bodyPr wrap="square" rtlCol="0">
+                <a:spAutoFit/>
+              </a:bodyPr>
+              <a:lstStyle/>
+              <a:p>
+                <a:pPr/>
+                <a14:m>
+                  <m:oMathPara xmlns:m="http://schemas.openxmlformats.org/officeDocument/2006/math">
+                    <m:oMathParaPr>
+                      <m:jc m:val="centerGroup"/>
+                    </m:oMathParaPr>
+                    <m:oMath xmlns:m="http://schemas.openxmlformats.org/officeDocument/2006/math">
+                      <m:sSub>
+                        <m:sSubPr>
+                          <m:ctrlPr>
+                            <a:rPr lang="en-US" sz="2400" i="1">
+                              <a:latin typeface="Cambria Math" panose="02040503050406030204" pitchFamily="18" charset="0"/>
+                            </a:rPr>
+                          </m:ctrlPr>
+                        </m:sSubPr>
+                        <m:e>
+                          <m:r>
+                            <a:rPr lang="en-US" sz="2400" i="1" smtClean="0">
+                              <a:latin typeface="Cambria Math" panose="02040503050406030204" pitchFamily="18" charset="0"/>
+                              <a:ea typeface="Cambria Math" panose="02040503050406030204" pitchFamily="18" charset="0"/>
+                            </a:rPr>
+                            <m:t>∆</m:t>
+                          </m:r>
+                          <m:r>
+                            <a:rPr lang="en-GB" sz="2400" i="1" smtClean="0">
+                              <a:latin typeface="Cambria Math" panose="02040503050406030204" pitchFamily="18" charset="0"/>
+                            </a:rPr>
+                            <m:t>h</m:t>
+                          </m:r>
+                        </m:e>
+                        <m:sub>
+                          <m:r>
+                            <a:rPr lang="en-GB" sz="2400" b="0" i="1" smtClean="0">
+                              <a:latin typeface="Cambria Math" panose="02040503050406030204" pitchFamily="18" charset="0"/>
+                            </a:rPr>
+                            <m:t>3</m:t>
+                          </m:r>
+                        </m:sub>
+                      </m:sSub>
+                    </m:oMath>
+                  </m:oMathPara>
+                </a14:m>
+                <a:endParaRPr lang="en-US" sz="2400" i="1" dirty="0"/>
+              </a:p>
+            </p:txBody>
+          </p:sp>
+        </mc:Choice>
+        <mc:Fallback>
+          <p:sp>
+            <p:nvSpPr>
+              <p:cNvPr id="27" name="TextBox 26">
+                <a:extLst>
+                  <a:ext uri="{FF2B5EF4-FFF2-40B4-BE49-F238E27FC236}">
+                    <a16:creationId xmlns:a16="http://schemas.microsoft.com/office/drawing/2014/main" id="{5AE4B529-9A5A-5098-A973-DD945F8B69C3}"/>
+                  </a:ext>
+                </a:extLst>
+              </p:cNvPr>
+              <p:cNvSpPr txBox="1">
+                <a:spLocks noRot="1" noChangeAspect="1" noMove="1" noResize="1" noEditPoints="1" noAdjustHandles="1" noChangeArrowheads="1" noChangeShapeType="1" noTextEdit="1"/>
+              </p:cNvSpPr>
+              <p:nvPr/>
+            </p:nvSpPr>
+            <p:spPr>
+              <a:xfrm>
+                <a:off x="6254440" y="1170675"/>
+                <a:ext cx="744050" cy="461665"/>
+              </a:xfrm>
+              <a:prstGeom prst="rect">
+                <a:avLst/>
+              </a:prstGeom>
+              <a:blipFill>
+                <a:blip r:embed="rId7"/>
+                <a:stretch>
+                  <a:fillRect/>
+                </a:stretch>
+              </a:blipFill>
+            </p:spPr>
+            <p:txBody>
+              <a:bodyPr/>
+              <a:lstStyle/>
+              <a:p>
+                <a:r>
+                  <a:rPr lang="en-US">
+                    <a:noFill/>
+                  </a:rPr>
+                  <a:t> </a:t>
+                </a:r>
+              </a:p>
+            </p:txBody>
+          </p:sp>
+        </mc:Fallback>
+      </mc:AlternateContent>
+      <p:cxnSp>
+        <p:nvCxnSpPr>
+          <p:cNvPr id="29" name="Straight Connector 28">
+            <a:extLst>
+              <a:ext uri="{FF2B5EF4-FFF2-40B4-BE49-F238E27FC236}">
+                <a16:creationId xmlns:a16="http://schemas.microsoft.com/office/drawing/2014/main" id="{524687D0-74CB-83CA-85C0-5E4F17E2ECB1}"/>
+              </a:ext>
+            </a:extLst>
+          </p:cNvPr>
+          <p:cNvCxnSpPr>
+            <a:cxnSpLocks/>
+          </p:cNvCxnSpPr>
+          <p:nvPr/>
+        </p:nvCxnSpPr>
+        <p:spPr>
+          <a:xfrm>
+            <a:off x="796785" y="5624283"/>
+            <a:ext cx="345269" cy="387348"/>
+          </a:xfrm>
+          <a:prstGeom prst="line">
+            <a:avLst/>
+          </a:prstGeom>
+          <a:ln>
+            <a:solidFill>
+              <a:schemeClr val="tx1"/>
+            </a:solidFill>
+            <a:prstDash val="dash"/>
+          </a:ln>
+        </p:spPr>
+        <p:style>
+          <a:lnRef idx="2">
+            <a:schemeClr val="accent1"/>
+          </a:lnRef>
+          <a:fillRef idx="0">
+            <a:schemeClr val="accent1"/>
+          </a:fillRef>
+          <a:effectRef idx="1">
+            <a:schemeClr val="accent1"/>
+          </a:effectRef>
+          <a:fontRef idx="minor">
+            <a:schemeClr val="tx1"/>
+          </a:fontRef>
+        </p:style>
+      </p:cxnSp>
+      <mc:AlternateContent xmlns:mc="http://schemas.openxmlformats.org/markup-compatibility/2006" xmlns:a14="http://schemas.microsoft.com/office/drawing/2010/main">
+        <mc:Choice Requires="a14">
+          <p:sp>
+            <p:nvSpPr>
+              <p:cNvPr id="30" name="TextBox 29">
+                <a:extLst>
+                  <a:ext uri="{FF2B5EF4-FFF2-40B4-BE49-F238E27FC236}">
+                    <a16:creationId xmlns:a16="http://schemas.microsoft.com/office/drawing/2014/main" id="{D32774F9-708A-2311-6136-AD57F510172F}"/>
+                  </a:ext>
+                </a:extLst>
+              </p:cNvPr>
+              <p:cNvSpPr txBox="1"/>
+              <p:nvPr/>
+            </p:nvSpPr>
+            <p:spPr>
+              <a:xfrm>
+                <a:off x="820344" y="5356292"/>
+                <a:ext cx="662940" cy="461665"/>
+              </a:xfrm>
+              <a:prstGeom prst="rect">
+                <a:avLst/>
+              </a:prstGeom>
+              <a:noFill/>
+            </p:spPr>
+            <p:txBody>
+              <a:bodyPr wrap="square">
+                <a:spAutoFit/>
+              </a:bodyPr>
+              <a:lstStyle/>
+              <a:p>
+                <a:pPr/>
+                <a14:m>
+                  <m:oMathPara xmlns:m="http://schemas.openxmlformats.org/officeDocument/2006/math">
+                    <m:oMathParaPr>
+                      <m:jc m:val="centerGroup"/>
+                    </m:oMathParaPr>
+                    <m:oMath xmlns:m="http://schemas.openxmlformats.org/officeDocument/2006/math">
+                      <m:sSub>
+                        <m:sSubPr>
+                          <m:ctrlPr>
+                            <a:rPr lang="en-US" sz="2400" i="1" smtClean="0">
+                              <a:latin typeface="Cambria Math" panose="02040503050406030204" pitchFamily="18" charset="0"/>
+                            </a:rPr>
+                          </m:ctrlPr>
+                        </m:sSubPr>
+                        <m:e>
+                          <m:r>
+                            <a:rPr lang="en-GB" sz="2400" b="0" i="1" smtClean="0">
+                              <a:latin typeface="Cambria Math" panose="02040503050406030204" pitchFamily="18" charset="0"/>
+                            </a:rPr>
+                            <m:t>𝑤</m:t>
+                          </m:r>
+                        </m:e>
+                        <m:sub>
+                          <m:r>
+                            <a:rPr lang="en-GB" sz="2400" b="0" i="1" smtClean="0">
+                              <a:latin typeface="Cambria Math" panose="02040503050406030204" pitchFamily="18" charset="0"/>
+                            </a:rPr>
+                            <m:t>3</m:t>
+                          </m:r>
+                        </m:sub>
+                      </m:sSub>
+                    </m:oMath>
+                  </m:oMathPara>
+                </a14:m>
+                <a:endParaRPr lang="en-US" sz="2400" dirty="0"/>
+              </a:p>
+            </p:txBody>
+          </p:sp>
+        </mc:Choice>
+        <mc:Fallback xmlns="">
+          <p:sp>
+            <p:nvSpPr>
+              <p:cNvPr id="30" name="TextBox 29">
+                <a:extLst>
+                  <a:ext uri="{FF2B5EF4-FFF2-40B4-BE49-F238E27FC236}">
+                    <a16:creationId xmlns:a16="http://schemas.microsoft.com/office/drawing/2014/main" id="{D32774F9-708A-2311-6136-AD57F510172F}"/>
+                  </a:ext>
+                </a:extLst>
+              </p:cNvPr>
+              <p:cNvSpPr txBox="1">
+                <a:spLocks noRot="1" noChangeAspect="1" noMove="1" noResize="1" noEditPoints="1" noAdjustHandles="1" noChangeArrowheads="1" noChangeShapeType="1" noTextEdit="1"/>
+              </p:cNvSpPr>
+              <p:nvPr/>
+            </p:nvSpPr>
+            <p:spPr>
+              <a:xfrm>
+                <a:off x="820344" y="5356292"/>
+                <a:ext cx="662940" cy="461665"/>
+              </a:xfrm>
+              <a:prstGeom prst="rect">
+                <a:avLst/>
+              </a:prstGeom>
+              <a:blipFill>
+                <a:blip r:embed="rId8"/>
+                <a:stretch>
+                  <a:fillRect/>
+                </a:stretch>
+              </a:blipFill>
+            </p:spPr>
+            <p:txBody>
+              <a:bodyPr/>
+              <a:lstStyle/>
+              <a:p>
+                <a:r>
+                  <a:rPr lang="en-US">
+                    <a:noFill/>
+                  </a:rPr>
+                  <a:t> </a:t>
+                </a:r>
+              </a:p>
+            </p:txBody>
+          </p:sp>
+        </mc:Fallback>
+      </mc:AlternateContent>
+      <p:cxnSp>
+        <p:nvCxnSpPr>
+          <p:cNvPr id="31" name="Straight Connector 30">
+            <a:extLst>
+              <a:ext uri="{FF2B5EF4-FFF2-40B4-BE49-F238E27FC236}">
+                <a16:creationId xmlns:a16="http://schemas.microsoft.com/office/drawing/2014/main" id="{B034D393-FFB3-DF30-6F20-A6A4D603A862}"/>
+              </a:ext>
+            </a:extLst>
+          </p:cNvPr>
+          <p:cNvCxnSpPr>
+            <a:cxnSpLocks/>
+          </p:cNvCxnSpPr>
+          <p:nvPr/>
+        </p:nvCxnSpPr>
+        <p:spPr>
+          <a:xfrm>
+            <a:off x="369656" y="5950925"/>
+            <a:ext cx="806423" cy="31739"/>
+          </a:xfrm>
+          <a:prstGeom prst="line">
+            <a:avLst/>
+          </a:prstGeom>
+          <a:ln>
+            <a:solidFill>
+              <a:schemeClr val="tx1"/>
+            </a:solidFill>
+            <a:prstDash val="dash"/>
+          </a:ln>
+        </p:spPr>
+        <p:style>
+          <a:lnRef idx="2">
+            <a:schemeClr val="accent1"/>
+          </a:lnRef>
+          <a:fillRef idx="0">
+            <a:schemeClr val="accent1"/>
+          </a:fillRef>
+          <a:effectRef idx="1">
+            <a:schemeClr val="accent1"/>
+          </a:effectRef>
+          <a:fontRef idx="minor">
+            <a:schemeClr val="tx1"/>
+          </a:fontRef>
+        </p:style>
+      </p:cxnSp>
+      <mc:AlternateContent xmlns:mc="http://schemas.openxmlformats.org/markup-compatibility/2006" xmlns:a14="http://schemas.microsoft.com/office/drawing/2010/main">
+        <mc:Choice Requires="a14">
+          <p:sp>
+            <p:nvSpPr>
+              <p:cNvPr id="35" name="TextBox 34">
+                <a:extLst>
+                  <a:ext uri="{FF2B5EF4-FFF2-40B4-BE49-F238E27FC236}">
+                    <a16:creationId xmlns:a16="http://schemas.microsoft.com/office/drawing/2014/main" id="{50A8F9D9-6ED5-8B1E-428F-4533EFB7316F}"/>
+                  </a:ext>
+                </a:extLst>
+              </p:cNvPr>
+              <p:cNvSpPr txBox="1"/>
+              <p:nvPr/>
+            </p:nvSpPr>
+            <p:spPr>
+              <a:xfrm>
+                <a:off x="1734744" y="5373039"/>
+                <a:ext cx="389081" cy="553998"/>
+              </a:xfrm>
+              <a:prstGeom prst="rect">
+                <a:avLst/>
+              </a:prstGeom>
+              <a:noFill/>
+            </p:spPr>
+            <p:txBody>
+              <a:bodyPr wrap="none" lIns="0" tIns="0" rIns="0" bIns="0" rtlCol="0">
+                <a:spAutoFit/>
+              </a:bodyPr>
+              <a:lstStyle/>
+              <a:p>
+                <a:pPr/>
+                <a14:m>
+                  <m:oMathPara xmlns:m="http://schemas.openxmlformats.org/officeDocument/2006/math">
+                    <m:oMathParaPr>
+                      <m:jc m:val="centerGroup"/>
+                    </m:oMathParaPr>
+                    <m:oMath xmlns:m="http://schemas.openxmlformats.org/officeDocument/2006/math">
+                      <m:r>
+                        <a:rPr lang="en-US" sz="3600" i="1" smtClean="0">
+                          <a:latin typeface="Cambria Math" panose="02040503050406030204" pitchFamily="18" charset="0"/>
+                          <a:ea typeface="Cambria Math" panose="02040503050406030204" pitchFamily="18" charset="0"/>
+                        </a:rPr>
+                        <m:t>𝛽</m:t>
+                      </m:r>
+                    </m:oMath>
+                  </m:oMathPara>
+                </a14:m>
+                <a:endParaRPr lang="en-US" sz="3600" dirty="0"/>
+              </a:p>
+            </p:txBody>
+          </p:sp>
+        </mc:Choice>
+        <mc:Fallback xmlns="">
+          <p:sp>
+            <p:nvSpPr>
+              <p:cNvPr id="35" name="TextBox 34">
+                <a:extLst>
+                  <a:ext uri="{FF2B5EF4-FFF2-40B4-BE49-F238E27FC236}">
+                    <a16:creationId xmlns:a16="http://schemas.microsoft.com/office/drawing/2014/main" id="{50A8F9D9-6ED5-8B1E-428F-4533EFB7316F}"/>
+                  </a:ext>
+                </a:extLst>
+              </p:cNvPr>
+              <p:cNvSpPr txBox="1">
+                <a:spLocks noRot="1" noChangeAspect="1" noMove="1" noResize="1" noEditPoints="1" noAdjustHandles="1" noChangeArrowheads="1" noChangeShapeType="1" noTextEdit="1"/>
+              </p:cNvSpPr>
+              <p:nvPr/>
+            </p:nvSpPr>
+            <p:spPr>
+              <a:xfrm>
+                <a:off x="1734744" y="5373039"/>
+                <a:ext cx="389081" cy="553998"/>
+              </a:xfrm>
+              <a:prstGeom prst="rect">
+                <a:avLst/>
+              </a:prstGeom>
+              <a:blipFill>
+                <a:blip r:embed="rId9"/>
+                <a:stretch>
+                  <a:fillRect/>
+                </a:stretch>
+              </a:blipFill>
+            </p:spPr>
+            <p:txBody>
+              <a:bodyPr/>
+              <a:lstStyle/>
+              <a:p>
+                <a:r>
+                  <a:rPr lang="en-US">
+                    <a:noFill/>
+                  </a:rPr>
+                  <a:t> </a:t>
+                </a:r>
+              </a:p>
+            </p:txBody>
+          </p:sp>
+        </mc:Fallback>
+      </mc:AlternateContent>
+      <p:sp>
+        <p:nvSpPr>
+          <p:cNvPr id="36" name="Partial Circle 35">
+            <a:extLst>
+              <a:ext uri="{FF2B5EF4-FFF2-40B4-BE49-F238E27FC236}">
+                <a16:creationId xmlns:a16="http://schemas.microsoft.com/office/drawing/2014/main" id="{BF08F26A-05F4-EBC4-A42A-6CE8E3B4C1CA}"/>
+              </a:ext>
+            </a:extLst>
+          </p:cNvPr>
+          <p:cNvSpPr/>
+          <p:nvPr/>
+        </p:nvSpPr>
+        <p:spPr>
+          <a:xfrm rot="16200000">
+            <a:off x="694614" y="5524152"/>
+            <a:ext cx="914400" cy="914400"/>
+          </a:xfrm>
+          <a:prstGeom prst="pie">
+            <a:avLst>
+              <a:gd name="adj1" fmla="val 3032825"/>
+              <a:gd name="adj2" fmla="val 5395119"/>
+            </a:avLst>
+          </a:prstGeom>
+          <a:noFill/>
+        </p:spPr>
+        <p:style>
+          <a:lnRef idx="2">
+            <a:schemeClr val="accent1">
+              <a:shade val="15000"/>
+            </a:schemeClr>
+          </a:lnRef>
+          <a:fillRef idx="1">
+            <a:schemeClr val="accent1"/>
+          </a:fillRef>
+          <a:effectRef idx="0">
+            <a:schemeClr val="accent1"/>
+          </a:effectRef>
+          <a:fontRef idx="minor">
+            <a:schemeClr val="lt1"/>
+          </a:fontRef>
+        </p:style>
+        <p:txBody>
+          <a:bodyPr rtlCol="0" anchor="ctr"/>
+          <a:lstStyle/>
+          <a:p>
+            <a:pPr algn="ctr"/>
+            <a:endParaRPr lang="en-US" sz="2800">
+              <a:solidFill>
+                <a:schemeClr val="tx1"/>
+              </a:solidFill>
+            </a:endParaRPr>
+          </a:p>
+        </p:txBody>
+      </p:sp>
+      <mc:AlternateContent xmlns:mc="http://schemas.openxmlformats.org/markup-compatibility/2006" xmlns:a14="http://schemas.microsoft.com/office/drawing/2010/main">
+        <mc:Choice Requires="a14">
+          <p:sp>
+            <p:nvSpPr>
+              <p:cNvPr id="37" name="TextBox 36">
+                <a:extLst>
+                  <a:ext uri="{FF2B5EF4-FFF2-40B4-BE49-F238E27FC236}">
+                    <a16:creationId xmlns:a16="http://schemas.microsoft.com/office/drawing/2014/main" id="{7192AE90-6BAB-0C62-0CA8-CDCAFB109F02}"/>
+                  </a:ext>
+                </a:extLst>
+              </p:cNvPr>
+              <p:cNvSpPr txBox="1"/>
+              <p:nvPr/>
+            </p:nvSpPr>
+            <p:spPr>
+              <a:xfrm>
+                <a:off x="6063345" y="291520"/>
+                <a:ext cx="931986" cy="523220"/>
+              </a:xfrm>
+              <a:prstGeom prst="rect">
+                <a:avLst/>
+              </a:prstGeom>
+              <a:noFill/>
+            </p:spPr>
+            <p:txBody>
+              <a:bodyPr wrap="none" rtlCol="0">
+                <a:spAutoFit/>
+              </a:bodyPr>
+              <a:lstStyle/>
+              <a:p>
+                <a:pPr/>
+                <a14:m>
+                  <m:oMathPara xmlns:m="http://schemas.openxmlformats.org/officeDocument/2006/math">
+                    <m:oMathParaPr>
+                      <m:jc m:val="centerGroup"/>
+                    </m:oMathParaPr>
+                    <m:oMath xmlns:m="http://schemas.openxmlformats.org/officeDocument/2006/math">
+                      <m:sSub>
+                        <m:sSubPr>
+                          <m:ctrlPr>
+                            <a:rPr lang="en-US" sz="2800" i="1" smtClean="0">
+                              <a:latin typeface="Cambria Math" panose="02040503050406030204" pitchFamily="18" charset="0"/>
+                            </a:rPr>
+                          </m:ctrlPr>
+                        </m:sSubPr>
+                        <m:e>
+                          <m:r>
+                            <a:rPr lang="en-US" sz="2800" b="0" i="1" smtClean="0">
+                              <a:latin typeface="Cambria Math" panose="02040503050406030204" pitchFamily="18" charset="0"/>
+                            </a:rPr>
+                            <m:t>𝑃</m:t>
+                          </m:r>
+                        </m:e>
+                        <m:sub>
+                          <m:r>
+                            <a:rPr lang="de-DE" sz="2800" b="0" i="1" smtClean="0">
+                              <a:latin typeface="Cambria Math" panose="02040503050406030204" pitchFamily="18" charset="0"/>
+                            </a:rPr>
+                            <m:t>𝑢</m:t>
+                          </m:r>
+                          <m:r>
+                            <a:rPr lang="en-GB" sz="2800" b="0" i="1" smtClean="0">
+                              <a:latin typeface="Cambria Math" panose="02040503050406030204" pitchFamily="18" charset="0"/>
+                            </a:rPr>
+                            <m:t>32</m:t>
+                          </m:r>
+                        </m:sub>
+                      </m:sSub>
+                    </m:oMath>
+                  </m:oMathPara>
+                </a14:m>
+                <a:endParaRPr lang="en-US" sz="2800" dirty="0"/>
+              </a:p>
+            </p:txBody>
+          </p:sp>
+        </mc:Choice>
+        <mc:Fallback xmlns="">
+          <p:sp>
+            <p:nvSpPr>
+              <p:cNvPr id="37" name="TextBox 36">
+                <a:extLst>
+                  <a:ext uri="{FF2B5EF4-FFF2-40B4-BE49-F238E27FC236}">
+                    <a16:creationId xmlns:a16="http://schemas.microsoft.com/office/drawing/2014/main" id="{7192AE90-6BAB-0C62-0CA8-CDCAFB109F02}"/>
+                  </a:ext>
+                </a:extLst>
+              </p:cNvPr>
+              <p:cNvSpPr txBox="1">
+                <a:spLocks noRot="1" noChangeAspect="1" noMove="1" noResize="1" noEditPoints="1" noAdjustHandles="1" noChangeArrowheads="1" noChangeShapeType="1" noTextEdit="1"/>
+              </p:cNvSpPr>
+              <p:nvPr/>
+            </p:nvSpPr>
+            <p:spPr>
+              <a:xfrm>
+                <a:off x="6063345" y="291520"/>
+                <a:ext cx="931986" cy="523220"/>
+              </a:xfrm>
+              <a:prstGeom prst="rect">
+                <a:avLst/>
+              </a:prstGeom>
+              <a:blipFill>
+                <a:blip r:embed="rId10"/>
+                <a:stretch>
+                  <a:fillRect/>
+                </a:stretch>
+              </a:blipFill>
+            </p:spPr>
+            <p:txBody>
+              <a:bodyPr/>
+              <a:lstStyle/>
+              <a:p>
+                <a:r>
+                  <a:rPr lang="en-US">
+                    <a:noFill/>
+                  </a:rPr>
+                  <a:t> </a:t>
+                </a:r>
+              </a:p>
+            </p:txBody>
+          </p:sp>
+        </mc:Fallback>
+      </mc:AlternateContent>
+      <mc:AlternateContent xmlns:mc="http://schemas.openxmlformats.org/markup-compatibility/2006" xmlns:a14="http://schemas.microsoft.com/office/drawing/2010/main">
+        <mc:Choice Requires="a14">
+          <p:sp>
+            <p:nvSpPr>
+              <p:cNvPr id="40" name="TextBox 39">
+                <a:extLst>
+                  <a:ext uri="{FF2B5EF4-FFF2-40B4-BE49-F238E27FC236}">
+                    <a16:creationId xmlns:a16="http://schemas.microsoft.com/office/drawing/2014/main" id="{D095168E-C45D-0E59-DEA9-D14C784F06F9}"/>
+                  </a:ext>
+                </a:extLst>
+              </p:cNvPr>
+              <p:cNvSpPr txBox="1"/>
+              <p:nvPr/>
+            </p:nvSpPr>
+            <p:spPr>
+              <a:xfrm>
+                <a:off x="-111642" y="4816266"/>
+                <a:ext cx="931986" cy="523220"/>
+              </a:xfrm>
+              <a:prstGeom prst="rect">
+                <a:avLst/>
+              </a:prstGeom>
+              <a:noFill/>
+            </p:spPr>
+            <p:txBody>
+              <a:bodyPr wrap="none" rtlCol="0">
+                <a:spAutoFit/>
+              </a:bodyPr>
+              <a:lstStyle/>
+              <a:p>
+                <a:pPr/>
+                <a14:m>
+                  <m:oMathPara xmlns:m="http://schemas.openxmlformats.org/officeDocument/2006/math">
+                    <m:oMathParaPr>
+                      <m:jc m:val="centerGroup"/>
+                    </m:oMathParaPr>
+                    <m:oMath xmlns:m="http://schemas.openxmlformats.org/officeDocument/2006/math">
+                      <m:sSub>
+                        <m:sSubPr>
+                          <m:ctrlPr>
+                            <a:rPr lang="en-US" sz="2800" i="1" smtClean="0">
+                              <a:latin typeface="Cambria Math" panose="02040503050406030204" pitchFamily="18" charset="0"/>
+                            </a:rPr>
+                          </m:ctrlPr>
+                        </m:sSubPr>
+                        <m:e>
+                          <m:r>
+                            <a:rPr lang="en-US" sz="2800" b="0" i="1" smtClean="0">
+                              <a:latin typeface="Cambria Math" panose="02040503050406030204" pitchFamily="18" charset="0"/>
+                            </a:rPr>
+                            <m:t>𝑃</m:t>
+                          </m:r>
+                        </m:e>
+                        <m:sub>
+                          <m:r>
+                            <a:rPr lang="de-DE" sz="2800" b="0" i="1" smtClean="0">
+                              <a:latin typeface="Cambria Math" panose="02040503050406030204" pitchFamily="18" charset="0"/>
+                            </a:rPr>
+                            <m:t>𝑢</m:t>
+                          </m:r>
+                          <m:r>
+                            <a:rPr lang="en-GB" sz="2800" b="0" i="1" smtClean="0">
+                              <a:latin typeface="Cambria Math" panose="02040503050406030204" pitchFamily="18" charset="0"/>
+                            </a:rPr>
+                            <m:t>31</m:t>
+                          </m:r>
+                        </m:sub>
+                      </m:sSub>
+                    </m:oMath>
+                  </m:oMathPara>
+                </a14:m>
+                <a:endParaRPr lang="en-US" sz="2800" dirty="0"/>
+              </a:p>
+            </p:txBody>
+          </p:sp>
+        </mc:Choice>
+        <mc:Fallback xmlns="">
+          <p:sp>
+            <p:nvSpPr>
+              <p:cNvPr id="40" name="TextBox 39">
+                <a:extLst>
+                  <a:ext uri="{FF2B5EF4-FFF2-40B4-BE49-F238E27FC236}">
+                    <a16:creationId xmlns:a16="http://schemas.microsoft.com/office/drawing/2014/main" id="{D095168E-C45D-0E59-DEA9-D14C784F06F9}"/>
+                  </a:ext>
+                </a:extLst>
+              </p:cNvPr>
+              <p:cNvSpPr txBox="1">
+                <a:spLocks noRot="1" noChangeAspect="1" noMove="1" noResize="1" noEditPoints="1" noAdjustHandles="1" noChangeArrowheads="1" noChangeShapeType="1" noTextEdit="1"/>
+              </p:cNvSpPr>
+              <p:nvPr/>
+            </p:nvSpPr>
+            <p:spPr>
+              <a:xfrm>
+                <a:off x="-111642" y="4816266"/>
+                <a:ext cx="931986" cy="523220"/>
+              </a:xfrm>
+              <a:prstGeom prst="rect">
+                <a:avLst/>
+              </a:prstGeom>
+              <a:blipFill>
+                <a:blip r:embed="rId11"/>
+                <a:stretch>
+                  <a:fillRect/>
+                </a:stretch>
+              </a:blipFill>
+            </p:spPr>
+            <p:txBody>
+              <a:bodyPr/>
+              <a:lstStyle/>
+              <a:p>
+                <a:r>
+                  <a:rPr lang="en-US">
+                    <a:noFill/>
+                  </a:rPr>
+                  <a:t> </a:t>
+                </a:r>
+              </a:p>
+            </p:txBody>
+          </p:sp>
+        </mc:Fallback>
+      </mc:AlternateContent>
+      <mc:AlternateContent xmlns:mc="http://schemas.openxmlformats.org/markup-compatibility/2006">
+        <mc:Choice xmlns:a14="http://schemas.microsoft.com/office/drawing/2010/main" Requires="a14">
+          <p:sp>
+            <p:nvSpPr>
+              <p:cNvPr id="42" name="TextBox 41">
+                <a:extLst>
+                  <a:ext uri="{FF2B5EF4-FFF2-40B4-BE49-F238E27FC236}">
+                    <a16:creationId xmlns:a16="http://schemas.microsoft.com/office/drawing/2014/main" id="{E7AD1239-4DCF-7A75-6404-04F575E09063}"/>
+                  </a:ext>
+                </a:extLst>
+              </p:cNvPr>
+              <p:cNvSpPr txBox="1"/>
+              <p:nvPr/>
+            </p:nvSpPr>
+            <p:spPr>
+              <a:xfrm>
+                <a:off x="259526" y="6002623"/>
+                <a:ext cx="823058" cy="369332"/>
+              </a:xfrm>
+              <a:prstGeom prst="rect">
+                <a:avLst/>
+              </a:prstGeom>
+              <a:noFill/>
+            </p:spPr>
+            <p:txBody>
+              <a:bodyPr wrap="square">
+                <a:spAutoFit/>
+              </a:bodyPr>
+              <a:lstStyle/>
+              <a:p>
+                <a:pPr/>
+                <a14:m>
+                  <m:oMathPara xmlns:m="http://schemas.openxmlformats.org/officeDocument/2006/math">
+                    <m:oMathParaPr>
+                      <m:jc m:val="centerGroup"/>
+                    </m:oMathParaPr>
+                    <m:oMath xmlns:m="http://schemas.openxmlformats.org/officeDocument/2006/math">
+                      <m:sSub>
+                        <m:sSubPr>
+                          <m:ctrlPr>
+                            <a:rPr lang="en-US" sz="1800" i="1" smtClean="0">
+                              <a:latin typeface="Cambria Math" panose="02040503050406030204" pitchFamily="18" charset="0"/>
+                            </a:rPr>
+                          </m:ctrlPr>
+                        </m:sSubPr>
+                        <m:e>
+                          <m:r>
+                            <a:rPr lang="en-US" sz="1800" i="1" smtClean="0">
+                              <a:latin typeface="Cambria Math" panose="02040503050406030204" pitchFamily="18" charset="0"/>
+                              <a:ea typeface="Cambria Math" panose="02040503050406030204" pitchFamily="18" charset="0"/>
+                            </a:rPr>
+                            <m:t>∆</m:t>
+                          </m:r>
+                          <m:r>
+                            <m:rPr>
+                              <m:sty m:val="p"/>
+                            </m:rPr>
+                            <a:rPr lang="en-GB" sz="1800" b="0" i="1" smtClean="0">
+                              <a:latin typeface="Cambria Math" panose="02040503050406030204" pitchFamily="18" charset="0"/>
+                              <a:ea typeface="Cambria Math" panose="02040503050406030204" pitchFamily="18" charset="0"/>
+                            </a:rPr>
+                            <m:t>L</m:t>
+                          </m:r>
+                        </m:e>
+                        <m:sub>
+                          <m:r>
+                            <a:rPr lang="en-GB" sz="1800" b="0" i="1" smtClean="0">
+                              <a:latin typeface="Cambria Math" panose="02040503050406030204" pitchFamily="18" charset="0"/>
+                            </a:rPr>
+                            <m:t>1</m:t>
+                          </m:r>
+                        </m:sub>
+                      </m:sSub>
+                    </m:oMath>
+                  </m:oMathPara>
+                </a14:m>
+                <a:endParaRPr lang="en-US" dirty="0"/>
+              </a:p>
+            </p:txBody>
+          </p:sp>
+        </mc:Choice>
+        <mc:Fallback>
+          <p:sp>
+            <p:nvSpPr>
+              <p:cNvPr id="42" name="TextBox 41">
+                <a:extLst>
+                  <a:ext uri="{FF2B5EF4-FFF2-40B4-BE49-F238E27FC236}">
+                    <a16:creationId xmlns:a16="http://schemas.microsoft.com/office/drawing/2014/main" id="{E7AD1239-4DCF-7A75-6404-04F575E09063}"/>
+                  </a:ext>
+                </a:extLst>
+              </p:cNvPr>
+              <p:cNvSpPr txBox="1">
+                <a:spLocks noRot="1" noChangeAspect="1" noMove="1" noResize="1" noEditPoints="1" noAdjustHandles="1" noChangeArrowheads="1" noChangeShapeType="1" noTextEdit="1"/>
+              </p:cNvSpPr>
+              <p:nvPr/>
+            </p:nvSpPr>
+            <p:spPr>
+              <a:xfrm>
+                <a:off x="259526" y="6002623"/>
+                <a:ext cx="823058" cy="369332"/>
+              </a:xfrm>
+              <a:prstGeom prst="rect">
+                <a:avLst/>
+              </a:prstGeom>
+              <a:blipFill>
+                <a:blip r:embed="rId12"/>
+                <a:stretch>
+                  <a:fillRect/>
+                </a:stretch>
+              </a:blipFill>
+            </p:spPr>
+            <p:txBody>
+              <a:bodyPr/>
+              <a:lstStyle/>
+              <a:p>
+                <a:r>
+                  <a:rPr lang="en-US">
+                    <a:noFill/>
+                  </a:rPr>
+                  <a:t> </a:t>
+                </a:r>
+              </a:p>
+            </p:txBody>
+          </p:sp>
+        </mc:Fallback>
+      </mc:AlternateContent>
+      <mc:AlternateContent xmlns:mc="http://schemas.openxmlformats.org/markup-compatibility/2006">
+        <mc:Choice xmlns:a14="http://schemas.microsoft.com/office/drawing/2010/main" Requires="a14">
+          <p:sp>
+            <p:nvSpPr>
+              <p:cNvPr id="43" name="TextBox 42">
+                <a:extLst>
+                  <a:ext uri="{FF2B5EF4-FFF2-40B4-BE49-F238E27FC236}">
+                    <a16:creationId xmlns:a16="http://schemas.microsoft.com/office/drawing/2014/main" id="{AB937B32-7DED-07E0-AFBB-93532226E5AF}"/>
+                  </a:ext>
+                </a:extLst>
+              </p:cNvPr>
+              <p:cNvSpPr txBox="1"/>
+              <p:nvPr/>
+            </p:nvSpPr>
+            <p:spPr>
+              <a:xfrm>
+                <a:off x="6538042" y="2532643"/>
+                <a:ext cx="962571" cy="523220"/>
+              </a:xfrm>
+              <a:prstGeom prst="rect">
+                <a:avLst/>
+              </a:prstGeom>
+              <a:noFill/>
+            </p:spPr>
+            <p:txBody>
+              <a:bodyPr wrap="none" rtlCol="0">
+                <a:spAutoFit/>
+              </a:bodyPr>
+              <a:lstStyle/>
+              <a:p>
+                <a:pPr/>
+                <a14:m>
+                  <m:oMathPara xmlns:m="http://schemas.openxmlformats.org/officeDocument/2006/math">
+                    <m:oMathParaPr>
+                      <m:jc m:val="centerGroup"/>
+                    </m:oMathParaPr>
+                    <m:oMath xmlns:m="http://schemas.openxmlformats.org/officeDocument/2006/math">
+                      <m:sSub>
+                        <m:sSubPr>
+                          <m:ctrlPr>
+                            <a:rPr lang="en-US" sz="2800" i="1" smtClean="0">
+                              <a:latin typeface="Cambria Math" panose="02040503050406030204" pitchFamily="18" charset="0"/>
+                            </a:rPr>
+                          </m:ctrlPr>
+                        </m:sSubPr>
+                        <m:e>
+                          <m:r>
+                            <a:rPr lang="en-US" sz="2800" b="0" i="1" smtClean="0">
+                              <a:latin typeface="Cambria Math" panose="02040503050406030204" pitchFamily="18" charset="0"/>
+                            </a:rPr>
+                            <m:t>𝑃</m:t>
+                          </m:r>
+                        </m:e>
+                        <m:sub>
+                          <m:r>
+                            <m:rPr>
+                              <m:sty m:val="p"/>
+                            </m:rPr>
+                            <a:rPr lang="en-GB" sz="2800" b="0" i="1" smtClean="0">
+                              <a:latin typeface="Cambria Math" panose="02040503050406030204" pitchFamily="18" charset="0"/>
+                            </a:rPr>
+                            <m:t>b</m:t>
+                          </m:r>
+                          <m:r>
+                            <a:rPr lang="en-GB" sz="2800" b="0" i="1" smtClean="0">
+                              <a:latin typeface="Cambria Math" panose="02040503050406030204" pitchFamily="18" charset="0"/>
+                            </a:rPr>
+                            <m:t>32</m:t>
+                          </m:r>
+                        </m:sub>
+                      </m:sSub>
+                    </m:oMath>
+                  </m:oMathPara>
+                </a14:m>
+                <a:endParaRPr lang="en-US" sz="2800" dirty="0"/>
+              </a:p>
+            </p:txBody>
+          </p:sp>
+        </mc:Choice>
+        <mc:Fallback>
+          <p:sp>
+            <p:nvSpPr>
+              <p:cNvPr id="43" name="TextBox 42">
+                <a:extLst>
+                  <a:ext uri="{FF2B5EF4-FFF2-40B4-BE49-F238E27FC236}">
+                    <a16:creationId xmlns:a16="http://schemas.microsoft.com/office/drawing/2014/main" id="{AB937B32-7DED-07E0-AFBB-93532226E5AF}"/>
+                  </a:ext>
+                </a:extLst>
+              </p:cNvPr>
+              <p:cNvSpPr txBox="1">
+                <a:spLocks noRot="1" noChangeAspect="1" noMove="1" noResize="1" noEditPoints="1" noAdjustHandles="1" noChangeArrowheads="1" noChangeShapeType="1" noTextEdit="1"/>
+              </p:cNvSpPr>
+              <p:nvPr/>
+            </p:nvSpPr>
+            <p:spPr>
+              <a:xfrm>
+                <a:off x="6538042" y="2532643"/>
+                <a:ext cx="962571" cy="523220"/>
+              </a:xfrm>
+              <a:prstGeom prst="rect">
+                <a:avLst/>
+              </a:prstGeom>
+              <a:blipFill>
+                <a:blip r:embed="rId13"/>
+                <a:stretch>
+                  <a:fillRect/>
+                </a:stretch>
+              </a:blipFill>
+            </p:spPr>
+            <p:txBody>
+              <a:bodyPr/>
+              <a:lstStyle/>
+              <a:p>
+                <a:r>
+                  <a:rPr lang="en-US">
+                    <a:noFill/>
+                  </a:rPr>
+                  <a:t> </a:t>
+                </a:r>
+              </a:p>
+            </p:txBody>
+          </p:sp>
+        </mc:Fallback>
+      </mc:AlternateContent>
+      <mc:AlternateContent xmlns:mc="http://schemas.openxmlformats.org/markup-compatibility/2006" xmlns:a14="http://schemas.microsoft.com/office/drawing/2010/main">
+        <mc:Choice Requires="a14">
+          <p:sp>
+            <p:nvSpPr>
+              <p:cNvPr id="44" name="TextBox 43">
+                <a:extLst>
+                  <a:ext uri="{FF2B5EF4-FFF2-40B4-BE49-F238E27FC236}">
+                    <a16:creationId xmlns:a16="http://schemas.microsoft.com/office/drawing/2014/main" id="{83ED3618-6DAD-BA92-4295-27AFA5E5B0C0}"/>
+                  </a:ext>
+                </a:extLst>
+              </p:cNvPr>
+              <p:cNvSpPr txBox="1"/>
+              <p:nvPr/>
+            </p:nvSpPr>
+            <p:spPr>
+              <a:xfrm>
+                <a:off x="1267184" y="6332708"/>
+                <a:ext cx="962571" cy="523220"/>
+              </a:xfrm>
+              <a:prstGeom prst="rect">
+                <a:avLst/>
+              </a:prstGeom>
+              <a:noFill/>
+            </p:spPr>
+            <p:txBody>
+              <a:bodyPr wrap="none" rtlCol="0">
+                <a:spAutoFit/>
+              </a:bodyPr>
+              <a:lstStyle/>
+              <a:p>
+                <a:pPr/>
+                <a14:m>
+                  <m:oMathPara xmlns:m="http://schemas.openxmlformats.org/officeDocument/2006/math">
+                    <m:oMathParaPr>
+                      <m:jc m:val="centerGroup"/>
+                    </m:oMathParaPr>
+                    <m:oMath xmlns:m="http://schemas.openxmlformats.org/officeDocument/2006/math">
+                      <m:sSub>
+                        <m:sSubPr>
+                          <m:ctrlPr>
+                            <a:rPr lang="en-US" sz="2800" i="1" smtClean="0">
+                              <a:latin typeface="Cambria Math" panose="02040503050406030204" pitchFamily="18" charset="0"/>
+                            </a:rPr>
+                          </m:ctrlPr>
+                        </m:sSubPr>
+                        <m:e>
+                          <m:r>
+                            <a:rPr lang="en-US" sz="2800" b="0" i="1" smtClean="0">
+                              <a:latin typeface="Cambria Math" panose="02040503050406030204" pitchFamily="18" charset="0"/>
+                            </a:rPr>
+                            <m:t>𝑃</m:t>
+                          </m:r>
+                        </m:e>
+                        <m:sub>
+                          <m:r>
+                            <m:rPr>
+                              <m:sty m:val="p"/>
+                            </m:rPr>
+                            <a:rPr lang="en-GB" sz="2800" b="0" i="1" smtClean="0">
+                              <a:latin typeface="Cambria Math" panose="02040503050406030204" pitchFamily="18" charset="0"/>
+                            </a:rPr>
+                            <m:t>b</m:t>
+                          </m:r>
+                          <m:r>
+                            <a:rPr lang="en-GB" sz="2800" b="0" i="1" smtClean="0">
+                              <a:latin typeface="Cambria Math" panose="02040503050406030204" pitchFamily="18" charset="0"/>
+                            </a:rPr>
+                            <m:t>31</m:t>
+                          </m:r>
+                        </m:sub>
+                      </m:sSub>
+                    </m:oMath>
+                  </m:oMathPara>
+                </a14:m>
+                <a:endParaRPr lang="en-US" sz="2800" dirty="0"/>
+              </a:p>
+            </p:txBody>
+          </p:sp>
+        </mc:Choice>
+        <mc:Fallback xmlns="">
+          <p:sp>
+            <p:nvSpPr>
+              <p:cNvPr id="44" name="TextBox 43">
+                <a:extLst>
+                  <a:ext uri="{FF2B5EF4-FFF2-40B4-BE49-F238E27FC236}">
+                    <a16:creationId xmlns:a16="http://schemas.microsoft.com/office/drawing/2014/main" id="{83ED3618-6DAD-BA92-4295-27AFA5E5B0C0}"/>
+                  </a:ext>
+                </a:extLst>
+              </p:cNvPr>
+              <p:cNvSpPr txBox="1">
+                <a:spLocks noRot="1" noChangeAspect="1" noMove="1" noResize="1" noEditPoints="1" noAdjustHandles="1" noChangeArrowheads="1" noChangeShapeType="1" noTextEdit="1"/>
+              </p:cNvSpPr>
+              <p:nvPr/>
+            </p:nvSpPr>
+            <p:spPr>
+              <a:xfrm>
+                <a:off x="1267184" y="6332708"/>
+                <a:ext cx="962571" cy="523220"/>
+              </a:xfrm>
+              <a:prstGeom prst="rect">
+                <a:avLst/>
+              </a:prstGeom>
+              <a:blipFill>
+                <a:blip r:embed="rId14"/>
+                <a:stretch>
+                  <a:fillRect/>
+                </a:stretch>
+              </a:blipFill>
+            </p:spPr>
+            <p:txBody>
+              <a:bodyPr/>
+              <a:lstStyle/>
+              <a:p>
+                <a:r>
+                  <a:rPr lang="en-US">
+                    <a:noFill/>
+                  </a:rPr>
+                  <a:t> </a:t>
+                </a:r>
+              </a:p>
+            </p:txBody>
+          </p:sp>
+        </mc:Fallback>
+      </mc:AlternateContent>
+      <p:cxnSp>
+        <p:nvCxnSpPr>
+          <p:cNvPr id="46" name="Straight Arrow Connector 45">
+            <a:extLst>
+              <a:ext uri="{FF2B5EF4-FFF2-40B4-BE49-F238E27FC236}">
+                <a16:creationId xmlns:a16="http://schemas.microsoft.com/office/drawing/2014/main" id="{A581484E-481F-40CC-C9ED-B10BFBDF983B}"/>
+              </a:ext>
+            </a:extLst>
+          </p:cNvPr>
+          <p:cNvCxnSpPr/>
+          <p:nvPr/>
+        </p:nvCxnSpPr>
+        <p:spPr>
+          <a:xfrm>
+            <a:off x="369656" y="5373039"/>
+            <a:ext cx="0" cy="444918"/>
+          </a:xfrm>
+          <a:prstGeom prst="straightConnector1">
+            <a:avLst/>
+          </a:prstGeom>
+          <a:ln>
+            <a:tailEnd type="triangle" w="lg" len="lg"/>
+          </a:ln>
+        </p:spPr>
+        <p:style>
+          <a:lnRef idx="2">
+            <a:schemeClr val="accent1"/>
+          </a:lnRef>
+          <a:fillRef idx="0">
+            <a:schemeClr val="accent1"/>
+          </a:fillRef>
+          <a:effectRef idx="1">
+            <a:schemeClr val="accent1"/>
+          </a:effectRef>
+          <a:fontRef idx="minor">
+            <a:schemeClr val="tx1"/>
+          </a:fontRef>
+        </p:style>
+      </p:cxnSp>
+      <p:cxnSp>
+        <p:nvCxnSpPr>
+          <p:cNvPr id="47" name="Straight Arrow Connector 46">
+            <a:extLst>
+              <a:ext uri="{FF2B5EF4-FFF2-40B4-BE49-F238E27FC236}">
+                <a16:creationId xmlns:a16="http://schemas.microsoft.com/office/drawing/2014/main" id="{C48DA6F2-68CF-2E62-990C-67453F1849DA}"/>
+              </a:ext>
+            </a:extLst>
+          </p:cNvPr>
+          <p:cNvCxnSpPr>
+            <a:cxnSpLocks/>
+          </p:cNvCxnSpPr>
+          <p:nvPr/>
+        </p:nvCxnSpPr>
+        <p:spPr>
+          <a:xfrm flipH="1" flipV="1">
+            <a:off x="1176079" y="6111762"/>
+            <a:ext cx="182210" cy="269636"/>
+          </a:xfrm>
+          <a:prstGeom prst="straightConnector1">
+            <a:avLst/>
+          </a:prstGeom>
+          <a:ln>
+            <a:tailEnd type="triangle" w="lg" len="lg"/>
+          </a:ln>
+        </p:spPr>
+        <p:style>
+          <a:lnRef idx="2">
+            <a:schemeClr val="accent1"/>
+          </a:lnRef>
+          <a:fillRef idx="0">
+            <a:schemeClr val="accent1"/>
+          </a:fillRef>
+          <a:effectRef idx="1">
+            <a:schemeClr val="accent1"/>
+          </a:effectRef>
+          <a:fontRef idx="minor">
+            <a:schemeClr val="tx1"/>
+          </a:fontRef>
+        </p:style>
+      </p:cxnSp>
+      <p:cxnSp>
+        <p:nvCxnSpPr>
+          <p:cNvPr id="50" name="Straight Arrow Connector 49">
+            <a:extLst>
+              <a:ext uri="{FF2B5EF4-FFF2-40B4-BE49-F238E27FC236}">
+                <a16:creationId xmlns:a16="http://schemas.microsoft.com/office/drawing/2014/main" id="{E7F2BAC2-1E2F-D8EB-6875-D9482BEE32E6}"/>
+              </a:ext>
+            </a:extLst>
+          </p:cNvPr>
+          <p:cNvCxnSpPr>
+            <a:cxnSpLocks/>
+          </p:cNvCxnSpPr>
+          <p:nvPr/>
+        </p:nvCxnSpPr>
+        <p:spPr>
+          <a:xfrm flipH="1" flipV="1">
+            <a:off x="6429707" y="1769003"/>
+            <a:ext cx="334583" cy="718260"/>
+          </a:xfrm>
+          <a:prstGeom prst="straightConnector1">
+            <a:avLst/>
+          </a:prstGeom>
+          <a:ln>
+            <a:tailEnd type="triangle" w="lg" len="lg"/>
+          </a:ln>
+        </p:spPr>
+        <p:style>
+          <a:lnRef idx="2">
+            <a:schemeClr val="accent1"/>
+          </a:lnRef>
+          <a:fillRef idx="0">
+            <a:schemeClr val="accent1"/>
+          </a:fillRef>
+          <a:effectRef idx="1">
+            <a:schemeClr val="accent1"/>
+          </a:effectRef>
+          <a:fontRef idx="minor">
+            <a:schemeClr val="tx1"/>
+          </a:fontRef>
+        </p:style>
+      </p:cxnSp>
+      <p:cxnSp>
+        <p:nvCxnSpPr>
+          <p:cNvPr id="2" name="Straight Connector 1">
+            <a:extLst>
+              <a:ext uri="{FF2B5EF4-FFF2-40B4-BE49-F238E27FC236}">
+                <a16:creationId xmlns:a16="http://schemas.microsoft.com/office/drawing/2014/main" id="{AE863349-0A09-8C25-B4E6-3F80B4DBF64E}"/>
+              </a:ext>
+            </a:extLst>
+          </p:cNvPr>
+          <p:cNvCxnSpPr>
+            <a:cxnSpLocks/>
+          </p:cNvCxnSpPr>
+          <p:nvPr/>
+        </p:nvCxnSpPr>
+        <p:spPr>
+          <a:xfrm flipH="1" flipV="1">
+            <a:off x="6348701" y="908387"/>
+            <a:ext cx="5789985" cy="5072964"/>
+          </a:xfrm>
+          <a:prstGeom prst="line">
+            <a:avLst/>
+          </a:prstGeom>
+        </p:spPr>
+        <p:style>
+          <a:lnRef idx="2">
+            <a:schemeClr val="accent1"/>
+          </a:lnRef>
+          <a:fillRef idx="0">
+            <a:schemeClr val="accent1"/>
+          </a:fillRef>
+          <a:effectRef idx="1">
+            <a:schemeClr val="accent1"/>
+          </a:effectRef>
+          <a:fontRef idx="minor">
+            <a:schemeClr val="tx1"/>
+          </a:fontRef>
+        </p:style>
+      </p:cxnSp>
+      <p:cxnSp>
+        <p:nvCxnSpPr>
+          <p:cNvPr id="11" name="Straight Connector 10">
+            <a:extLst>
+              <a:ext uri="{FF2B5EF4-FFF2-40B4-BE49-F238E27FC236}">
+                <a16:creationId xmlns:a16="http://schemas.microsoft.com/office/drawing/2014/main" id="{05D9DD9E-2189-C10A-B520-670B6DB0A6CB}"/>
+              </a:ext>
+            </a:extLst>
+          </p:cNvPr>
+          <p:cNvCxnSpPr>
+            <a:cxnSpLocks/>
+            <a:stCxn id="5" idx="4"/>
+          </p:cNvCxnSpPr>
+          <p:nvPr/>
+        </p:nvCxnSpPr>
+        <p:spPr>
+          <a:xfrm>
+            <a:off x="11563638" y="5981351"/>
+            <a:ext cx="575048" cy="18016"/>
+          </a:xfrm>
+          <a:prstGeom prst="line">
+            <a:avLst/>
+          </a:prstGeom>
+          <a:ln>
+            <a:solidFill>
+              <a:schemeClr val="tx1"/>
+            </a:solidFill>
+            <a:prstDash val="dash"/>
+          </a:ln>
+        </p:spPr>
+        <p:style>
+          <a:lnRef idx="2">
+            <a:schemeClr val="accent1"/>
+          </a:lnRef>
+          <a:fillRef idx="0">
+            <a:schemeClr val="accent1"/>
+          </a:fillRef>
+          <a:effectRef idx="1">
+            <a:schemeClr val="accent1"/>
+          </a:effectRef>
+          <a:fontRef idx="minor">
+            <a:schemeClr val="tx1"/>
+          </a:fontRef>
+        </p:style>
+      </p:cxnSp>
+      <mc:AlternateContent xmlns:mc="http://schemas.openxmlformats.org/markup-compatibility/2006">
+        <mc:Choice xmlns:a14="http://schemas.microsoft.com/office/drawing/2010/main" Requires="a14">
+          <p:sp>
+            <p:nvSpPr>
+              <p:cNvPr id="12" name="TextBox 11">
+                <a:extLst>
+                  <a:ext uri="{FF2B5EF4-FFF2-40B4-BE49-F238E27FC236}">
+                    <a16:creationId xmlns:a16="http://schemas.microsoft.com/office/drawing/2014/main" id="{C5DC46CB-6D5F-2DBF-4FFF-80FB96A9FCF5}"/>
+                  </a:ext>
+                </a:extLst>
+              </p:cNvPr>
+              <p:cNvSpPr txBox="1"/>
+              <p:nvPr/>
+            </p:nvSpPr>
+            <p:spPr>
+              <a:xfrm>
+                <a:off x="11497386" y="5999367"/>
+                <a:ext cx="823058" cy="369332"/>
+              </a:xfrm>
+              <a:prstGeom prst="rect">
+                <a:avLst/>
+              </a:prstGeom>
+              <a:noFill/>
+            </p:spPr>
+            <p:txBody>
+              <a:bodyPr wrap="square">
+                <a:spAutoFit/>
+              </a:bodyPr>
+              <a:lstStyle/>
+              <a:p>
+                <a:pPr/>
+                <a14:m>
+                  <m:oMathPara xmlns:m="http://schemas.openxmlformats.org/officeDocument/2006/math">
+                    <m:oMathParaPr>
+                      <m:jc m:val="centerGroup"/>
+                    </m:oMathParaPr>
+                    <m:oMath xmlns:m="http://schemas.openxmlformats.org/officeDocument/2006/math">
+                      <m:sSub>
+                        <m:sSubPr>
+                          <m:ctrlPr>
+                            <a:rPr lang="en-US" sz="1800" i="1" smtClean="0">
+                              <a:latin typeface="Cambria Math" panose="02040503050406030204" pitchFamily="18" charset="0"/>
+                            </a:rPr>
+                          </m:ctrlPr>
+                        </m:sSubPr>
+                        <m:e>
+                          <m:r>
+                            <a:rPr lang="en-US" sz="1800" i="1" smtClean="0">
+                              <a:latin typeface="Cambria Math" panose="02040503050406030204" pitchFamily="18" charset="0"/>
+                              <a:ea typeface="Cambria Math" panose="02040503050406030204" pitchFamily="18" charset="0"/>
+                            </a:rPr>
+                            <m:t>∆</m:t>
+                          </m:r>
+                          <m:r>
+                            <m:rPr>
+                              <m:sty m:val="p"/>
+                            </m:rPr>
+                            <a:rPr lang="en-GB" sz="1800" b="0" i="1" smtClean="0">
+                              <a:latin typeface="Cambria Math" panose="02040503050406030204" pitchFamily="18" charset="0"/>
+                              <a:ea typeface="Cambria Math" panose="02040503050406030204" pitchFamily="18" charset="0"/>
+                            </a:rPr>
+                            <m:t>L</m:t>
+                          </m:r>
+                        </m:e>
+                        <m:sub>
+                          <m:r>
+                            <a:rPr lang="en-GB" sz="1800" b="0" i="1" smtClean="0">
+                              <a:latin typeface="Cambria Math" panose="02040503050406030204" pitchFamily="18" charset="0"/>
+                            </a:rPr>
+                            <m:t>1</m:t>
+                          </m:r>
+                        </m:sub>
+                      </m:sSub>
+                    </m:oMath>
+                  </m:oMathPara>
+                </a14:m>
+                <a:endParaRPr lang="en-US" dirty="0"/>
+              </a:p>
+            </p:txBody>
+          </p:sp>
+        </mc:Choice>
+        <mc:Fallback>
+          <p:sp>
+            <p:nvSpPr>
+              <p:cNvPr id="12" name="TextBox 11">
+                <a:extLst>
+                  <a:ext uri="{FF2B5EF4-FFF2-40B4-BE49-F238E27FC236}">
+                    <a16:creationId xmlns:a16="http://schemas.microsoft.com/office/drawing/2014/main" id="{C5DC46CB-6D5F-2DBF-4FFF-80FB96A9FCF5}"/>
+                  </a:ext>
+                </a:extLst>
+              </p:cNvPr>
+              <p:cNvSpPr txBox="1">
+                <a:spLocks noRot="1" noChangeAspect="1" noMove="1" noResize="1" noEditPoints="1" noAdjustHandles="1" noChangeArrowheads="1" noChangeShapeType="1" noTextEdit="1"/>
+              </p:cNvSpPr>
+              <p:nvPr/>
+            </p:nvSpPr>
+            <p:spPr>
+              <a:xfrm>
+                <a:off x="11497386" y="5999367"/>
+                <a:ext cx="823058" cy="369332"/>
+              </a:xfrm>
+              <a:prstGeom prst="rect">
+                <a:avLst/>
+              </a:prstGeom>
+              <a:blipFill>
+                <a:blip r:embed="rId15"/>
+                <a:stretch>
+                  <a:fillRect/>
+                </a:stretch>
+              </a:blipFill>
+            </p:spPr>
+            <p:txBody>
+              <a:bodyPr/>
+              <a:lstStyle/>
+              <a:p>
+                <a:r>
+                  <a:rPr lang="en-US">
+                    <a:noFill/>
+                  </a:rPr>
+                  <a:t> </a:t>
+                </a:r>
+              </a:p>
+            </p:txBody>
+          </p:sp>
+        </mc:Fallback>
+      </mc:AlternateContent>
+      <mc:AlternateContent xmlns:mc="http://schemas.openxmlformats.org/markup-compatibility/2006">
+        <mc:Choice xmlns:a14="http://schemas.microsoft.com/office/drawing/2010/main" Requires="a14">
+          <p:sp>
+            <p:nvSpPr>
+              <p:cNvPr id="18" name="TextBox 17">
+                <a:extLst>
+                  <a:ext uri="{FF2B5EF4-FFF2-40B4-BE49-F238E27FC236}">
+                    <a16:creationId xmlns:a16="http://schemas.microsoft.com/office/drawing/2014/main" id="{318E0CE6-2545-B527-466E-AD81F0B58804}"/>
+                  </a:ext>
+                </a:extLst>
+              </p:cNvPr>
+              <p:cNvSpPr txBox="1"/>
+              <p:nvPr/>
+            </p:nvSpPr>
+            <p:spPr>
+              <a:xfrm>
+                <a:off x="10969903" y="6294260"/>
+                <a:ext cx="962571" cy="523220"/>
+              </a:xfrm>
+              <a:prstGeom prst="rect">
+                <a:avLst/>
+              </a:prstGeom>
+              <a:noFill/>
+            </p:spPr>
+            <p:txBody>
+              <a:bodyPr wrap="none" rtlCol="0">
+                <a:spAutoFit/>
+              </a:bodyPr>
+              <a:lstStyle/>
+              <a:p>
+                <a:pPr/>
+                <a14:m>
+                  <m:oMathPara xmlns:m="http://schemas.openxmlformats.org/officeDocument/2006/math">
+                    <m:oMathParaPr>
+                      <m:jc m:val="centerGroup"/>
+                    </m:oMathParaPr>
+                    <m:oMath xmlns:m="http://schemas.openxmlformats.org/officeDocument/2006/math">
+                      <m:sSub>
+                        <m:sSubPr>
+                          <m:ctrlPr>
+                            <a:rPr lang="en-US" sz="2800" i="1" smtClean="0">
+                              <a:latin typeface="Cambria Math" panose="02040503050406030204" pitchFamily="18" charset="0"/>
+                            </a:rPr>
+                          </m:ctrlPr>
+                        </m:sSubPr>
+                        <m:e>
+                          <m:r>
+                            <a:rPr lang="en-US" sz="2800" b="0" i="1" smtClean="0">
+                              <a:latin typeface="Cambria Math" panose="02040503050406030204" pitchFamily="18" charset="0"/>
+                            </a:rPr>
+                            <m:t>𝑃</m:t>
+                          </m:r>
+                        </m:e>
+                        <m:sub>
+                          <m:r>
+                            <m:rPr>
+                              <m:sty m:val="p"/>
+                            </m:rPr>
+                            <a:rPr lang="en-GB" sz="2800" b="0" i="1" smtClean="0">
+                              <a:latin typeface="Cambria Math" panose="02040503050406030204" pitchFamily="18" charset="0"/>
+                            </a:rPr>
+                            <m:t>b</m:t>
+                          </m:r>
+                          <m:r>
+                            <a:rPr lang="en-GB" sz="2800" b="0" i="1" smtClean="0">
+                              <a:latin typeface="Cambria Math" panose="02040503050406030204" pitchFamily="18" charset="0"/>
+                            </a:rPr>
+                            <m:t>33</m:t>
+                          </m:r>
+                        </m:sub>
+                      </m:sSub>
+                    </m:oMath>
+                  </m:oMathPara>
+                </a14:m>
+                <a:endParaRPr lang="en-US" sz="2800" dirty="0"/>
+              </a:p>
+            </p:txBody>
+          </p:sp>
+        </mc:Choice>
+        <mc:Fallback>
+          <p:sp>
+            <p:nvSpPr>
+              <p:cNvPr id="18" name="TextBox 17">
+                <a:extLst>
+                  <a:ext uri="{FF2B5EF4-FFF2-40B4-BE49-F238E27FC236}">
+                    <a16:creationId xmlns:a16="http://schemas.microsoft.com/office/drawing/2014/main" id="{318E0CE6-2545-B527-466E-AD81F0B58804}"/>
+                  </a:ext>
+                </a:extLst>
+              </p:cNvPr>
+              <p:cNvSpPr txBox="1">
+                <a:spLocks noRot="1" noChangeAspect="1" noMove="1" noResize="1" noEditPoints="1" noAdjustHandles="1" noChangeArrowheads="1" noChangeShapeType="1" noTextEdit="1"/>
+              </p:cNvSpPr>
+              <p:nvPr/>
+            </p:nvSpPr>
+            <p:spPr>
+              <a:xfrm>
+                <a:off x="10969903" y="6294260"/>
+                <a:ext cx="962571" cy="523220"/>
+              </a:xfrm>
+              <a:prstGeom prst="rect">
+                <a:avLst/>
+              </a:prstGeom>
+              <a:blipFill>
+                <a:blip r:embed="rId16"/>
+                <a:stretch>
+                  <a:fillRect/>
+                </a:stretch>
+              </a:blipFill>
+            </p:spPr>
+            <p:txBody>
+              <a:bodyPr/>
+              <a:lstStyle/>
+              <a:p>
+                <a:r>
+                  <a:rPr lang="en-US">
+                    <a:noFill/>
+                  </a:rPr>
+                  <a:t> </a:t>
+                </a:r>
+              </a:p>
+            </p:txBody>
+          </p:sp>
+        </mc:Fallback>
+      </mc:AlternateContent>
+      <p:cxnSp>
+        <p:nvCxnSpPr>
+          <p:cNvPr id="20" name="Straight Arrow Connector 19">
+            <a:extLst>
+              <a:ext uri="{FF2B5EF4-FFF2-40B4-BE49-F238E27FC236}">
+                <a16:creationId xmlns:a16="http://schemas.microsoft.com/office/drawing/2014/main" id="{DD908EB4-CE93-BAEB-14AB-2A022D0D8118}"/>
+              </a:ext>
+            </a:extLst>
+          </p:cNvPr>
+          <p:cNvCxnSpPr>
+            <a:cxnSpLocks/>
+          </p:cNvCxnSpPr>
+          <p:nvPr/>
+        </p:nvCxnSpPr>
+        <p:spPr>
+          <a:xfrm flipV="1">
+            <a:off x="11061008" y="6058233"/>
+            <a:ext cx="436378" cy="284717"/>
+          </a:xfrm>
+          <a:prstGeom prst="straightConnector1">
+            <a:avLst/>
+          </a:prstGeom>
+          <a:ln>
+            <a:tailEnd type="triangle" w="lg" len="lg"/>
+          </a:ln>
+        </p:spPr>
+        <p:style>
+          <a:lnRef idx="2">
+            <a:schemeClr val="accent1"/>
+          </a:lnRef>
+          <a:fillRef idx="0">
+            <a:schemeClr val="accent1"/>
+          </a:fillRef>
+          <a:effectRef idx="1">
+            <a:schemeClr val="accent1"/>
+          </a:effectRef>
+          <a:fontRef idx="minor">
+            <a:schemeClr val="tx1"/>
+          </a:fontRef>
+        </p:style>
+      </p:cxnSp>
+      <mc:AlternateContent xmlns:mc="http://schemas.openxmlformats.org/markup-compatibility/2006">
+        <mc:Choice xmlns:a14="http://schemas.microsoft.com/office/drawing/2010/main" Requires="a14">
+          <p:sp>
+            <p:nvSpPr>
+              <p:cNvPr id="33" name="TextBox 32">
+                <a:extLst>
+                  <a:ext uri="{FF2B5EF4-FFF2-40B4-BE49-F238E27FC236}">
+                    <a16:creationId xmlns:a16="http://schemas.microsoft.com/office/drawing/2014/main" id="{B52F427E-1436-1A6E-C135-A4D725863903}"/>
+                  </a:ext>
+                </a:extLst>
+              </p:cNvPr>
+              <p:cNvSpPr txBox="1"/>
+              <p:nvPr/>
+            </p:nvSpPr>
+            <p:spPr>
+              <a:xfrm>
+                <a:off x="11323899" y="4756172"/>
+                <a:ext cx="931986" cy="523220"/>
+              </a:xfrm>
+              <a:prstGeom prst="rect">
+                <a:avLst/>
+              </a:prstGeom>
+              <a:noFill/>
+            </p:spPr>
+            <p:txBody>
+              <a:bodyPr wrap="none" rtlCol="0">
+                <a:spAutoFit/>
+              </a:bodyPr>
+              <a:lstStyle/>
+              <a:p>
+                <a:pPr/>
+                <a14:m>
+                  <m:oMathPara xmlns:m="http://schemas.openxmlformats.org/officeDocument/2006/math">
+                    <m:oMathParaPr>
+                      <m:jc m:val="centerGroup"/>
+                    </m:oMathParaPr>
+                    <m:oMath xmlns:m="http://schemas.openxmlformats.org/officeDocument/2006/math">
+                      <m:sSub>
+                        <m:sSubPr>
+                          <m:ctrlPr>
+                            <a:rPr lang="en-US" sz="2800" i="1" smtClean="0">
+                              <a:latin typeface="Cambria Math" panose="02040503050406030204" pitchFamily="18" charset="0"/>
+                            </a:rPr>
+                          </m:ctrlPr>
+                        </m:sSubPr>
+                        <m:e>
+                          <m:r>
+                            <a:rPr lang="en-US" sz="2800" b="0" i="1" smtClean="0">
+                              <a:latin typeface="Cambria Math" panose="02040503050406030204" pitchFamily="18" charset="0"/>
+                            </a:rPr>
+                            <m:t>𝑃</m:t>
+                          </m:r>
+                        </m:e>
+                        <m:sub>
+                          <m:r>
+                            <a:rPr lang="de-DE" sz="2800" b="0" i="1" smtClean="0">
+                              <a:latin typeface="Cambria Math" panose="02040503050406030204" pitchFamily="18" charset="0"/>
+                            </a:rPr>
+                            <m:t>𝑢</m:t>
+                          </m:r>
+                          <m:r>
+                            <a:rPr lang="en-GB" sz="2800" b="0" i="1" smtClean="0">
+                              <a:latin typeface="Cambria Math" panose="02040503050406030204" pitchFamily="18" charset="0"/>
+                            </a:rPr>
+                            <m:t>3</m:t>
+                          </m:r>
+                          <m:r>
+                            <a:rPr lang="en-US" sz="2800" b="0" i="1" smtClean="0">
+                              <a:latin typeface="Cambria Math" panose="02040503050406030204" pitchFamily="18" charset="0"/>
+                            </a:rPr>
+                            <m:t>3</m:t>
+                          </m:r>
+                        </m:sub>
+                      </m:sSub>
+                    </m:oMath>
+                  </m:oMathPara>
+                </a14:m>
+                <a:endParaRPr lang="en-US" sz="2800" dirty="0"/>
+              </a:p>
+            </p:txBody>
+          </p:sp>
+        </mc:Choice>
+        <mc:Fallback>
+          <p:sp>
+            <p:nvSpPr>
+              <p:cNvPr id="33" name="TextBox 32">
+                <a:extLst>
+                  <a:ext uri="{FF2B5EF4-FFF2-40B4-BE49-F238E27FC236}">
+                    <a16:creationId xmlns:a16="http://schemas.microsoft.com/office/drawing/2014/main" id="{B52F427E-1436-1A6E-C135-A4D725863903}"/>
+                  </a:ext>
+                </a:extLst>
+              </p:cNvPr>
+              <p:cNvSpPr txBox="1">
+                <a:spLocks noRot="1" noChangeAspect="1" noMove="1" noResize="1" noEditPoints="1" noAdjustHandles="1" noChangeArrowheads="1" noChangeShapeType="1" noTextEdit="1"/>
+              </p:cNvSpPr>
+              <p:nvPr/>
+            </p:nvSpPr>
+            <p:spPr>
+              <a:xfrm>
+                <a:off x="11323899" y="4756172"/>
+                <a:ext cx="931986" cy="523220"/>
+              </a:xfrm>
+              <a:prstGeom prst="rect">
+                <a:avLst/>
+              </a:prstGeom>
+              <a:blipFill>
+                <a:blip r:embed="rId17"/>
+                <a:stretch>
+                  <a:fillRect/>
+                </a:stretch>
+              </a:blipFill>
+            </p:spPr>
+            <p:txBody>
+              <a:bodyPr/>
+              <a:lstStyle/>
+              <a:p>
+                <a:r>
+                  <a:rPr lang="en-US">
+                    <a:noFill/>
+                  </a:rPr>
+                  <a:t> </a:t>
+                </a:r>
+              </a:p>
+            </p:txBody>
+          </p:sp>
+        </mc:Fallback>
+      </mc:AlternateContent>
+      <p:cxnSp>
+        <p:nvCxnSpPr>
+          <p:cNvPr id="34" name="Straight Arrow Connector 33">
+            <a:extLst>
+              <a:ext uri="{FF2B5EF4-FFF2-40B4-BE49-F238E27FC236}">
+                <a16:creationId xmlns:a16="http://schemas.microsoft.com/office/drawing/2014/main" id="{CD161BC9-C871-9D28-A8DE-1D132371E9FF}"/>
+              </a:ext>
+            </a:extLst>
+          </p:cNvPr>
+          <p:cNvCxnSpPr/>
+          <p:nvPr/>
+        </p:nvCxnSpPr>
+        <p:spPr>
+          <a:xfrm>
+            <a:off x="12054696" y="5373039"/>
+            <a:ext cx="0" cy="444918"/>
+          </a:xfrm>
+          <a:prstGeom prst="straightConnector1">
+            <a:avLst/>
+          </a:prstGeom>
+          <a:ln>
+            <a:tailEnd type="triangle" w="lg" len="lg"/>
+          </a:ln>
+        </p:spPr>
+        <p:style>
+          <a:lnRef idx="2">
+            <a:schemeClr val="accent1"/>
+          </a:lnRef>
+          <a:fillRef idx="0">
+            <a:schemeClr val="accent1"/>
+          </a:fillRef>
+          <a:effectRef idx="1">
+            <a:schemeClr val="accent1"/>
+          </a:effectRef>
+          <a:fontRef idx="minor">
+            <a:schemeClr val="tx1"/>
+          </a:fontRef>
+        </p:style>
+      </p:cxnSp>
+    </p:spTree>
+    <p:extLst>
+      <p:ext uri="{BB962C8B-B14F-4D97-AF65-F5344CB8AC3E}">
+        <p14:creationId xmlns:p14="http://schemas.microsoft.com/office/powerpoint/2010/main" val="555862035"/>
+      </p:ext>
+    </p:extLst>
+  </p:cSld>
+  <p:clrMapOvr>
+    <a:masterClrMapping/>
+  </p:clrMapOvr>
+</p:sld>
+</file>
+
+<file path=ppt/slides/slide4.xml><?xml version="1.0" encoding="utf-8"?>
+<p:sld xmlns:a="http://schemas.openxmlformats.org/drawingml/2006/main" xmlns:r="http://schemas.openxmlformats.org/officeDocument/2006/relationships" xmlns:p="http://schemas.openxmlformats.org/presentationml/2006/main">
+  <p:cSld>
+    <p:spTree>
+      <p:nvGrpSpPr>
+        <p:cNvPr id="1" name="">
+          <a:extLst>
+            <a:ext uri="{FF2B5EF4-FFF2-40B4-BE49-F238E27FC236}">
+              <a16:creationId xmlns:a16="http://schemas.microsoft.com/office/drawing/2014/main" id="{6FB044F4-B02E-A89B-B6E1-AC5CED6151FD}"/>
+            </a:ext>
+          </a:extLst>
+        </p:cNvPr>
+        <p:cNvGrpSpPr/>
+        <p:nvPr/>
+      </p:nvGrpSpPr>
+      <p:grpSpPr>
+        <a:xfrm>
+          <a:off x="0" y="0"/>
+          <a:ext cx="0" cy="0"/>
+          <a:chOff x="0" y="0"/>
+          <a:chExt cx="0" cy="0"/>
+        </a:xfrm>
+      </p:grpSpPr>
+      <p:sp>
+        <p:nvSpPr>
+          <p:cNvPr id="6" name="Rectangle 5">
+            <a:extLst>
+              <a:ext uri="{FF2B5EF4-FFF2-40B4-BE49-F238E27FC236}">
+                <a16:creationId xmlns:a16="http://schemas.microsoft.com/office/drawing/2014/main" id="{0573E0A1-6FB2-A5F5-A6AC-2851CFD0F274}"/>
+              </a:ext>
+            </a:extLst>
+          </p:cNvPr>
+          <p:cNvSpPr/>
+          <p:nvPr/>
+        </p:nvSpPr>
+        <p:spPr>
+          <a:xfrm>
+            <a:off x="9916511" y="-61553"/>
+            <a:ext cx="2381872" cy="622300"/>
+          </a:xfrm>
+          <a:prstGeom prst="rect">
+            <a:avLst/>
+          </a:prstGeom>
+          <a:solidFill>
+            <a:srgbClr val="385723">
+              <a:alpha val="70000"/>
+            </a:srgbClr>
+          </a:solidFill>
+          <a:ln>
+            <a:noFill/>
+          </a:ln>
+        </p:spPr>
+        <p:style>
+          <a:lnRef idx="2">
+            <a:schemeClr val="accent1">
+              <a:shade val="15000"/>
+            </a:schemeClr>
+          </a:lnRef>
+          <a:fillRef idx="1">
+            <a:schemeClr val="accent1"/>
+          </a:fillRef>
+          <a:effectRef idx="0">
+            <a:schemeClr val="accent1"/>
+          </a:effectRef>
+          <a:fontRef idx="minor">
+            <a:schemeClr val="lt1"/>
+          </a:fontRef>
+        </p:style>
+        <p:txBody>
+          <a:bodyPr rtlCol="0" anchor="ctr"/>
+          <a:lstStyle/>
+          <a:p>
+            <a:pPr algn="ctr"/>
+            <a:endParaRPr lang="en-GB"/>
+          </a:p>
+        </p:txBody>
+      </p:sp>
+      <p:sp>
+        <p:nvSpPr>
+          <p:cNvPr id="7" name="Title 2">
+            <a:extLst>
+              <a:ext uri="{FF2B5EF4-FFF2-40B4-BE49-F238E27FC236}">
+                <a16:creationId xmlns:a16="http://schemas.microsoft.com/office/drawing/2014/main" id="{BA5DDB67-215E-EEF5-90C5-94AC8174DABD}"/>
+              </a:ext>
+            </a:extLst>
+          </p:cNvPr>
+          <p:cNvSpPr>
+            <a:spLocks noGrp="1"/>
+          </p:cNvSpPr>
+          <p:nvPr>
+            <p:ph type="title"/>
+          </p:nvPr>
+        </p:nvSpPr>
+        <p:spPr>
+          <a:xfrm>
+            <a:off x="9916510" y="11231"/>
+            <a:ext cx="2303278" cy="549516"/>
+          </a:xfrm>
+        </p:spPr>
+        <p:txBody>
+          <a:bodyPr>
+            <a:noAutofit/>
+          </a:bodyPr>
+          <a:lstStyle/>
+          <a:p>
+            <a:pPr algn="r"/>
+            <a:r>
+              <a:rPr lang="en-GB" sz="3600" dirty="0">
+                <a:solidFill>
+                  <a:schemeClr val="tx1"/>
+                </a:solidFill>
+              </a:rPr>
+              <a:t>Design 1.2</a:t>
+            </a:r>
+          </a:p>
+        </p:txBody>
+      </p:sp>
+      <mc:AlternateContent xmlns:mc="http://schemas.openxmlformats.org/markup-compatibility/2006">
+        <mc:Choice xmlns:a14="http://schemas.microsoft.com/office/drawing/2010/main" Requires="a14">
+          <p:sp>
+            <p:nvSpPr>
+              <p:cNvPr id="62" name="TextBox 61">
+                <a:extLst>
+                  <a:ext uri="{FF2B5EF4-FFF2-40B4-BE49-F238E27FC236}">
+                    <a16:creationId xmlns:a16="http://schemas.microsoft.com/office/drawing/2014/main" id="{40E95BC4-EA12-23BC-45A6-68AA8962BE88}"/>
+                  </a:ext>
+                </a:extLst>
+              </p:cNvPr>
+              <p:cNvSpPr txBox="1"/>
+              <p:nvPr/>
+            </p:nvSpPr>
+            <p:spPr>
+              <a:xfrm>
+                <a:off x="815957" y="3698261"/>
+                <a:ext cx="864660" cy="523220"/>
+              </a:xfrm>
+              <a:prstGeom prst="rect">
+                <a:avLst/>
+              </a:prstGeom>
+              <a:noFill/>
+            </p:spPr>
+            <p:txBody>
+              <a:bodyPr wrap="none" rtlCol="0">
+                <a:spAutoFit/>
+              </a:bodyPr>
+              <a:lstStyle/>
+              <a:p>
+                <a:pPr/>
+                <a14:m>
+                  <m:oMathPara xmlns:m="http://schemas.openxmlformats.org/officeDocument/2006/math">
+                    <m:oMathParaPr>
+                      <m:jc m:val="centerGroup"/>
+                    </m:oMathParaPr>
+                    <m:oMath xmlns:m="http://schemas.openxmlformats.org/officeDocument/2006/math">
+                      <m:sSub>
+                        <m:sSubPr>
+                          <m:ctrlPr>
+                            <a:rPr lang="en-US" sz="2800" i="1" smtClean="0">
+                              <a:latin typeface="Cambria Math" panose="02040503050406030204" pitchFamily="18" charset="0"/>
+                            </a:rPr>
+                          </m:ctrlPr>
+                        </m:sSubPr>
+                        <m:e>
+                          <m:r>
+                            <a:rPr lang="en-US" sz="2800" b="0" i="1" smtClean="0">
+                              <a:latin typeface="Cambria Math" panose="02040503050406030204" pitchFamily="18" charset="0"/>
+                            </a:rPr>
+                            <m:t>𝑃</m:t>
+                          </m:r>
+                        </m:e>
+                        <m:sub>
+                          <m:r>
+                            <a:rPr lang="en-US" sz="2800" b="0" i="1" smtClean="0">
+                              <a:latin typeface="Cambria Math" panose="02040503050406030204" pitchFamily="18" charset="0"/>
+                            </a:rPr>
+                            <m:t>𝑏</m:t>
+                          </m:r>
+                          <m:r>
+                            <m:rPr>
+                              <m:sty m:val="p"/>
+                            </m:rPr>
+                            <a:rPr lang="de-DE" sz="2800" b="0" i="1" smtClean="0">
+                              <a:latin typeface="Cambria Math" panose="02040503050406030204" pitchFamily="18" charset="0"/>
+                            </a:rPr>
+                            <m:t>in</m:t>
+                          </m:r>
+                        </m:sub>
+                      </m:sSub>
+                    </m:oMath>
+                  </m:oMathPara>
+                </a14:m>
+                <a:endParaRPr lang="en-US" sz="2800" dirty="0"/>
+              </a:p>
+            </p:txBody>
+          </p:sp>
+        </mc:Choice>
+        <mc:Fallback>
+          <p:sp>
+            <p:nvSpPr>
+              <p:cNvPr id="62" name="TextBox 61">
+                <a:extLst>
+                  <a:ext uri="{FF2B5EF4-FFF2-40B4-BE49-F238E27FC236}">
+                    <a16:creationId xmlns:a16="http://schemas.microsoft.com/office/drawing/2014/main" id="{40E95BC4-EA12-23BC-45A6-68AA8962BE88}"/>
+                  </a:ext>
+                </a:extLst>
+              </p:cNvPr>
+              <p:cNvSpPr txBox="1">
+                <a:spLocks noRot="1" noChangeAspect="1" noMove="1" noResize="1" noEditPoints="1" noAdjustHandles="1" noChangeArrowheads="1" noChangeShapeType="1" noTextEdit="1"/>
+              </p:cNvSpPr>
+              <p:nvPr/>
+            </p:nvSpPr>
+            <p:spPr>
+              <a:xfrm>
+                <a:off x="815957" y="3698261"/>
+                <a:ext cx="864660" cy="523220"/>
+              </a:xfrm>
+              <a:prstGeom prst="rect">
+                <a:avLst/>
+              </a:prstGeom>
+              <a:blipFill>
+                <a:blip r:embed="rId3"/>
+                <a:stretch>
+                  <a:fillRect/>
+                </a:stretch>
+              </a:blipFill>
+            </p:spPr>
+            <p:txBody>
+              <a:bodyPr/>
+              <a:lstStyle/>
+              <a:p>
+                <a:r>
+                  <a:rPr lang="en-US">
+                    <a:noFill/>
+                  </a:rPr>
+                  <a:t> </a:t>
+                </a:r>
+              </a:p>
+            </p:txBody>
+          </p:sp>
+        </mc:Fallback>
+      </mc:AlternateContent>
+      <mc:AlternateContent xmlns:mc="http://schemas.openxmlformats.org/markup-compatibility/2006">
+        <mc:Choice xmlns:a14="http://schemas.microsoft.com/office/drawing/2010/main" Requires="a14">
+          <p:sp>
+            <p:nvSpPr>
+              <p:cNvPr id="63" name="TextBox 62">
+                <a:extLst>
+                  <a:ext uri="{FF2B5EF4-FFF2-40B4-BE49-F238E27FC236}">
+                    <a16:creationId xmlns:a16="http://schemas.microsoft.com/office/drawing/2014/main" id="{B0C6CFE9-76B6-346B-9900-DA4B55482213}"/>
+                  </a:ext>
+                </a:extLst>
+              </p:cNvPr>
+              <p:cNvSpPr txBox="1"/>
+              <p:nvPr/>
+            </p:nvSpPr>
+            <p:spPr>
+              <a:xfrm>
+                <a:off x="1018742" y="2522126"/>
+                <a:ext cx="877484" cy="523220"/>
+              </a:xfrm>
+              <a:prstGeom prst="rect">
+                <a:avLst/>
+              </a:prstGeom>
+              <a:noFill/>
+            </p:spPr>
+            <p:txBody>
+              <a:bodyPr wrap="none" rtlCol="0">
+                <a:spAutoFit/>
+              </a:bodyPr>
+              <a:lstStyle/>
+              <a:p>
+                <a:pPr/>
+                <a14:m>
+                  <m:oMathPara xmlns:m="http://schemas.openxmlformats.org/officeDocument/2006/math">
+                    <m:oMathParaPr>
+                      <m:jc m:val="centerGroup"/>
+                    </m:oMathParaPr>
+                    <m:oMath xmlns:m="http://schemas.openxmlformats.org/officeDocument/2006/math">
+                      <m:sSub>
+                        <m:sSubPr>
+                          <m:ctrlPr>
+                            <a:rPr lang="en-US" sz="2800" i="1" smtClean="0">
+                              <a:latin typeface="Cambria Math" panose="02040503050406030204" pitchFamily="18" charset="0"/>
+                            </a:rPr>
+                          </m:ctrlPr>
+                        </m:sSubPr>
+                        <m:e>
+                          <m:r>
+                            <a:rPr lang="en-US" sz="2800" b="0" i="1" smtClean="0">
+                              <a:latin typeface="Cambria Math" panose="02040503050406030204" pitchFamily="18" charset="0"/>
+                            </a:rPr>
+                            <m:t>𝑃</m:t>
+                          </m:r>
+                        </m:e>
+                        <m:sub>
+                          <m:r>
+                            <a:rPr lang="en-US" sz="2800" b="0" i="1" smtClean="0">
+                              <a:latin typeface="Cambria Math" panose="02040503050406030204" pitchFamily="18" charset="0"/>
+                            </a:rPr>
+                            <m:t>𝑢</m:t>
+                          </m:r>
+                          <m:r>
+                            <m:rPr>
+                              <m:sty m:val="p"/>
+                            </m:rPr>
+                            <a:rPr lang="de-DE" sz="2800" b="0" i="1" smtClean="0">
+                              <a:latin typeface="Cambria Math" panose="02040503050406030204" pitchFamily="18" charset="0"/>
+                            </a:rPr>
+                            <m:t>in</m:t>
+                          </m:r>
+                        </m:sub>
+                      </m:sSub>
+                    </m:oMath>
+                  </m:oMathPara>
+                </a14:m>
+                <a:endParaRPr lang="en-US" sz="2800" dirty="0"/>
+              </a:p>
+            </p:txBody>
+          </p:sp>
+        </mc:Choice>
+        <mc:Fallback>
+          <p:sp>
+            <p:nvSpPr>
+              <p:cNvPr id="63" name="TextBox 62">
+                <a:extLst>
+                  <a:ext uri="{FF2B5EF4-FFF2-40B4-BE49-F238E27FC236}">
+                    <a16:creationId xmlns:a16="http://schemas.microsoft.com/office/drawing/2014/main" id="{B0C6CFE9-76B6-346B-9900-DA4B55482213}"/>
+                  </a:ext>
+                </a:extLst>
+              </p:cNvPr>
+              <p:cNvSpPr txBox="1">
+                <a:spLocks noRot="1" noChangeAspect="1" noMove="1" noResize="1" noEditPoints="1" noAdjustHandles="1" noChangeArrowheads="1" noChangeShapeType="1" noTextEdit="1"/>
+              </p:cNvSpPr>
+              <p:nvPr/>
+            </p:nvSpPr>
+            <p:spPr>
+              <a:xfrm>
+                <a:off x="1018742" y="2522126"/>
+                <a:ext cx="877484" cy="523220"/>
+              </a:xfrm>
+              <a:prstGeom prst="rect">
+                <a:avLst/>
+              </a:prstGeom>
+              <a:blipFill>
+                <a:blip r:embed="rId4"/>
+                <a:stretch>
+                  <a:fillRect/>
+                </a:stretch>
+              </a:blipFill>
+            </p:spPr>
+            <p:txBody>
+              <a:bodyPr/>
+              <a:lstStyle/>
+              <a:p>
+                <a:r>
+                  <a:rPr lang="en-US">
+                    <a:noFill/>
+                  </a:rPr>
+                  <a:t> </a:t>
+                </a:r>
+              </a:p>
+            </p:txBody>
+          </p:sp>
+        </mc:Fallback>
+      </mc:AlternateContent>
+      <p:cxnSp>
+        <p:nvCxnSpPr>
+          <p:cNvPr id="68" name="Straight Arrow Connector 67">
+            <a:extLst>
+              <a:ext uri="{FF2B5EF4-FFF2-40B4-BE49-F238E27FC236}">
+                <a16:creationId xmlns:a16="http://schemas.microsoft.com/office/drawing/2014/main" id="{307AC9EA-2BB9-49C6-2CC4-C07DDDDA354A}"/>
+              </a:ext>
+            </a:extLst>
+          </p:cNvPr>
+          <p:cNvCxnSpPr>
+            <a:cxnSpLocks/>
+            <a:stCxn id="63" idx="2"/>
+          </p:cNvCxnSpPr>
+          <p:nvPr/>
+        </p:nvCxnSpPr>
+        <p:spPr>
+          <a:xfrm>
+            <a:off x="1457484" y="3045346"/>
+            <a:ext cx="169412" cy="281573"/>
+          </a:xfrm>
+          <a:prstGeom prst="straightConnector1">
+            <a:avLst/>
+          </a:prstGeom>
+          <a:ln>
+            <a:tailEnd type="triangle" w="lg" len="lg"/>
+          </a:ln>
+        </p:spPr>
+        <p:style>
+          <a:lnRef idx="2">
+            <a:schemeClr val="accent1"/>
+          </a:lnRef>
+          <a:fillRef idx="0">
+            <a:schemeClr val="accent1"/>
+          </a:fillRef>
+          <a:effectRef idx="1">
+            <a:schemeClr val="accent1"/>
+          </a:effectRef>
+          <a:fontRef idx="minor">
+            <a:schemeClr val="tx1"/>
+          </a:fontRef>
+        </p:style>
+      </p:cxnSp>
+      <p:cxnSp>
+        <p:nvCxnSpPr>
+          <p:cNvPr id="69" name="Straight Arrow Connector 68">
+            <a:extLst>
+              <a:ext uri="{FF2B5EF4-FFF2-40B4-BE49-F238E27FC236}">
+                <a16:creationId xmlns:a16="http://schemas.microsoft.com/office/drawing/2014/main" id="{094A3DE0-5EC6-EAED-25FF-973C33308A59}"/>
+              </a:ext>
+            </a:extLst>
+          </p:cNvPr>
+          <p:cNvCxnSpPr>
+            <a:cxnSpLocks/>
+          </p:cNvCxnSpPr>
+          <p:nvPr/>
+        </p:nvCxnSpPr>
+        <p:spPr>
+          <a:xfrm flipV="1">
+            <a:off x="1274850" y="3517396"/>
+            <a:ext cx="331642" cy="312887"/>
+          </a:xfrm>
+          <a:prstGeom prst="straightConnector1">
+            <a:avLst/>
+          </a:prstGeom>
+          <a:ln>
+            <a:tailEnd type="triangle" w="lg" len="lg"/>
+          </a:ln>
+        </p:spPr>
+        <p:style>
+          <a:lnRef idx="2">
+            <a:schemeClr val="accent1"/>
+          </a:lnRef>
+          <a:fillRef idx="0">
+            <a:schemeClr val="accent1"/>
+          </a:fillRef>
+          <a:effectRef idx="1">
+            <a:schemeClr val="accent1"/>
+          </a:effectRef>
+          <a:fontRef idx="minor">
+            <a:schemeClr val="tx1"/>
+          </a:fontRef>
+        </p:style>
+      </p:cxnSp>
+      <mc:AlternateContent xmlns:mc="http://schemas.openxmlformats.org/markup-compatibility/2006">
+        <mc:Choice xmlns:a14="http://schemas.microsoft.com/office/drawing/2010/main" Requires="a14">
+          <p:sp>
+            <p:nvSpPr>
+              <p:cNvPr id="74" name="TextBox 73">
+                <a:extLst>
+                  <a:ext uri="{FF2B5EF4-FFF2-40B4-BE49-F238E27FC236}">
+                    <a16:creationId xmlns:a16="http://schemas.microsoft.com/office/drawing/2014/main" id="{91419FCE-A941-2984-C20E-69B503BF2289}"/>
+                  </a:ext>
+                </a:extLst>
+              </p:cNvPr>
+              <p:cNvSpPr txBox="1"/>
+              <p:nvPr/>
+            </p:nvSpPr>
+            <p:spPr>
+              <a:xfrm>
+                <a:off x="9859284" y="2250695"/>
+                <a:ext cx="931986" cy="523220"/>
+              </a:xfrm>
+              <a:prstGeom prst="rect">
+                <a:avLst/>
+              </a:prstGeom>
+              <a:noFill/>
+            </p:spPr>
+            <p:txBody>
+              <a:bodyPr wrap="none" rtlCol="0">
+                <a:spAutoFit/>
+              </a:bodyPr>
+              <a:lstStyle/>
+              <a:p>
+                <a:pPr/>
+                <a14:m>
+                  <m:oMathPara xmlns:m="http://schemas.openxmlformats.org/officeDocument/2006/math">
+                    <m:oMathParaPr>
+                      <m:jc m:val="centerGroup"/>
+                    </m:oMathParaPr>
+                    <m:oMath xmlns:m="http://schemas.openxmlformats.org/officeDocument/2006/math">
+                      <m:sSub>
+                        <m:sSubPr>
+                          <m:ctrlPr>
+                            <a:rPr lang="en-US" sz="2800" i="1" smtClean="0">
+                              <a:latin typeface="Cambria Math" panose="02040503050406030204" pitchFamily="18" charset="0"/>
+                            </a:rPr>
+                          </m:ctrlPr>
+                        </m:sSubPr>
+                        <m:e>
+                          <m:r>
+                            <a:rPr lang="en-US" sz="2800" b="0" i="1" smtClean="0">
+                              <a:latin typeface="Cambria Math" panose="02040503050406030204" pitchFamily="18" charset="0"/>
+                            </a:rPr>
+                            <m:t>𝑃</m:t>
+                          </m:r>
+                        </m:e>
+                        <m:sub>
+                          <m:r>
+                            <a:rPr lang="en-US" sz="2800" b="0" i="1" smtClean="0">
+                              <a:latin typeface="Cambria Math" panose="02040503050406030204" pitchFamily="18" charset="0"/>
+                            </a:rPr>
+                            <m:t>𝑢</m:t>
+                          </m:r>
+                          <m:r>
+                            <a:rPr lang="de-DE" sz="2800" b="0" i="1" smtClean="0">
+                              <a:latin typeface="Cambria Math" panose="02040503050406030204" pitchFamily="18" charset="0"/>
+                            </a:rPr>
+                            <m:t>33</m:t>
+                          </m:r>
+                        </m:sub>
+                      </m:sSub>
+                    </m:oMath>
+                  </m:oMathPara>
+                </a14:m>
+                <a:endParaRPr lang="en-US" sz="2800" dirty="0"/>
+              </a:p>
+            </p:txBody>
+          </p:sp>
+        </mc:Choice>
+        <mc:Fallback>
+          <p:sp>
+            <p:nvSpPr>
+              <p:cNvPr id="74" name="TextBox 73">
+                <a:extLst>
+                  <a:ext uri="{FF2B5EF4-FFF2-40B4-BE49-F238E27FC236}">
+                    <a16:creationId xmlns:a16="http://schemas.microsoft.com/office/drawing/2014/main" id="{91419FCE-A941-2984-C20E-69B503BF2289}"/>
+                  </a:ext>
+                </a:extLst>
+              </p:cNvPr>
+              <p:cNvSpPr txBox="1">
+                <a:spLocks noRot="1" noChangeAspect="1" noMove="1" noResize="1" noEditPoints="1" noAdjustHandles="1" noChangeArrowheads="1" noChangeShapeType="1" noTextEdit="1"/>
+              </p:cNvSpPr>
+              <p:nvPr/>
+            </p:nvSpPr>
+            <p:spPr>
+              <a:xfrm>
+                <a:off x="9859284" y="2250695"/>
+                <a:ext cx="931986" cy="523220"/>
+              </a:xfrm>
+              <a:prstGeom prst="rect">
+                <a:avLst/>
+              </a:prstGeom>
+              <a:blipFill>
+                <a:blip r:embed="rId5"/>
+                <a:stretch>
+                  <a:fillRect/>
+                </a:stretch>
+              </a:blipFill>
+            </p:spPr>
+            <p:txBody>
+              <a:bodyPr/>
+              <a:lstStyle/>
+              <a:p>
+                <a:r>
+                  <a:rPr lang="en-US">
+                    <a:noFill/>
+                  </a:rPr>
+                  <a:t> </a:t>
+                </a:r>
+              </a:p>
+            </p:txBody>
+          </p:sp>
+        </mc:Fallback>
+      </mc:AlternateContent>
+      <p:cxnSp>
+        <p:nvCxnSpPr>
+          <p:cNvPr id="75" name="Straight Arrow Connector 74">
+            <a:extLst>
+              <a:ext uri="{FF2B5EF4-FFF2-40B4-BE49-F238E27FC236}">
+                <a16:creationId xmlns:a16="http://schemas.microsoft.com/office/drawing/2014/main" id="{7D3BF2CA-1955-8A16-8EED-7BB22DA37F51}"/>
+              </a:ext>
+            </a:extLst>
+          </p:cNvPr>
+          <p:cNvCxnSpPr>
+            <a:cxnSpLocks/>
+          </p:cNvCxnSpPr>
+          <p:nvPr/>
+        </p:nvCxnSpPr>
+        <p:spPr>
+          <a:xfrm flipH="1">
+            <a:off x="9642820" y="2757537"/>
+            <a:ext cx="308590" cy="316099"/>
+          </a:xfrm>
+          <a:prstGeom prst="straightConnector1">
+            <a:avLst/>
+          </a:prstGeom>
+          <a:ln>
+            <a:tailEnd type="triangle" w="lg" len="lg"/>
+          </a:ln>
+        </p:spPr>
+        <p:style>
+          <a:lnRef idx="2">
+            <a:schemeClr val="accent1"/>
+          </a:lnRef>
+          <a:fillRef idx="0">
+            <a:schemeClr val="accent1"/>
+          </a:fillRef>
+          <a:effectRef idx="1">
+            <a:schemeClr val="accent1"/>
+          </a:effectRef>
+          <a:fontRef idx="minor">
+            <a:schemeClr val="tx1"/>
+          </a:fontRef>
+        </p:style>
+      </p:cxnSp>
+      <mc:AlternateContent xmlns:mc="http://schemas.openxmlformats.org/markup-compatibility/2006">
+        <mc:Choice xmlns:a14="http://schemas.microsoft.com/office/drawing/2010/main" Requires="a14">
+          <p:sp>
+            <p:nvSpPr>
+              <p:cNvPr id="78" name="TextBox 77">
+                <a:extLst>
+                  <a:ext uri="{FF2B5EF4-FFF2-40B4-BE49-F238E27FC236}">
+                    <a16:creationId xmlns:a16="http://schemas.microsoft.com/office/drawing/2014/main" id="{E4044601-E78F-438B-5001-4886577DFA5A}"/>
+                  </a:ext>
+                </a:extLst>
+              </p:cNvPr>
+              <p:cNvSpPr txBox="1"/>
+              <p:nvPr/>
+            </p:nvSpPr>
+            <p:spPr>
+              <a:xfrm>
+                <a:off x="9804965" y="4080073"/>
+                <a:ext cx="931986" cy="523220"/>
+              </a:xfrm>
+              <a:prstGeom prst="rect">
+                <a:avLst/>
+              </a:prstGeom>
+              <a:noFill/>
+            </p:spPr>
+            <p:txBody>
+              <a:bodyPr wrap="none" rtlCol="0">
+                <a:spAutoFit/>
+              </a:bodyPr>
+              <a:lstStyle/>
+              <a:p>
+                <a:pPr/>
+                <a14:m>
+                  <m:oMathPara xmlns:m="http://schemas.openxmlformats.org/officeDocument/2006/math">
+                    <m:oMathParaPr>
+                      <m:jc m:val="centerGroup"/>
+                    </m:oMathParaPr>
+                    <m:oMath xmlns:m="http://schemas.openxmlformats.org/officeDocument/2006/math">
+                      <m:sSub>
+                        <m:sSubPr>
+                          <m:ctrlPr>
+                            <a:rPr lang="en-US" sz="2800" i="1" smtClean="0">
+                              <a:latin typeface="Cambria Math" panose="02040503050406030204" pitchFamily="18" charset="0"/>
+                            </a:rPr>
+                          </m:ctrlPr>
+                        </m:sSubPr>
+                        <m:e>
+                          <m:r>
+                            <a:rPr lang="en-US" sz="2800" b="0" i="1" smtClean="0">
+                              <a:latin typeface="Cambria Math" panose="02040503050406030204" pitchFamily="18" charset="0"/>
+                            </a:rPr>
+                            <m:t>𝑃</m:t>
+                          </m:r>
+                        </m:e>
+                        <m:sub>
+                          <m:r>
+                            <a:rPr lang="de-DE" sz="2800" b="0" i="1" smtClean="0">
+                              <a:latin typeface="Cambria Math" panose="02040503050406030204" pitchFamily="18" charset="0"/>
+                            </a:rPr>
+                            <m:t>𝑢</m:t>
+                          </m:r>
+                          <m:r>
+                            <a:rPr lang="de-DE" sz="2800" b="0" i="1" smtClean="0">
+                              <a:latin typeface="Cambria Math" panose="02040503050406030204" pitchFamily="18" charset="0"/>
+                            </a:rPr>
+                            <m:t>23</m:t>
+                          </m:r>
+                        </m:sub>
+                      </m:sSub>
+                    </m:oMath>
+                  </m:oMathPara>
+                </a14:m>
+                <a:endParaRPr lang="en-US" sz="2800" dirty="0"/>
+              </a:p>
+            </p:txBody>
+          </p:sp>
+        </mc:Choice>
+        <mc:Fallback>
+          <p:sp>
+            <p:nvSpPr>
+              <p:cNvPr id="78" name="TextBox 77">
+                <a:extLst>
+                  <a:ext uri="{FF2B5EF4-FFF2-40B4-BE49-F238E27FC236}">
+                    <a16:creationId xmlns:a16="http://schemas.microsoft.com/office/drawing/2014/main" id="{E4044601-E78F-438B-5001-4886577DFA5A}"/>
+                  </a:ext>
+                </a:extLst>
+              </p:cNvPr>
+              <p:cNvSpPr txBox="1">
+                <a:spLocks noRot="1" noChangeAspect="1" noMove="1" noResize="1" noEditPoints="1" noAdjustHandles="1" noChangeArrowheads="1" noChangeShapeType="1" noTextEdit="1"/>
+              </p:cNvSpPr>
+              <p:nvPr/>
+            </p:nvSpPr>
+            <p:spPr>
+              <a:xfrm>
+                <a:off x="9804965" y="4080073"/>
+                <a:ext cx="931986" cy="523220"/>
+              </a:xfrm>
+              <a:prstGeom prst="rect">
+                <a:avLst/>
+              </a:prstGeom>
+              <a:blipFill>
+                <a:blip r:embed="rId6"/>
+                <a:stretch>
+                  <a:fillRect/>
+                </a:stretch>
+              </a:blipFill>
+            </p:spPr>
+            <p:txBody>
+              <a:bodyPr/>
+              <a:lstStyle/>
+              <a:p>
+                <a:r>
+                  <a:rPr lang="en-US">
+                    <a:noFill/>
+                  </a:rPr>
+                  <a:t> </a:t>
+                </a:r>
+              </a:p>
+            </p:txBody>
+          </p:sp>
+        </mc:Fallback>
+      </mc:AlternateContent>
+      <mc:AlternateContent xmlns:mc="http://schemas.openxmlformats.org/markup-compatibility/2006" xmlns:a14="http://schemas.microsoft.com/office/drawing/2010/main">
+        <mc:Choice Requires="a14">
+          <p:sp>
+            <p:nvSpPr>
+              <p:cNvPr id="79" name="TextBox 78">
+                <a:extLst>
+                  <a:ext uri="{FF2B5EF4-FFF2-40B4-BE49-F238E27FC236}">
+                    <a16:creationId xmlns:a16="http://schemas.microsoft.com/office/drawing/2014/main" id="{E39C1088-EB89-A795-5118-9EE755D09687}"/>
+                  </a:ext>
+                </a:extLst>
+              </p:cNvPr>
+              <p:cNvSpPr txBox="1"/>
+              <p:nvPr/>
+            </p:nvSpPr>
+            <p:spPr>
+              <a:xfrm>
+                <a:off x="3801584" y="2584065"/>
+                <a:ext cx="919162" cy="523220"/>
+              </a:xfrm>
+              <a:prstGeom prst="rect">
+                <a:avLst/>
+              </a:prstGeom>
+              <a:noFill/>
+            </p:spPr>
+            <p:txBody>
+              <a:bodyPr wrap="none" rtlCol="0">
+                <a:spAutoFit/>
+              </a:bodyPr>
+              <a:lstStyle/>
+              <a:p>
+                <a:pPr/>
+                <a14:m>
+                  <m:oMathPara xmlns:m="http://schemas.openxmlformats.org/officeDocument/2006/math">
+                    <m:oMathParaPr>
+                      <m:jc m:val="centerGroup"/>
+                    </m:oMathParaPr>
+                    <m:oMath xmlns:m="http://schemas.openxmlformats.org/officeDocument/2006/math">
+                      <m:sSub>
+                        <m:sSubPr>
+                          <m:ctrlPr>
+                            <a:rPr lang="en-US" sz="2800" i="1" smtClean="0">
+                              <a:latin typeface="Cambria Math" panose="02040503050406030204" pitchFamily="18" charset="0"/>
+                            </a:rPr>
+                          </m:ctrlPr>
+                        </m:sSubPr>
+                        <m:e>
+                          <m:r>
+                            <a:rPr lang="en-US" sz="2800" b="0" i="1" smtClean="0">
+                              <a:latin typeface="Cambria Math" panose="02040503050406030204" pitchFamily="18" charset="0"/>
+                            </a:rPr>
+                            <m:t>𝑃</m:t>
+                          </m:r>
+                        </m:e>
+                        <m:sub>
+                          <m:r>
+                            <a:rPr lang="en-US" sz="2800" b="0" i="1" smtClean="0">
+                              <a:latin typeface="Cambria Math" panose="02040503050406030204" pitchFamily="18" charset="0"/>
+                            </a:rPr>
+                            <m:t>𝑏</m:t>
+                          </m:r>
+                          <m:r>
+                            <a:rPr lang="en-GB" sz="2800" b="0" i="1" smtClean="0">
+                              <a:latin typeface="Cambria Math" panose="02040503050406030204" pitchFamily="18" charset="0"/>
+                            </a:rPr>
+                            <m:t>3</m:t>
+                          </m:r>
+                          <m:r>
+                            <a:rPr lang="en-US" sz="2800" b="0" i="1" smtClean="0">
+                              <a:latin typeface="Cambria Math" panose="02040503050406030204" pitchFamily="18" charset="0"/>
+                            </a:rPr>
+                            <m:t>1</m:t>
+                          </m:r>
+                        </m:sub>
+                      </m:sSub>
+                    </m:oMath>
+                  </m:oMathPara>
+                </a14:m>
+                <a:endParaRPr lang="en-US" sz="2800" dirty="0"/>
+              </a:p>
+            </p:txBody>
+          </p:sp>
+        </mc:Choice>
+        <mc:Fallback xmlns="">
+          <p:sp>
+            <p:nvSpPr>
+              <p:cNvPr id="79" name="TextBox 78">
+                <a:extLst>
+                  <a:ext uri="{FF2B5EF4-FFF2-40B4-BE49-F238E27FC236}">
+                    <a16:creationId xmlns:a16="http://schemas.microsoft.com/office/drawing/2014/main" id="{E39C1088-EB89-A795-5118-9EE755D09687}"/>
+                  </a:ext>
+                </a:extLst>
+              </p:cNvPr>
+              <p:cNvSpPr txBox="1">
+                <a:spLocks noRot="1" noChangeAspect="1" noMove="1" noResize="1" noEditPoints="1" noAdjustHandles="1" noChangeArrowheads="1" noChangeShapeType="1" noTextEdit="1"/>
+              </p:cNvSpPr>
+              <p:nvPr/>
+            </p:nvSpPr>
+            <p:spPr>
+              <a:xfrm>
+                <a:off x="3801584" y="2584065"/>
+                <a:ext cx="919162" cy="523220"/>
+              </a:xfrm>
+              <a:prstGeom prst="rect">
+                <a:avLst/>
+              </a:prstGeom>
+              <a:blipFill>
+                <a:blip r:embed="rId7"/>
+                <a:stretch>
+                  <a:fillRect/>
+                </a:stretch>
+              </a:blipFill>
+            </p:spPr>
+            <p:txBody>
+              <a:bodyPr/>
+              <a:lstStyle/>
+              <a:p>
+                <a:r>
+                  <a:rPr lang="en-US">
+                    <a:noFill/>
+                  </a:rPr>
+                  <a:t> </a:t>
+                </a:r>
+              </a:p>
+            </p:txBody>
+          </p:sp>
+        </mc:Fallback>
+      </mc:AlternateContent>
+      <mc:AlternateContent xmlns:mc="http://schemas.openxmlformats.org/markup-compatibility/2006">
+        <mc:Choice xmlns:a14="http://schemas.microsoft.com/office/drawing/2010/main" Requires="a14">
+          <p:sp>
+            <p:nvSpPr>
+              <p:cNvPr id="80" name="TextBox 79">
+                <a:extLst>
+                  <a:ext uri="{FF2B5EF4-FFF2-40B4-BE49-F238E27FC236}">
+                    <a16:creationId xmlns:a16="http://schemas.microsoft.com/office/drawing/2014/main" id="{D4459A56-534B-D59E-EA58-D7400D0DFE42}"/>
+                  </a:ext>
+                </a:extLst>
+              </p:cNvPr>
+              <p:cNvSpPr txBox="1"/>
+              <p:nvPr/>
+            </p:nvSpPr>
+            <p:spPr>
+              <a:xfrm>
+                <a:off x="3767193" y="3682508"/>
+                <a:ext cx="919162" cy="523220"/>
+              </a:xfrm>
+              <a:prstGeom prst="rect">
+                <a:avLst/>
+              </a:prstGeom>
+              <a:noFill/>
+            </p:spPr>
+            <p:txBody>
+              <a:bodyPr wrap="none" rtlCol="0">
+                <a:spAutoFit/>
+              </a:bodyPr>
+              <a:lstStyle/>
+              <a:p>
+                <a:pPr/>
+                <a14:m>
+                  <m:oMathPara xmlns:m="http://schemas.openxmlformats.org/officeDocument/2006/math">
+                    <m:oMathParaPr>
+                      <m:jc m:val="centerGroup"/>
+                    </m:oMathParaPr>
+                    <m:oMath xmlns:m="http://schemas.openxmlformats.org/officeDocument/2006/math">
+                      <m:sSub>
+                        <m:sSubPr>
+                          <m:ctrlPr>
+                            <a:rPr lang="en-US" sz="2800" i="1" smtClean="0">
+                              <a:latin typeface="Cambria Math" panose="02040503050406030204" pitchFamily="18" charset="0"/>
+                            </a:rPr>
+                          </m:ctrlPr>
+                        </m:sSubPr>
+                        <m:e>
+                          <m:r>
+                            <a:rPr lang="en-US" sz="2800" b="0" i="1" smtClean="0">
+                              <a:latin typeface="Cambria Math" panose="02040503050406030204" pitchFamily="18" charset="0"/>
+                            </a:rPr>
+                            <m:t>𝑃</m:t>
+                          </m:r>
+                        </m:e>
+                        <m:sub>
+                          <m:r>
+                            <a:rPr lang="de-DE" sz="2800" b="0" i="1" smtClean="0">
+                              <a:latin typeface="Cambria Math" panose="02040503050406030204" pitchFamily="18" charset="0"/>
+                            </a:rPr>
+                            <m:t>𝑏</m:t>
+                          </m:r>
+                          <m:r>
+                            <a:rPr lang="de-DE" sz="2800" b="0" i="1" smtClean="0">
+                              <a:latin typeface="Cambria Math" panose="02040503050406030204" pitchFamily="18" charset="0"/>
+                            </a:rPr>
+                            <m:t>2</m:t>
+                          </m:r>
+                          <m:r>
+                            <a:rPr lang="de-DE" sz="2800" b="0" i="1" smtClean="0">
+                              <a:latin typeface="Cambria Math" panose="02040503050406030204" pitchFamily="18" charset="0"/>
+                            </a:rPr>
+                            <m:t>1</m:t>
+                          </m:r>
+                        </m:sub>
+                      </m:sSub>
+                    </m:oMath>
+                  </m:oMathPara>
+                </a14:m>
+                <a:endParaRPr lang="en-US" sz="2800" dirty="0"/>
+              </a:p>
+            </p:txBody>
+          </p:sp>
+        </mc:Choice>
+        <mc:Fallback>
+          <p:sp>
+            <p:nvSpPr>
+              <p:cNvPr id="80" name="TextBox 79">
+                <a:extLst>
+                  <a:ext uri="{FF2B5EF4-FFF2-40B4-BE49-F238E27FC236}">
+                    <a16:creationId xmlns:a16="http://schemas.microsoft.com/office/drawing/2014/main" id="{D4459A56-534B-D59E-EA58-D7400D0DFE42}"/>
+                  </a:ext>
+                </a:extLst>
+              </p:cNvPr>
+              <p:cNvSpPr txBox="1">
+                <a:spLocks noRot="1" noChangeAspect="1" noMove="1" noResize="1" noEditPoints="1" noAdjustHandles="1" noChangeArrowheads="1" noChangeShapeType="1" noTextEdit="1"/>
+              </p:cNvSpPr>
+              <p:nvPr/>
+            </p:nvSpPr>
+            <p:spPr>
+              <a:xfrm>
+                <a:off x="3767193" y="3682508"/>
+                <a:ext cx="919162" cy="523220"/>
+              </a:xfrm>
+              <a:prstGeom prst="rect">
+                <a:avLst/>
+              </a:prstGeom>
+              <a:blipFill>
+                <a:blip r:embed="rId8"/>
+                <a:stretch>
+                  <a:fillRect/>
+                </a:stretch>
+              </a:blipFill>
+            </p:spPr>
+            <p:txBody>
+              <a:bodyPr/>
+              <a:lstStyle/>
+              <a:p>
+                <a:r>
+                  <a:rPr lang="en-US">
+                    <a:noFill/>
+                  </a:rPr>
+                  <a:t> </a:t>
+                </a:r>
+              </a:p>
+            </p:txBody>
+          </p:sp>
+        </mc:Fallback>
+      </mc:AlternateContent>
+      <mc:AlternateContent xmlns:mc="http://schemas.openxmlformats.org/markup-compatibility/2006">
+        <mc:Choice xmlns:a14="http://schemas.microsoft.com/office/drawing/2010/main" Requires="a14">
+          <p:sp>
+            <p:nvSpPr>
+              <p:cNvPr id="85" name="TextBox 84">
+                <a:extLst>
+                  <a:ext uri="{FF2B5EF4-FFF2-40B4-BE49-F238E27FC236}">
+                    <a16:creationId xmlns:a16="http://schemas.microsoft.com/office/drawing/2014/main" id="{11850A5A-666D-710B-2E6A-155BB57B58D4}"/>
+                  </a:ext>
+                </a:extLst>
+              </p:cNvPr>
+              <p:cNvSpPr txBox="1"/>
+              <p:nvPr/>
+            </p:nvSpPr>
+            <p:spPr>
+              <a:xfrm>
+                <a:off x="5606429" y="423584"/>
+                <a:ext cx="931986" cy="523220"/>
+              </a:xfrm>
+              <a:prstGeom prst="rect">
+                <a:avLst/>
+              </a:prstGeom>
+              <a:noFill/>
+            </p:spPr>
+            <p:txBody>
+              <a:bodyPr wrap="none" rtlCol="0">
+                <a:spAutoFit/>
+              </a:bodyPr>
+              <a:lstStyle/>
+              <a:p>
+                <a:pPr/>
+                <a14:m>
+                  <m:oMathPara xmlns:m="http://schemas.openxmlformats.org/officeDocument/2006/math">
+                    <m:oMathParaPr>
+                      <m:jc m:val="centerGroup"/>
+                    </m:oMathParaPr>
+                    <m:oMath xmlns:m="http://schemas.openxmlformats.org/officeDocument/2006/math">
+                      <m:sSub>
+                        <m:sSubPr>
+                          <m:ctrlPr>
+                            <a:rPr lang="en-US" sz="2800" i="1" smtClean="0">
+                              <a:latin typeface="Cambria Math" panose="02040503050406030204" pitchFamily="18" charset="0"/>
+                            </a:rPr>
+                          </m:ctrlPr>
+                        </m:sSubPr>
+                        <m:e>
+                          <m:r>
+                            <a:rPr lang="en-US" sz="2800" b="0" i="1" smtClean="0">
+                              <a:latin typeface="Cambria Math" panose="02040503050406030204" pitchFamily="18" charset="0"/>
+                            </a:rPr>
+                            <m:t>𝑃</m:t>
+                          </m:r>
+                        </m:e>
+                        <m:sub>
+                          <m:r>
+                            <a:rPr lang="de-DE" sz="2800" b="0" i="1" smtClean="0">
+                              <a:latin typeface="Cambria Math" panose="02040503050406030204" pitchFamily="18" charset="0"/>
+                            </a:rPr>
+                            <m:t>𝑢</m:t>
+                          </m:r>
+                          <m:r>
+                            <a:rPr lang="en-GB" sz="2800" b="0" i="1" smtClean="0">
+                              <a:latin typeface="Cambria Math" panose="02040503050406030204" pitchFamily="18" charset="0"/>
+                            </a:rPr>
+                            <m:t>32</m:t>
+                          </m:r>
+                        </m:sub>
+                      </m:sSub>
+                    </m:oMath>
+                  </m:oMathPara>
+                </a14:m>
+                <a:endParaRPr lang="en-US" sz="2800" dirty="0"/>
+              </a:p>
+            </p:txBody>
+          </p:sp>
+        </mc:Choice>
+        <mc:Fallback>
+          <p:sp>
+            <p:nvSpPr>
+              <p:cNvPr id="85" name="TextBox 84">
+                <a:extLst>
+                  <a:ext uri="{FF2B5EF4-FFF2-40B4-BE49-F238E27FC236}">
+                    <a16:creationId xmlns:a16="http://schemas.microsoft.com/office/drawing/2014/main" id="{11850A5A-666D-710B-2E6A-155BB57B58D4}"/>
+                  </a:ext>
+                </a:extLst>
+              </p:cNvPr>
+              <p:cNvSpPr txBox="1">
+                <a:spLocks noRot="1" noChangeAspect="1" noMove="1" noResize="1" noEditPoints="1" noAdjustHandles="1" noChangeArrowheads="1" noChangeShapeType="1" noTextEdit="1"/>
+              </p:cNvSpPr>
+              <p:nvPr/>
+            </p:nvSpPr>
+            <p:spPr>
+              <a:xfrm>
+                <a:off x="5606429" y="423584"/>
+                <a:ext cx="931986" cy="523220"/>
+              </a:xfrm>
+              <a:prstGeom prst="rect">
+                <a:avLst/>
+              </a:prstGeom>
+              <a:blipFill>
+                <a:blip r:embed="rId9"/>
+                <a:stretch>
+                  <a:fillRect/>
+                </a:stretch>
+              </a:blipFill>
+            </p:spPr>
+            <p:txBody>
+              <a:bodyPr/>
+              <a:lstStyle/>
+              <a:p>
+                <a:r>
+                  <a:rPr lang="en-US">
+                    <a:noFill/>
+                  </a:rPr>
+                  <a:t> </a:t>
+                </a:r>
+              </a:p>
+            </p:txBody>
+          </p:sp>
+        </mc:Fallback>
+      </mc:AlternateContent>
+      <p:grpSp>
+        <p:nvGrpSpPr>
+          <p:cNvPr id="89" name="Group 88">
+            <a:extLst>
+              <a:ext uri="{FF2B5EF4-FFF2-40B4-BE49-F238E27FC236}">
+                <a16:creationId xmlns:a16="http://schemas.microsoft.com/office/drawing/2014/main" id="{8513ED80-9768-5F3F-8C03-A449D78A0B94}"/>
+              </a:ext>
+            </a:extLst>
+          </p:cNvPr>
+          <p:cNvGrpSpPr/>
+          <p:nvPr/>
+        </p:nvGrpSpPr>
+        <p:grpSpPr>
+          <a:xfrm>
+            <a:off x="5569182" y="3143649"/>
+            <a:ext cx="1255894" cy="523220"/>
+            <a:chOff x="5372824" y="4174268"/>
+            <a:chExt cx="734184" cy="523220"/>
+          </a:xfrm>
+        </p:grpSpPr>
+        <p:sp>
+          <p:nvSpPr>
+            <p:cNvPr id="87" name="Rectangle 86">
+              <a:extLst>
+                <a:ext uri="{FF2B5EF4-FFF2-40B4-BE49-F238E27FC236}">
+                  <a16:creationId xmlns:a16="http://schemas.microsoft.com/office/drawing/2014/main" id="{F873AF06-FCBF-5AFB-E580-670E18F9AB58}"/>
+                </a:ext>
+              </a:extLst>
+            </p:cNvPr>
+            <p:cNvSpPr/>
+            <p:nvPr/>
+          </p:nvSpPr>
+          <p:spPr>
+            <a:xfrm>
+              <a:off x="5429135" y="4301147"/>
+              <a:ext cx="611768" cy="235657"/>
+            </a:xfrm>
+            <a:prstGeom prst="rect">
+              <a:avLst/>
+            </a:prstGeom>
+            <a:solidFill>
+              <a:schemeClr val="bg1">
+                <a:alpha val="66000"/>
+              </a:schemeClr>
+            </a:solidFill>
+            <a:ln>
+              <a:noFill/>
+            </a:ln>
+          </p:spPr>
+          <p:style>
+            <a:lnRef idx="2">
+              <a:schemeClr val="accent1">
+                <a:shade val="15000"/>
+              </a:schemeClr>
+            </a:lnRef>
+            <a:fillRef idx="1">
+              <a:schemeClr val="accent1"/>
+            </a:fillRef>
+            <a:effectRef idx="0">
+              <a:schemeClr val="accent1"/>
+            </a:effectRef>
+            <a:fontRef idx="minor">
+              <a:schemeClr val="lt1"/>
+            </a:fontRef>
+          </p:style>
+          <p:txBody>
+            <a:bodyPr rtlCol="0" anchor="ctr"/>
+            <a:lstStyle/>
+            <a:p>
+              <a:pPr algn="ctr"/>
+              <a:endParaRPr lang="en-US" sz="2800"/>
+            </a:p>
+          </p:txBody>
+        </p:sp>
+        <mc:AlternateContent xmlns:mc="http://schemas.openxmlformats.org/markup-compatibility/2006" xmlns:a14="http://schemas.microsoft.com/office/drawing/2010/main">
+          <mc:Choice Requires="a14">
+            <p:sp>
+              <p:nvSpPr>
+                <p:cNvPr id="88" name="TextBox 87">
+                  <a:extLst>
+                    <a:ext uri="{FF2B5EF4-FFF2-40B4-BE49-F238E27FC236}">
+                      <a16:creationId xmlns:a16="http://schemas.microsoft.com/office/drawing/2014/main" id="{B6A986EE-DE76-D8E3-1E1E-7426F9D7C261}"/>
+                    </a:ext>
+                  </a:extLst>
+                </p:cNvPr>
+                <p:cNvSpPr txBox="1"/>
+                <p:nvPr/>
+              </p:nvSpPr>
+              <p:spPr>
+                <a:xfrm>
+                  <a:off x="5372824" y="4174268"/>
+                  <a:ext cx="734184" cy="523220"/>
+                </a:xfrm>
+                <a:prstGeom prst="rect">
+                  <a:avLst/>
+                </a:prstGeom>
+                <a:noFill/>
+              </p:spPr>
+              <p:txBody>
+                <a:bodyPr wrap="square" rtlCol="0">
+                  <a:spAutoFit/>
+                </a:bodyPr>
+                <a:lstStyle/>
+                <a:p>
+                  <a:pPr algn="ctr"/>
+                  <a:r>
+                    <a:rPr lang="en-US" sz="2800" dirty="0"/>
+                    <a:t>Pipe </a:t>
+                  </a:r>
+                  <a14:m>
+                    <m:oMath xmlns:m="http://schemas.openxmlformats.org/officeDocument/2006/math">
+                      <m:r>
+                        <a:rPr lang="en-US" sz="2800" i="1" dirty="0" smtClean="0">
+                          <a:latin typeface="Cambria Math" panose="02040503050406030204" pitchFamily="18" charset="0"/>
+                        </a:rPr>
+                        <m:t>1</m:t>
+                      </m:r>
+                    </m:oMath>
+                  </a14:m>
+                  <a:endParaRPr lang="en-DE" sz="2800" dirty="0"/>
+                </a:p>
+              </p:txBody>
+            </p:sp>
+          </mc:Choice>
+          <mc:Fallback xmlns="">
+            <p:sp>
+              <p:nvSpPr>
+                <p:cNvPr id="88" name="TextBox 87">
+                  <a:extLst>
+                    <a:ext uri="{FF2B5EF4-FFF2-40B4-BE49-F238E27FC236}">
+                      <a16:creationId xmlns:a16="http://schemas.microsoft.com/office/drawing/2014/main" id="{B6A986EE-DE76-D8E3-1E1E-7426F9D7C261}"/>
+                    </a:ext>
+                  </a:extLst>
+                </p:cNvPr>
+                <p:cNvSpPr txBox="1">
+                  <a:spLocks noRot="1" noChangeAspect="1" noMove="1" noResize="1" noEditPoints="1" noAdjustHandles="1" noChangeArrowheads="1" noChangeShapeType="1" noTextEdit="1"/>
+                </p:cNvSpPr>
+                <p:nvPr/>
+              </p:nvSpPr>
+              <p:spPr>
+                <a:xfrm>
+                  <a:off x="5372824" y="4174268"/>
+                  <a:ext cx="734184" cy="523220"/>
+                </a:xfrm>
+                <a:prstGeom prst="rect">
+                  <a:avLst/>
+                </a:prstGeom>
+                <a:blipFill>
+                  <a:blip r:embed="rId10"/>
+                  <a:stretch>
+                    <a:fillRect l="-5340" t="-12791" b="-31395"/>
+                  </a:stretch>
+                </a:blipFill>
+              </p:spPr>
+              <p:txBody>
+                <a:bodyPr/>
+                <a:lstStyle/>
+                <a:p>
+                  <a:r>
+                    <a:rPr lang="en-US">
+                      <a:noFill/>
+                    </a:rPr>
+                    <a:t> </a:t>
+                  </a:r>
+                </a:p>
+              </p:txBody>
+            </p:sp>
+          </mc:Fallback>
+        </mc:AlternateContent>
+      </p:grpSp>
+      <mc:AlternateContent xmlns:mc="http://schemas.openxmlformats.org/markup-compatibility/2006">
+        <mc:Choice xmlns:a14="http://schemas.microsoft.com/office/drawing/2010/main" Requires="a14">
+          <p:sp>
+            <p:nvSpPr>
+              <p:cNvPr id="93" name="TextBox 92">
+                <a:extLst>
+                  <a:ext uri="{FF2B5EF4-FFF2-40B4-BE49-F238E27FC236}">
+                    <a16:creationId xmlns:a16="http://schemas.microsoft.com/office/drawing/2014/main" id="{6CC33C25-0DB3-B70A-4C3A-5C4544AA029A}"/>
+                  </a:ext>
+                </a:extLst>
+              </p:cNvPr>
+              <p:cNvSpPr txBox="1"/>
+              <p:nvPr/>
+            </p:nvSpPr>
+            <p:spPr>
+              <a:xfrm>
+                <a:off x="6246004" y="5908229"/>
+                <a:ext cx="931986" cy="523220"/>
+              </a:xfrm>
+              <a:prstGeom prst="rect">
+                <a:avLst/>
+              </a:prstGeom>
+              <a:noFill/>
+            </p:spPr>
+            <p:txBody>
+              <a:bodyPr wrap="none" rtlCol="0">
+                <a:spAutoFit/>
+              </a:bodyPr>
+              <a:lstStyle/>
+              <a:p>
+                <a:pPr/>
+                <a14:m>
+                  <m:oMathPara xmlns:m="http://schemas.openxmlformats.org/officeDocument/2006/math">
+                    <m:oMathParaPr>
+                      <m:jc m:val="centerGroup"/>
+                    </m:oMathParaPr>
+                    <m:oMath xmlns:m="http://schemas.openxmlformats.org/officeDocument/2006/math">
+                      <m:sSub>
+                        <m:sSubPr>
+                          <m:ctrlPr>
+                            <a:rPr lang="en-US" sz="2800" i="1" smtClean="0">
+                              <a:latin typeface="Cambria Math" panose="02040503050406030204" pitchFamily="18" charset="0"/>
+                            </a:rPr>
+                          </m:ctrlPr>
+                        </m:sSubPr>
+                        <m:e>
+                          <m:r>
+                            <a:rPr lang="en-US" sz="2800" b="0" i="1" smtClean="0">
+                              <a:latin typeface="Cambria Math" panose="02040503050406030204" pitchFamily="18" charset="0"/>
+                            </a:rPr>
+                            <m:t>𝑃</m:t>
+                          </m:r>
+                        </m:e>
+                        <m:sub>
+                          <m:r>
+                            <a:rPr lang="en-US" sz="2800" b="0" i="1" smtClean="0">
+                              <a:latin typeface="Cambria Math" panose="02040503050406030204" pitchFamily="18" charset="0"/>
+                            </a:rPr>
+                            <m:t>𝑢</m:t>
+                          </m:r>
+                          <m:r>
+                            <a:rPr lang="de-DE" sz="2800" b="0" i="1" smtClean="0">
+                              <a:latin typeface="Cambria Math" panose="02040503050406030204" pitchFamily="18" charset="0"/>
+                            </a:rPr>
+                            <m:t>22</m:t>
+                          </m:r>
+                        </m:sub>
+                      </m:sSub>
+                    </m:oMath>
+                  </m:oMathPara>
+                </a14:m>
+                <a:endParaRPr lang="en-US" sz="2800" dirty="0"/>
+              </a:p>
+            </p:txBody>
+          </p:sp>
+        </mc:Choice>
+        <mc:Fallback>
+          <p:sp>
+            <p:nvSpPr>
+              <p:cNvPr id="93" name="TextBox 92">
+                <a:extLst>
+                  <a:ext uri="{FF2B5EF4-FFF2-40B4-BE49-F238E27FC236}">
+                    <a16:creationId xmlns:a16="http://schemas.microsoft.com/office/drawing/2014/main" id="{6CC33C25-0DB3-B70A-4C3A-5C4544AA029A}"/>
+                  </a:ext>
+                </a:extLst>
+              </p:cNvPr>
+              <p:cNvSpPr txBox="1">
+                <a:spLocks noRot="1" noChangeAspect="1" noMove="1" noResize="1" noEditPoints="1" noAdjustHandles="1" noChangeArrowheads="1" noChangeShapeType="1" noTextEdit="1"/>
+              </p:cNvSpPr>
+              <p:nvPr/>
+            </p:nvSpPr>
+            <p:spPr>
+              <a:xfrm>
+                <a:off x="6246004" y="5908229"/>
+                <a:ext cx="931986" cy="523220"/>
+              </a:xfrm>
+              <a:prstGeom prst="rect">
+                <a:avLst/>
+              </a:prstGeom>
+              <a:blipFill>
+                <a:blip r:embed="rId11"/>
+                <a:stretch>
+                  <a:fillRect/>
+                </a:stretch>
+              </a:blipFill>
+            </p:spPr>
+            <p:txBody>
+              <a:bodyPr/>
+              <a:lstStyle/>
+              <a:p>
+                <a:r>
+                  <a:rPr lang="en-US">
+                    <a:noFill/>
+                  </a:rPr>
+                  <a:t> </a:t>
+                </a:r>
+              </a:p>
+            </p:txBody>
+          </p:sp>
+        </mc:Fallback>
+      </mc:AlternateContent>
+      <mc:AlternateContent xmlns:mc="http://schemas.openxmlformats.org/markup-compatibility/2006" xmlns:a14="http://schemas.microsoft.com/office/drawing/2010/main">
+        <mc:Choice Requires="a14">
+          <p:sp>
+            <p:nvSpPr>
+              <p:cNvPr id="96" name="TextBox 95">
+                <a:extLst>
+                  <a:ext uri="{FF2B5EF4-FFF2-40B4-BE49-F238E27FC236}">
+                    <a16:creationId xmlns:a16="http://schemas.microsoft.com/office/drawing/2014/main" id="{F5501324-9170-7AB4-4B49-09E40527897F}"/>
+                  </a:ext>
+                </a:extLst>
+              </p:cNvPr>
+              <p:cNvSpPr txBox="1"/>
+              <p:nvPr/>
+            </p:nvSpPr>
+            <p:spPr>
+              <a:xfrm>
+                <a:off x="5943171" y="1471884"/>
+                <a:ext cx="919162" cy="523220"/>
+              </a:xfrm>
+              <a:prstGeom prst="rect">
+                <a:avLst/>
+              </a:prstGeom>
+              <a:noFill/>
+            </p:spPr>
+            <p:txBody>
+              <a:bodyPr wrap="none" rtlCol="0">
+                <a:spAutoFit/>
+              </a:bodyPr>
+              <a:lstStyle/>
+              <a:p>
+                <a:pPr/>
+                <a14:m>
+                  <m:oMathPara xmlns:m="http://schemas.openxmlformats.org/officeDocument/2006/math">
+                    <m:oMathParaPr>
+                      <m:jc m:val="centerGroup"/>
+                    </m:oMathParaPr>
+                    <m:oMath xmlns:m="http://schemas.openxmlformats.org/officeDocument/2006/math">
+                      <m:sSub>
+                        <m:sSubPr>
+                          <m:ctrlPr>
+                            <a:rPr lang="en-US" sz="2800" i="1" smtClean="0">
+                              <a:latin typeface="Cambria Math" panose="02040503050406030204" pitchFamily="18" charset="0"/>
+                            </a:rPr>
+                          </m:ctrlPr>
+                        </m:sSubPr>
+                        <m:e>
+                          <m:r>
+                            <a:rPr lang="en-US" sz="2800" b="0" i="1" smtClean="0">
+                              <a:latin typeface="Cambria Math" panose="02040503050406030204" pitchFamily="18" charset="0"/>
+                            </a:rPr>
+                            <m:t>𝑃</m:t>
+                          </m:r>
+                        </m:e>
+                        <m:sub>
+                          <m:r>
+                            <a:rPr lang="en-US" sz="2800" b="0" i="1" smtClean="0">
+                              <a:latin typeface="Cambria Math" panose="02040503050406030204" pitchFamily="18" charset="0"/>
+                            </a:rPr>
+                            <m:t>𝑏</m:t>
+                          </m:r>
+                          <m:r>
+                            <a:rPr lang="en-GB" sz="2800" b="0" i="1" smtClean="0">
+                              <a:latin typeface="Cambria Math" panose="02040503050406030204" pitchFamily="18" charset="0"/>
+                            </a:rPr>
+                            <m:t>3</m:t>
+                          </m:r>
+                          <m:r>
+                            <a:rPr lang="en-US" sz="2800" b="0" i="1" smtClean="0">
+                              <a:latin typeface="Cambria Math" panose="02040503050406030204" pitchFamily="18" charset="0"/>
+                            </a:rPr>
+                            <m:t>2</m:t>
+                          </m:r>
+                        </m:sub>
+                      </m:sSub>
+                    </m:oMath>
+                  </m:oMathPara>
+                </a14:m>
+                <a:endParaRPr lang="en-US" sz="2800" dirty="0"/>
+              </a:p>
+            </p:txBody>
+          </p:sp>
+        </mc:Choice>
+        <mc:Fallback xmlns="">
+          <p:sp>
+            <p:nvSpPr>
+              <p:cNvPr id="96" name="TextBox 95">
+                <a:extLst>
+                  <a:ext uri="{FF2B5EF4-FFF2-40B4-BE49-F238E27FC236}">
+                    <a16:creationId xmlns:a16="http://schemas.microsoft.com/office/drawing/2014/main" id="{F5501324-9170-7AB4-4B49-09E40527897F}"/>
+                  </a:ext>
+                </a:extLst>
+              </p:cNvPr>
+              <p:cNvSpPr txBox="1">
+                <a:spLocks noRot="1" noChangeAspect="1" noMove="1" noResize="1" noEditPoints="1" noAdjustHandles="1" noChangeArrowheads="1" noChangeShapeType="1" noTextEdit="1"/>
+              </p:cNvSpPr>
+              <p:nvPr/>
+            </p:nvSpPr>
+            <p:spPr>
+              <a:xfrm>
+                <a:off x="5943171" y="1471884"/>
+                <a:ext cx="919162" cy="523220"/>
+              </a:xfrm>
+              <a:prstGeom prst="rect">
+                <a:avLst/>
+              </a:prstGeom>
+              <a:blipFill>
+                <a:blip r:embed="rId12"/>
+                <a:stretch>
+                  <a:fillRect/>
+                </a:stretch>
+              </a:blipFill>
+            </p:spPr>
+            <p:txBody>
+              <a:bodyPr/>
+              <a:lstStyle/>
+              <a:p>
+                <a:r>
+                  <a:rPr lang="en-US">
+                    <a:noFill/>
+                  </a:rPr>
+                  <a:t> </a:t>
+                </a:r>
+              </a:p>
+            </p:txBody>
+          </p:sp>
+        </mc:Fallback>
+      </mc:AlternateContent>
+      <p:cxnSp>
+        <p:nvCxnSpPr>
+          <p:cNvPr id="20" name="Straight Connector 19">
+            <a:extLst>
+              <a:ext uri="{FF2B5EF4-FFF2-40B4-BE49-F238E27FC236}">
+                <a16:creationId xmlns:a16="http://schemas.microsoft.com/office/drawing/2014/main" id="{B3FBB2BD-18E6-5DFF-42C2-45CA8B09FCA6}"/>
+              </a:ext>
+            </a:extLst>
+          </p:cNvPr>
+          <p:cNvCxnSpPr>
+            <a:cxnSpLocks/>
+          </p:cNvCxnSpPr>
+          <p:nvPr/>
+        </p:nvCxnSpPr>
+        <p:spPr>
+          <a:xfrm flipH="1">
+            <a:off x="2589445" y="1033398"/>
+            <a:ext cx="3807658" cy="2102795"/>
+          </a:xfrm>
+          <a:prstGeom prst="line">
+            <a:avLst/>
+          </a:prstGeom>
+        </p:spPr>
+        <p:style>
+          <a:lnRef idx="2">
+            <a:schemeClr val="accent1"/>
+          </a:lnRef>
+          <a:fillRef idx="0">
+            <a:schemeClr val="accent1"/>
+          </a:fillRef>
+          <a:effectRef idx="1">
+            <a:schemeClr val="accent1"/>
+          </a:effectRef>
+          <a:fontRef idx="minor">
+            <a:schemeClr val="tx1"/>
+          </a:fontRef>
+        </p:style>
+      </p:cxnSp>
+      <p:cxnSp>
+        <p:nvCxnSpPr>
+          <p:cNvPr id="30" name="Straight Connector 29">
+            <a:extLst>
+              <a:ext uri="{FF2B5EF4-FFF2-40B4-BE49-F238E27FC236}">
+                <a16:creationId xmlns:a16="http://schemas.microsoft.com/office/drawing/2014/main" id="{ABA5CAD8-6DF1-8C34-C958-3150694B7187}"/>
+              </a:ext>
+            </a:extLst>
+          </p:cNvPr>
+          <p:cNvCxnSpPr>
+            <a:cxnSpLocks/>
+          </p:cNvCxnSpPr>
+          <p:nvPr/>
+        </p:nvCxnSpPr>
+        <p:spPr>
+          <a:xfrm flipH="1" flipV="1">
+            <a:off x="2386945" y="3637348"/>
+            <a:ext cx="3726350" cy="2439923"/>
+          </a:xfrm>
+          <a:prstGeom prst="line">
+            <a:avLst/>
+          </a:prstGeom>
+        </p:spPr>
+        <p:style>
+          <a:lnRef idx="2">
+            <a:schemeClr val="accent1"/>
+          </a:lnRef>
+          <a:fillRef idx="0">
+            <a:schemeClr val="accent1"/>
+          </a:fillRef>
+          <a:effectRef idx="1">
+            <a:schemeClr val="accent1"/>
+          </a:effectRef>
+          <a:fontRef idx="minor">
+            <a:schemeClr val="tx1"/>
+          </a:fontRef>
+        </p:style>
+      </p:cxnSp>
+      <p:cxnSp>
+        <p:nvCxnSpPr>
+          <p:cNvPr id="42" name="Straight Connector 41">
+            <a:extLst>
+              <a:ext uri="{FF2B5EF4-FFF2-40B4-BE49-F238E27FC236}">
+                <a16:creationId xmlns:a16="http://schemas.microsoft.com/office/drawing/2014/main" id="{01CFA6A9-F8F6-9801-DCB1-9B87E5FC9856}"/>
+              </a:ext>
+            </a:extLst>
+          </p:cNvPr>
+          <p:cNvCxnSpPr>
+            <a:cxnSpLocks/>
+          </p:cNvCxnSpPr>
+          <p:nvPr/>
+        </p:nvCxnSpPr>
+        <p:spPr>
+          <a:xfrm flipV="1">
+            <a:off x="1701800" y="3116798"/>
+            <a:ext cx="918381" cy="243242"/>
+          </a:xfrm>
+          <a:prstGeom prst="line">
+            <a:avLst/>
+          </a:prstGeom>
+        </p:spPr>
+        <p:style>
+          <a:lnRef idx="2">
+            <a:schemeClr val="accent1"/>
+          </a:lnRef>
+          <a:fillRef idx="0">
+            <a:schemeClr val="accent1"/>
+          </a:fillRef>
+          <a:effectRef idx="1">
+            <a:schemeClr val="accent1"/>
+          </a:effectRef>
+          <a:fontRef idx="minor">
+            <a:schemeClr val="tx1"/>
+          </a:fontRef>
+        </p:style>
+      </p:cxnSp>
+      <p:cxnSp>
+        <p:nvCxnSpPr>
+          <p:cNvPr id="43" name="Straight Connector 42">
+            <a:extLst>
+              <a:ext uri="{FF2B5EF4-FFF2-40B4-BE49-F238E27FC236}">
+                <a16:creationId xmlns:a16="http://schemas.microsoft.com/office/drawing/2014/main" id="{ADD48331-F0DA-7605-5E36-483E321768F3}"/>
+              </a:ext>
+            </a:extLst>
+          </p:cNvPr>
+          <p:cNvCxnSpPr>
+            <a:cxnSpLocks/>
+          </p:cNvCxnSpPr>
+          <p:nvPr/>
+        </p:nvCxnSpPr>
+        <p:spPr>
+          <a:xfrm>
+            <a:off x="1701800" y="3429000"/>
+            <a:ext cx="685145" cy="208348"/>
+          </a:xfrm>
+          <a:prstGeom prst="line">
+            <a:avLst/>
+          </a:prstGeom>
+        </p:spPr>
+        <p:style>
+          <a:lnRef idx="2">
+            <a:schemeClr val="accent1"/>
+          </a:lnRef>
+          <a:fillRef idx="0">
+            <a:schemeClr val="accent1"/>
+          </a:fillRef>
+          <a:effectRef idx="1">
+            <a:schemeClr val="accent1"/>
+          </a:effectRef>
+          <a:fontRef idx="minor">
+            <a:schemeClr val="tx1"/>
+          </a:fontRef>
+        </p:style>
+      </p:cxnSp>
+      <p:cxnSp>
+        <p:nvCxnSpPr>
+          <p:cNvPr id="52" name="Straight Connector 51">
+            <a:extLst>
+              <a:ext uri="{FF2B5EF4-FFF2-40B4-BE49-F238E27FC236}">
+                <a16:creationId xmlns:a16="http://schemas.microsoft.com/office/drawing/2014/main" id="{E1074F10-D25F-CCF9-D4D1-E27EA289268F}"/>
+              </a:ext>
+            </a:extLst>
+          </p:cNvPr>
+          <p:cNvCxnSpPr>
+            <a:cxnSpLocks/>
+          </p:cNvCxnSpPr>
+          <p:nvPr/>
+        </p:nvCxnSpPr>
+        <p:spPr>
+          <a:xfrm>
+            <a:off x="3170238" y="3116798"/>
+            <a:ext cx="5970454" cy="13033"/>
+          </a:xfrm>
+          <a:prstGeom prst="line">
+            <a:avLst/>
+          </a:prstGeom>
+        </p:spPr>
+        <p:style>
+          <a:lnRef idx="2">
+            <a:schemeClr val="accent1"/>
+          </a:lnRef>
+          <a:fillRef idx="0">
+            <a:schemeClr val="accent1"/>
+          </a:fillRef>
+          <a:effectRef idx="1">
+            <a:schemeClr val="accent1"/>
+          </a:effectRef>
+          <a:fontRef idx="minor">
+            <a:schemeClr val="tx1"/>
+          </a:fontRef>
+        </p:style>
+      </p:cxnSp>
+      <p:cxnSp>
+        <p:nvCxnSpPr>
+          <p:cNvPr id="54" name="Straight Connector 53">
+            <a:extLst>
+              <a:ext uri="{FF2B5EF4-FFF2-40B4-BE49-F238E27FC236}">
+                <a16:creationId xmlns:a16="http://schemas.microsoft.com/office/drawing/2014/main" id="{6F41F953-ABCA-13B6-1DA7-9750B55E414C}"/>
+              </a:ext>
+            </a:extLst>
+          </p:cNvPr>
+          <p:cNvCxnSpPr>
+            <a:cxnSpLocks/>
+          </p:cNvCxnSpPr>
+          <p:nvPr/>
+        </p:nvCxnSpPr>
+        <p:spPr>
+          <a:xfrm>
+            <a:off x="3004152" y="3637348"/>
+            <a:ext cx="6136540" cy="32849"/>
+          </a:xfrm>
+          <a:prstGeom prst="line">
+            <a:avLst/>
+          </a:prstGeom>
+        </p:spPr>
+        <p:style>
+          <a:lnRef idx="2">
+            <a:schemeClr val="accent1"/>
+          </a:lnRef>
+          <a:fillRef idx="0">
+            <a:schemeClr val="accent1"/>
+          </a:fillRef>
+          <a:effectRef idx="1">
+            <a:schemeClr val="accent1"/>
+          </a:effectRef>
+          <a:fontRef idx="minor">
+            <a:schemeClr val="tx1"/>
+          </a:fontRef>
+        </p:style>
+      </p:cxnSp>
+      <p:cxnSp>
+        <p:nvCxnSpPr>
+          <p:cNvPr id="57" name="Straight Connector 56">
+            <a:extLst>
+              <a:ext uri="{FF2B5EF4-FFF2-40B4-BE49-F238E27FC236}">
+                <a16:creationId xmlns:a16="http://schemas.microsoft.com/office/drawing/2014/main" id="{7BCC6DCB-8A97-7172-B059-93F35D5D12E4}"/>
+              </a:ext>
+            </a:extLst>
+          </p:cNvPr>
+          <p:cNvCxnSpPr>
+            <a:cxnSpLocks/>
+          </p:cNvCxnSpPr>
+          <p:nvPr/>
+        </p:nvCxnSpPr>
+        <p:spPr>
+          <a:xfrm flipH="1">
+            <a:off x="3117614" y="1402730"/>
+            <a:ext cx="3277367" cy="1727101"/>
+          </a:xfrm>
+          <a:prstGeom prst="line">
+            <a:avLst/>
+          </a:prstGeom>
+        </p:spPr>
+        <p:style>
+          <a:lnRef idx="2">
+            <a:schemeClr val="accent1"/>
+          </a:lnRef>
+          <a:fillRef idx="0">
+            <a:schemeClr val="accent1"/>
+          </a:fillRef>
+          <a:effectRef idx="1">
+            <a:schemeClr val="accent1"/>
+          </a:effectRef>
+          <a:fontRef idx="minor">
+            <a:schemeClr val="tx1"/>
+          </a:fontRef>
+        </p:style>
+      </p:cxnSp>
+      <p:cxnSp>
+        <p:nvCxnSpPr>
+          <p:cNvPr id="64" name="Straight Connector 63">
+            <a:extLst>
+              <a:ext uri="{FF2B5EF4-FFF2-40B4-BE49-F238E27FC236}">
+                <a16:creationId xmlns:a16="http://schemas.microsoft.com/office/drawing/2014/main" id="{C0D73CAD-6CEB-393B-6544-7D808D87DF37}"/>
+              </a:ext>
+            </a:extLst>
+          </p:cNvPr>
+          <p:cNvCxnSpPr>
+            <a:cxnSpLocks/>
+          </p:cNvCxnSpPr>
+          <p:nvPr/>
+        </p:nvCxnSpPr>
+        <p:spPr>
+          <a:xfrm flipH="1" flipV="1">
+            <a:off x="3004152" y="3640229"/>
+            <a:ext cx="3091848" cy="2013754"/>
+          </a:xfrm>
+          <a:prstGeom prst="line">
+            <a:avLst/>
+          </a:prstGeom>
+        </p:spPr>
+        <p:style>
+          <a:lnRef idx="2">
+            <a:schemeClr val="accent1"/>
+          </a:lnRef>
+          <a:fillRef idx="0">
+            <a:schemeClr val="accent1"/>
+          </a:fillRef>
+          <a:effectRef idx="1">
+            <a:schemeClr val="accent1"/>
+          </a:effectRef>
+          <a:fontRef idx="minor">
+            <a:schemeClr val="tx1"/>
+          </a:fontRef>
+        </p:style>
+      </p:cxnSp>
+      <p:cxnSp>
+        <p:nvCxnSpPr>
+          <p:cNvPr id="76" name="Straight Connector 75">
+            <a:extLst>
+              <a:ext uri="{FF2B5EF4-FFF2-40B4-BE49-F238E27FC236}">
+                <a16:creationId xmlns:a16="http://schemas.microsoft.com/office/drawing/2014/main" id="{6726F670-D938-CE58-62FD-CF61B87BB1B4}"/>
+              </a:ext>
+            </a:extLst>
+          </p:cNvPr>
+          <p:cNvCxnSpPr>
+            <a:cxnSpLocks/>
+          </p:cNvCxnSpPr>
+          <p:nvPr/>
+        </p:nvCxnSpPr>
+        <p:spPr>
+          <a:xfrm>
+            <a:off x="6397103" y="1393080"/>
+            <a:ext cx="2743589" cy="1720675"/>
+          </a:xfrm>
+          <a:prstGeom prst="line">
+            <a:avLst/>
+          </a:prstGeom>
+        </p:spPr>
+        <p:style>
+          <a:lnRef idx="2">
+            <a:schemeClr val="accent1"/>
+          </a:lnRef>
+          <a:fillRef idx="0">
+            <a:schemeClr val="accent1"/>
+          </a:fillRef>
+          <a:effectRef idx="1">
+            <a:schemeClr val="accent1"/>
+          </a:effectRef>
+          <a:fontRef idx="minor">
+            <a:schemeClr val="tx1"/>
+          </a:fontRef>
+        </p:style>
+      </p:cxnSp>
+      <p:cxnSp>
+        <p:nvCxnSpPr>
+          <p:cNvPr id="102" name="Straight Connector 101">
+            <a:extLst>
+              <a:ext uri="{FF2B5EF4-FFF2-40B4-BE49-F238E27FC236}">
+                <a16:creationId xmlns:a16="http://schemas.microsoft.com/office/drawing/2014/main" id="{D1630813-1C57-7022-73C7-87A6C0502F65}"/>
+              </a:ext>
+            </a:extLst>
+          </p:cNvPr>
+          <p:cNvCxnSpPr>
+            <a:cxnSpLocks/>
+          </p:cNvCxnSpPr>
+          <p:nvPr/>
+        </p:nvCxnSpPr>
+        <p:spPr>
+          <a:xfrm>
+            <a:off x="6397031" y="1013458"/>
+            <a:ext cx="3205524" cy="2100297"/>
+          </a:xfrm>
+          <a:prstGeom prst="line">
+            <a:avLst/>
+          </a:prstGeom>
+        </p:spPr>
+        <p:style>
+          <a:lnRef idx="2">
+            <a:schemeClr val="accent1"/>
+          </a:lnRef>
+          <a:fillRef idx="0">
+            <a:schemeClr val="accent1"/>
+          </a:fillRef>
+          <a:effectRef idx="1">
+            <a:schemeClr val="accent1"/>
+          </a:effectRef>
+          <a:fontRef idx="minor">
+            <a:schemeClr val="tx1"/>
+          </a:fontRef>
+        </p:style>
+      </p:cxnSp>
+      <p:cxnSp>
+        <p:nvCxnSpPr>
+          <p:cNvPr id="105" name="Straight Connector 104">
+            <a:extLst>
+              <a:ext uri="{FF2B5EF4-FFF2-40B4-BE49-F238E27FC236}">
+                <a16:creationId xmlns:a16="http://schemas.microsoft.com/office/drawing/2014/main" id="{151AFF5D-2C3F-9808-8EE0-E3F184ADD6ED}"/>
+              </a:ext>
+            </a:extLst>
+          </p:cNvPr>
+          <p:cNvCxnSpPr>
+            <a:cxnSpLocks/>
+          </p:cNvCxnSpPr>
+          <p:nvPr/>
+        </p:nvCxnSpPr>
+        <p:spPr>
+          <a:xfrm flipV="1">
+            <a:off x="6096000" y="3682508"/>
+            <a:ext cx="3044692" cy="1971475"/>
+          </a:xfrm>
+          <a:prstGeom prst="line">
+            <a:avLst/>
+          </a:prstGeom>
+        </p:spPr>
+        <p:style>
+          <a:lnRef idx="2">
+            <a:schemeClr val="accent1"/>
+          </a:lnRef>
+          <a:fillRef idx="0">
+            <a:schemeClr val="accent1"/>
+          </a:fillRef>
+          <a:effectRef idx="1">
+            <a:schemeClr val="accent1"/>
+          </a:effectRef>
+          <a:fontRef idx="minor">
+            <a:schemeClr val="tx1"/>
+          </a:fontRef>
+        </p:style>
+      </p:cxnSp>
+      <p:cxnSp>
+        <p:nvCxnSpPr>
+          <p:cNvPr id="109" name="Straight Connector 108">
+            <a:extLst>
+              <a:ext uri="{FF2B5EF4-FFF2-40B4-BE49-F238E27FC236}">
+                <a16:creationId xmlns:a16="http://schemas.microsoft.com/office/drawing/2014/main" id="{1F67A805-6C8E-37C1-6C0B-100F8A044134}"/>
+              </a:ext>
+            </a:extLst>
+          </p:cNvPr>
+          <p:cNvCxnSpPr>
+            <a:cxnSpLocks/>
+          </p:cNvCxnSpPr>
+          <p:nvPr/>
+        </p:nvCxnSpPr>
+        <p:spPr>
+          <a:xfrm flipV="1">
+            <a:off x="6113295" y="3664572"/>
+            <a:ext cx="3652594" cy="2412699"/>
+          </a:xfrm>
+          <a:prstGeom prst="line">
+            <a:avLst/>
+          </a:prstGeom>
+        </p:spPr>
+        <p:style>
+          <a:lnRef idx="2">
+            <a:schemeClr val="accent1"/>
+          </a:lnRef>
+          <a:fillRef idx="0">
+            <a:schemeClr val="accent1"/>
+          </a:fillRef>
+          <a:effectRef idx="1">
+            <a:schemeClr val="accent1"/>
+          </a:effectRef>
+          <a:fontRef idx="minor">
+            <a:schemeClr val="tx1"/>
+          </a:fontRef>
+        </p:style>
+      </p:cxnSp>
+      <p:grpSp>
+        <p:nvGrpSpPr>
+          <p:cNvPr id="112" name="Group 111">
+            <a:extLst>
+              <a:ext uri="{FF2B5EF4-FFF2-40B4-BE49-F238E27FC236}">
+                <a16:creationId xmlns:a16="http://schemas.microsoft.com/office/drawing/2014/main" id="{E5E78C3C-3C5B-B01F-C4DA-B3E647AC7C8D}"/>
+              </a:ext>
+            </a:extLst>
+          </p:cNvPr>
+          <p:cNvGrpSpPr/>
+          <p:nvPr/>
+        </p:nvGrpSpPr>
+        <p:grpSpPr>
+          <a:xfrm>
+            <a:off x="4129280" y="1204017"/>
+            <a:ext cx="1255894" cy="523220"/>
+            <a:chOff x="5372824" y="4250468"/>
+            <a:chExt cx="734184" cy="523220"/>
+          </a:xfrm>
+        </p:grpSpPr>
+        <p:sp>
+          <p:nvSpPr>
+            <p:cNvPr id="113" name="Rectangle 112">
+              <a:extLst>
+                <a:ext uri="{FF2B5EF4-FFF2-40B4-BE49-F238E27FC236}">
+                  <a16:creationId xmlns:a16="http://schemas.microsoft.com/office/drawing/2014/main" id="{2C98D7E6-08A1-8889-12CF-126D27B591C2}"/>
+                </a:ext>
+              </a:extLst>
+            </p:cNvPr>
+            <p:cNvSpPr/>
+            <p:nvPr/>
+          </p:nvSpPr>
+          <p:spPr>
+            <a:xfrm>
+              <a:off x="5429135" y="4301147"/>
+              <a:ext cx="611768" cy="235657"/>
+            </a:xfrm>
+            <a:prstGeom prst="rect">
+              <a:avLst/>
+            </a:prstGeom>
+            <a:solidFill>
+              <a:schemeClr val="bg1">
+                <a:alpha val="66000"/>
+              </a:schemeClr>
+            </a:solidFill>
+            <a:ln>
+              <a:noFill/>
+            </a:ln>
+          </p:spPr>
+          <p:style>
+            <a:lnRef idx="2">
+              <a:schemeClr val="accent1">
+                <a:shade val="15000"/>
+              </a:schemeClr>
+            </a:lnRef>
+            <a:fillRef idx="1">
+              <a:schemeClr val="accent1"/>
+            </a:fillRef>
+            <a:effectRef idx="0">
+              <a:schemeClr val="accent1"/>
+            </a:effectRef>
+            <a:fontRef idx="minor">
+              <a:schemeClr val="lt1"/>
+            </a:fontRef>
+          </p:style>
+          <p:txBody>
+            <a:bodyPr rtlCol="0" anchor="ctr"/>
+            <a:lstStyle/>
+            <a:p>
+              <a:pPr algn="ctr"/>
+              <a:endParaRPr lang="en-US" sz="2800"/>
+            </a:p>
+          </p:txBody>
+        </p:sp>
+        <mc:AlternateContent xmlns:mc="http://schemas.openxmlformats.org/markup-compatibility/2006" xmlns:a14="http://schemas.microsoft.com/office/drawing/2010/main">
+          <mc:Choice Requires="a14">
+            <p:sp>
+              <p:nvSpPr>
+                <p:cNvPr id="114" name="TextBox 113">
+                  <a:extLst>
+                    <a:ext uri="{FF2B5EF4-FFF2-40B4-BE49-F238E27FC236}">
+                      <a16:creationId xmlns:a16="http://schemas.microsoft.com/office/drawing/2014/main" id="{F5810265-B488-ED8F-621B-EAEB445B72EA}"/>
+                    </a:ext>
+                  </a:extLst>
+                </p:cNvPr>
+                <p:cNvSpPr txBox="1"/>
+                <p:nvPr/>
+              </p:nvSpPr>
+              <p:spPr>
+                <a:xfrm>
+                  <a:off x="5372824" y="4250468"/>
+                  <a:ext cx="734184" cy="523220"/>
+                </a:xfrm>
+                <a:prstGeom prst="rect">
+                  <a:avLst/>
+                </a:prstGeom>
+                <a:noFill/>
+              </p:spPr>
+              <p:txBody>
+                <a:bodyPr wrap="square" rtlCol="0">
+                  <a:spAutoFit/>
+                </a:bodyPr>
+                <a:lstStyle/>
+                <a:p>
+                  <a:pPr algn="ctr"/>
+                  <a:r>
+                    <a:rPr lang="en-US" sz="2800" dirty="0"/>
+                    <a:t>Pipe </a:t>
+                  </a:r>
+                  <a14:m>
+                    <m:oMath xmlns:m="http://schemas.openxmlformats.org/officeDocument/2006/math">
+                      <m:r>
+                        <a:rPr lang="en-GB" sz="2800" i="1" dirty="0" smtClean="0">
+                          <a:latin typeface="Cambria Math" panose="02040503050406030204" pitchFamily="18" charset="0"/>
+                        </a:rPr>
+                        <m:t>3</m:t>
+                      </m:r>
+                    </m:oMath>
+                  </a14:m>
+                  <a:endParaRPr lang="en-DE" sz="2800" dirty="0"/>
+                </a:p>
+              </p:txBody>
+            </p:sp>
+          </mc:Choice>
+          <mc:Fallback xmlns="">
+            <p:sp>
+              <p:nvSpPr>
+                <p:cNvPr id="114" name="TextBox 113">
+                  <a:extLst>
+                    <a:ext uri="{FF2B5EF4-FFF2-40B4-BE49-F238E27FC236}">
+                      <a16:creationId xmlns:a16="http://schemas.microsoft.com/office/drawing/2014/main" id="{F5810265-B488-ED8F-621B-EAEB445B72EA}"/>
+                    </a:ext>
+                  </a:extLst>
+                </p:cNvPr>
+                <p:cNvSpPr txBox="1">
+                  <a:spLocks noRot="1" noChangeAspect="1" noMove="1" noResize="1" noEditPoints="1" noAdjustHandles="1" noChangeArrowheads="1" noChangeShapeType="1" noTextEdit="1"/>
+                </p:cNvSpPr>
+                <p:nvPr/>
+              </p:nvSpPr>
+              <p:spPr>
+                <a:xfrm>
+                  <a:off x="5372824" y="4250468"/>
+                  <a:ext cx="734184" cy="523220"/>
+                </a:xfrm>
+                <a:prstGeom prst="rect">
+                  <a:avLst/>
+                </a:prstGeom>
+                <a:blipFill>
+                  <a:blip r:embed="rId13"/>
+                  <a:stretch>
+                    <a:fillRect l="-4854" t="-12941" b="-32941"/>
+                  </a:stretch>
+                </a:blipFill>
+              </p:spPr>
+              <p:txBody>
+                <a:bodyPr/>
+                <a:lstStyle/>
+                <a:p>
+                  <a:r>
+                    <a:rPr lang="en-US">
+                      <a:noFill/>
+                    </a:rPr>
+                    <a:t> </a:t>
+                  </a:r>
+                </a:p>
+              </p:txBody>
+            </p:sp>
+          </mc:Fallback>
+        </mc:AlternateContent>
+      </p:grpSp>
+      <p:grpSp>
+        <p:nvGrpSpPr>
+          <p:cNvPr id="115" name="Group 114">
+            <a:extLst>
+              <a:ext uri="{FF2B5EF4-FFF2-40B4-BE49-F238E27FC236}">
+                <a16:creationId xmlns:a16="http://schemas.microsoft.com/office/drawing/2014/main" id="{502E8F0D-57B8-C000-5D6C-EA4BFB4D0002}"/>
+              </a:ext>
+            </a:extLst>
+          </p:cNvPr>
+          <p:cNvGrpSpPr/>
+          <p:nvPr/>
+        </p:nvGrpSpPr>
+        <p:grpSpPr>
+          <a:xfrm>
+            <a:off x="3501333" y="5137162"/>
+            <a:ext cx="1255894" cy="523220"/>
+            <a:chOff x="5372824" y="4250468"/>
+            <a:chExt cx="734184" cy="523220"/>
+          </a:xfrm>
+        </p:grpSpPr>
+        <p:sp>
+          <p:nvSpPr>
+            <p:cNvPr id="116" name="Rectangle 115">
+              <a:extLst>
+                <a:ext uri="{FF2B5EF4-FFF2-40B4-BE49-F238E27FC236}">
+                  <a16:creationId xmlns:a16="http://schemas.microsoft.com/office/drawing/2014/main" id="{DB770B25-325E-BE8E-A8DB-702FD4752D8F}"/>
+                </a:ext>
+              </a:extLst>
+            </p:cNvPr>
+            <p:cNvSpPr/>
+            <p:nvPr/>
+          </p:nvSpPr>
+          <p:spPr>
+            <a:xfrm>
+              <a:off x="5429135" y="4301147"/>
+              <a:ext cx="611768" cy="235657"/>
+            </a:xfrm>
+            <a:prstGeom prst="rect">
+              <a:avLst/>
+            </a:prstGeom>
+            <a:solidFill>
+              <a:schemeClr val="bg1">
+                <a:alpha val="66000"/>
+              </a:schemeClr>
+            </a:solidFill>
+            <a:ln>
+              <a:noFill/>
+            </a:ln>
+          </p:spPr>
+          <p:style>
+            <a:lnRef idx="2">
+              <a:schemeClr val="accent1">
+                <a:shade val="15000"/>
+              </a:schemeClr>
+            </a:lnRef>
+            <a:fillRef idx="1">
+              <a:schemeClr val="accent1"/>
+            </a:fillRef>
+            <a:effectRef idx="0">
+              <a:schemeClr val="accent1"/>
+            </a:effectRef>
+            <a:fontRef idx="minor">
+              <a:schemeClr val="lt1"/>
+            </a:fontRef>
+          </p:style>
+          <p:txBody>
+            <a:bodyPr rtlCol="0" anchor="ctr"/>
+            <a:lstStyle/>
+            <a:p>
+              <a:pPr algn="ctr"/>
+              <a:endParaRPr lang="en-US" sz="2800" b="1"/>
+            </a:p>
+          </p:txBody>
+        </p:sp>
+        <mc:AlternateContent xmlns:mc="http://schemas.openxmlformats.org/markup-compatibility/2006" xmlns:a14="http://schemas.microsoft.com/office/drawing/2010/main">
+          <mc:Choice Requires="a14">
+            <p:sp>
+              <p:nvSpPr>
+                <p:cNvPr id="117" name="TextBox 116">
+                  <a:extLst>
+                    <a:ext uri="{FF2B5EF4-FFF2-40B4-BE49-F238E27FC236}">
+                      <a16:creationId xmlns:a16="http://schemas.microsoft.com/office/drawing/2014/main" id="{9A12650B-C192-F2A9-A2CC-B335B8DF1E05}"/>
+                    </a:ext>
+                  </a:extLst>
+                </p:cNvPr>
+                <p:cNvSpPr txBox="1"/>
+                <p:nvPr/>
+              </p:nvSpPr>
+              <p:spPr>
+                <a:xfrm>
+                  <a:off x="5372824" y="4250468"/>
+                  <a:ext cx="734184" cy="523220"/>
+                </a:xfrm>
+                <a:prstGeom prst="rect">
+                  <a:avLst/>
+                </a:prstGeom>
+                <a:noFill/>
+              </p:spPr>
+              <p:txBody>
+                <a:bodyPr wrap="square" rtlCol="0">
+                  <a:spAutoFit/>
+                </a:bodyPr>
+                <a:lstStyle/>
+                <a:p>
+                  <a:pPr algn="ctr"/>
+                  <a:r>
+                    <a:rPr lang="en-US" sz="2800" b="1" dirty="0"/>
+                    <a:t>Pipe </a:t>
+                  </a:r>
+                  <a14:m>
+                    <m:oMath xmlns:m="http://schemas.openxmlformats.org/officeDocument/2006/math">
+                      <m:r>
+                        <a:rPr lang="de-DE" sz="2800" b="1" i="1" dirty="0" smtClean="0">
+                          <a:latin typeface="Cambria Math" panose="02040503050406030204" pitchFamily="18" charset="0"/>
+                        </a:rPr>
+                        <m:t>𝟑</m:t>
+                      </m:r>
+                    </m:oMath>
+                  </a14:m>
+                  <a:endParaRPr lang="en-DE" sz="2800" b="1" dirty="0"/>
+                </a:p>
+              </p:txBody>
+            </p:sp>
+          </mc:Choice>
+          <mc:Fallback xmlns="">
+            <p:sp>
+              <p:nvSpPr>
+                <p:cNvPr id="117" name="TextBox 116">
+                  <a:extLst>
+                    <a:ext uri="{FF2B5EF4-FFF2-40B4-BE49-F238E27FC236}">
+                      <a16:creationId xmlns:a16="http://schemas.microsoft.com/office/drawing/2014/main" id="{9A12650B-C192-F2A9-A2CC-B335B8DF1E05}"/>
+                    </a:ext>
+                  </a:extLst>
+                </p:cNvPr>
+                <p:cNvSpPr txBox="1">
+                  <a:spLocks noRot="1" noChangeAspect="1" noMove="1" noResize="1" noEditPoints="1" noAdjustHandles="1" noChangeArrowheads="1" noChangeShapeType="1" noTextEdit="1"/>
+                </p:cNvSpPr>
+                <p:nvPr/>
+              </p:nvSpPr>
+              <p:spPr>
+                <a:xfrm>
+                  <a:off x="5372824" y="4250468"/>
+                  <a:ext cx="734184" cy="523220"/>
+                </a:xfrm>
+                <a:prstGeom prst="rect">
+                  <a:avLst/>
+                </a:prstGeom>
+                <a:blipFill>
+                  <a:blip r:embed="rId14"/>
+                  <a:stretch>
+                    <a:fillRect l="-7282" t="-12791" b="-31395"/>
+                  </a:stretch>
+                </a:blipFill>
+              </p:spPr>
+              <p:txBody>
+                <a:bodyPr/>
+                <a:lstStyle/>
+                <a:p>
+                  <a:r>
+                    <a:rPr lang="en-US">
+                      <a:noFill/>
+                    </a:rPr>
+                    <a:t> </a:t>
+                  </a:r>
+                </a:p>
+              </p:txBody>
+            </p:sp>
+          </mc:Fallback>
+        </mc:AlternateContent>
+      </p:grpSp>
+      <mc:AlternateContent xmlns:mc="http://schemas.openxmlformats.org/markup-compatibility/2006">
+        <mc:Choice xmlns:a14="http://schemas.microsoft.com/office/drawing/2010/main" Requires="a14">
+          <p:sp>
+            <p:nvSpPr>
+              <p:cNvPr id="130" name="TextBox 129">
+                <a:extLst>
+                  <a:ext uri="{FF2B5EF4-FFF2-40B4-BE49-F238E27FC236}">
+                    <a16:creationId xmlns:a16="http://schemas.microsoft.com/office/drawing/2014/main" id="{C6DF75BA-C4FB-3275-95AE-8394CB06EA8D}"/>
+                  </a:ext>
+                </a:extLst>
+              </p:cNvPr>
+              <p:cNvSpPr txBox="1"/>
+              <p:nvPr/>
+            </p:nvSpPr>
+            <p:spPr>
+              <a:xfrm>
+                <a:off x="7595785" y="3625684"/>
+                <a:ext cx="919162" cy="523220"/>
+              </a:xfrm>
+              <a:prstGeom prst="rect">
+                <a:avLst/>
+              </a:prstGeom>
+              <a:noFill/>
+            </p:spPr>
+            <p:txBody>
+              <a:bodyPr wrap="none" rtlCol="0">
+                <a:spAutoFit/>
+              </a:bodyPr>
+              <a:lstStyle/>
+              <a:p>
+                <a:pPr/>
+                <a14:m>
+                  <m:oMathPara xmlns:m="http://schemas.openxmlformats.org/officeDocument/2006/math">
+                    <m:oMathParaPr>
+                      <m:jc m:val="centerGroup"/>
+                    </m:oMathParaPr>
+                    <m:oMath xmlns:m="http://schemas.openxmlformats.org/officeDocument/2006/math">
+                      <m:sSub>
+                        <m:sSubPr>
+                          <m:ctrlPr>
+                            <a:rPr lang="en-US" sz="2800" i="1" smtClean="0">
+                              <a:latin typeface="Cambria Math" panose="02040503050406030204" pitchFamily="18" charset="0"/>
+                            </a:rPr>
+                          </m:ctrlPr>
+                        </m:sSubPr>
+                        <m:e>
+                          <m:r>
+                            <a:rPr lang="en-US" sz="2800" b="0" i="1" smtClean="0">
+                              <a:latin typeface="Cambria Math" panose="02040503050406030204" pitchFamily="18" charset="0"/>
+                            </a:rPr>
+                            <m:t>𝑃</m:t>
+                          </m:r>
+                        </m:e>
+                        <m:sub>
+                          <m:r>
+                            <a:rPr lang="de-DE" sz="2800" b="0" i="1" smtClean="0">
+                              <a:latin typeface="Cambria Math" panose="02040503050406030204" pitchFamily="18" charset="0"/>
+                            </a:rPr>
+                            <m:t>𝑏</m:t>
+                          </m:r>
+                          <m:r>
+                            <a:rPr lang="de-DE" sz="2800" b="0" i="1" smtClean="0">
+                              <a:latin typeface="Cambria Math" panose="02040503050406030204" pitchFamily="18" charset="0"/>
+                            </a:rPr>
+                            <m:t>2</m:t>
+                          </m:r>
+                          <m:r>
+                            <a:rPr lang="de-DE" sz="2800" b="0" i="1" smtClean="0">
+                              <a:latin typeface="Cambria Math" panose="02040503050406030204" pitchFamily="18" charset="0"/>
+                            </a:rPr>
+                            <m:t>3</m:t>
+                          </m:r>
+                        </m:sub>
+                      </m:sSub>
+                    </m:oMath>
+                  </m:oMathPara>
+                </a14:m>
+                <a:endParaRPr lang="en-US" sz="2800" dirty="0"/>
+              </a:p>
+            </p:txBody>
+          </p:sp>
+        </mc:Choice>
+        <mc:Fallback>
+          <p:sp>
+            <p:nvSpPr>
+              <p:cNvPr id="130" name="TextBox 129">
+                <a:extLst>
+                  <a:ext uri="{FF2B5EF4-FFF2-40B4-BE49-F238E27FC236}">
+                    <a16:creationId xmlns:a16="http://schemas.microsoft.com/office/drawing/2014/main" id="{C6DF75BA-C4FB-3275-95AE-8394CB06EA8D}"/>
+                  </a:ext>
+                </a:extLst>
+              </p:cNvPr>
+              <p:cNvSpPr txBox="1">
+                <a:spLocks noRot="1" noChangeAspect="1" noMove="1" noResize="1" noEditPoints="1" noAdjustHandles="1" noChangeArrowheads="1" noChangeShapeType="1" noTextEdit="1"/>
+              </p:cNvSpPr>
+              <p:nvPr/>
+            </p:nvSpPr>
+            <p:spPr>
+              <a:xfrm>
+                <a:off x="7595785" y="3625684"/>
+                <a:ext cx="919162" cy="523220"/>
+              </a:xfrm>
+              <a:prstGeom prst="rect">
+                <a:avLst/>
+              </a:prstGeom>
+              <a:blipFill>
+                <a:blip r:embed="rId15"/>
+                <a:stretch>
+                  <a:fillRect/>
+                </a:stretch>
+              </a:blipFill>
+            </p:spPr>
+            <p:txBody>
+              <a:bodyPr/>
+              <a:lstStyle/>
+              <a:p>
+                <a:r>
+                  <a:rPr lang="en-US">
+                    <a:noFill/>
+                  </a:rPr>
+                  <a:t> </a:t>
+                </a:r>
+              </a:p>
+            </p:txBody>
+          </p:sp>
+        </mc:Fallback>
+      </mc:AlternateContent>
+      <mc:AlternateContent xmlns:mc="http://schemas.openxmlformats.org/markup-compatibility/2006">
+        <mc:Choice xmlns:a14="http://schemas.microsoft.com/office/drawing/2010/main" Requires="a14">
+          <p:sp>
+            <p:nvSpPr>
+              <p:cNvPr id="131" name="TextBox 130">
+                <a:extLst>
+                  <a:ext uri="{FF2B5EF4-FFF2-40B4-BE49-F238E27FC236}">
+                    <a16:creationId xmlns:a16="http://schemas.microsoft.com/office/drawing/2014/main" id="{068F1157-053A-6D98-8C13-04D3949974A1}"/>
+                  </a:ext>
+                </a:extLst>
+              </p:cNvPr>
+              <p:cNvSpPr txBox="1"/>
+              <p:nvPr/>
+            </p:nvSpPr>
+            <p:spPr>
+              <a:xfrm>
+                <a:off x="5681128" y="4828598"/>
+                <a:ext cx="919162" cy="523220"/>
+              </a:xfrm>
+              <a:prstGeom prst="rect">
+                <a:avLst/>
+              </a:prstGeom>
+              <a:noFill/>
+            </p:spPr>
+            <p:txBody>
+              <a:bodyPr wrap="none" rtlCol="0">
+                <a:spAutoFit/>
+              </a:bodyPr>
+              <a:lstStyle/>
+              <a:p>
+                <a:pPr/>
+                <a14:m>
+                  <m:oMathPara xmlns:m="http://schemas.openxmlformats.org/officeDocument/2006/math">
+                    <m:oMathParaPr>
+                      <m:jc m:val="centerGroup"/>
+                    </m:oMathParaPr>
+                    <m:oMath xmlns:m="http://schemas.openxmlformats.org/officeDocument/2006/math">
+                      <m:sSub>
+                        <m:sSubPr>
+                          <m:ctrlPr>
+                            <a:rPr lang="en-US" sz="2800" i="1" smtClean="0">
+                              <a:latin typeface="Cambria Math" panose="02040503050406030204" pitchFamily="18" charset="0"/>
+                            </a:rPr>
+                          </m:ctrlPr>
+                        </m:sSubPr>
+                        <m:e>
+                          <m:r>
+                            <a:rPr lang="en-US" sz="2800" b="0" i="1" smtClean="0">
+                              <a:latin typeface="Cambria Math" panose="02040503050406030204" pitchFamily="18" charset="0"/>
+                            </a:rPr>
+                            <m:t>𝑃</m:t>
+                          </m:r>
+                        </m:e>
+                        <m:sub>
+                          <m:r>
+                            <a:rPr lang="de-DE" sz="2800" b="0" i="1" smtClean="0">
+                              <a:latin typeface="Cambria Math" panose="02040503050406030204" pitchFamily="18" charset="0"/>
+                            </a:rPr>
+                            <m:t>𝑏</m:t>
+                          </m:r>
+                          <m:r>
+                            <a:rPr lang="de-DE" sz="2800" b="0" i="1" smtClean="0">
+                              <a:latin typeface="Cambria Math" panose="02040503050406030204" pitchFamily="18" charset="0"/>
+                            </a:rPr>
+                            <m:t>2</m:t>
+                          </m:r>
+                          <m:r>
+                            <a:rPr lang="de-DE" sz="2800" b="0" i="1" smtClean="0">
+                              <a:latin typeface="Cambria Math" panose="02040503050406030204" pitchFamily="18" charset="0"/>
+                            </a:rPr>
+                            <m:t>2</m:t>
+                          </m:r>
+                        </m:sub>
+                      </m:sSub>
+                    </m:oMath>
+                  </m:oMathPara>
+                </a14:m>
+                <a:endParaRPr lang="en-US" sz="2800" dirty="0"/>
+              </a:p>
+            </p:txBody>
+          </p:sp>
+        </mc:Choice>
+        <mc:Fallback>
+          <p:sp>
+            <p:nvSpPr>
+              <p:cNvPr id="131" name="TextBox 130">
+                <a:extLst>
+                  <a:ext uri="{FF2B5EF4-FFF2-40B4-BE49-F238E27FC236}">
+                    <a16:creationId xmlns:a16="http://schemas.microsoft.com/office/drawing/2014/main" id="{068F1157-053A-6D98-8C13-04D3949974A1}"/>
+                  </a:ext>
+                </a:extLst>
+              </p:cNvPr>
+              <p:cNvSpPr txBox="1">
+                <a:spLocks noRot="1" noChangeAspect="1" noMove="1" noResize="1" noEditPoints="1" noAdjustHandles="1" noChangeArrowheads="1" noChangeShapeType="1" noTextEdit="1"/>
+              </p:cNvSpPr>
+              <p:nvPr/>
+            </p:nvSpPr>
+            <p:spPr>
+              <a:xfrm>
+                <a:off x="5681128" y="4828598"/>
+                <a:ext cx="919162" cy="523220"/>
+              </a:xfrm>
+              <a:prstGeom prst="rect">
+                <a:avLst/>
+              </a:prstGeom>
+              <a:blipFill>
+                <a:blip r:embed="rId16"/>
+                <a:stretch>
+                  <a:fillRect/>
+                </a:stretch>
+              </a:blipFill>
+            </p:spPr>
+            <p:txBody>
+              <a:bodyPr/>
+              <a:lstStyle/>
+              <a:p>
+                <a:r>
+                  <a:rPr lang="en-US">
+                    <a:noFill/>
+                  </a:rPr>
+                  <a:t> </a:t>
+                </a:r>
+              </a:p>
+            </p:txBody>
+          </p:sp>
+        </mc:Fallback>
+      </mc:AlternateContent>
+      <p:cxnSp>
+        <p:nvCxnSpPr>
+          <p:cNvPr id="134" name="Straight Connector 133">
+            <a:extLst>
+              <a:ext uri="{FF2B5EF4-FFF2-40B4-BE49-F238E27FC236}">
+                <a16:creationId xmlns:a16="http://schemas.microsoft.com/office/drawing/2014/main" id="{85623737-7D48-7EC3-D7F9-AAD1F38AA9C2}"/>
+              </a:ext>
+            </a:extLst>
+          </p:cNvPr>
+          <p:cNvCxnSpPr>
+            <a:cxnSpLocks/>
+          </p:cNvCxnSpPr>
+          <p:nvPr/>
+        </p:nvCxnSpPr>
+        <p:spPr>
+          <a:xfrm>
+            <a:off x="2620181" y="3107285"/>
+            <a:ext cx="643601" cy="8861"/>
+          </a:xfrm>
+          <a:prstGeom prst="line">
+            <a:avLst/>
+          </a:prstGeom>
+          <a:ln>
+            <a:prstDash val="dash"/>
+          </a:ln>
+        </p:spPr>
+        <p:style>
+          <a:lnRef idx="2">
+            <a:schemeClr val="accent1"/>
+          </a:lnRef>
+          <a:fillRef idx="0">
+            <a:schemeClr val="accent1"/>
+          </a:fillRef>
+          <a:effectRef idx="1">
+            <a:schemeClr val="accent1"/>
+          </a:effectRef>
+          <a:fontRef idx="minor">
+            <a:schemeClr val="tx1"/>
+          </a:fontRef>
+        </p:style>
+      </p:cxnSp>
+      <p:cxnSp>
+        <p:nvCxnSpPr>
+          <p:cNvPr id="135" name="Straight Arrow Connector 134">
+            <a:extLst>
+              <a:ext uri="{FF2B5EF4-FFF2-40B4-BE49-F238E27FC236}">
+                <a16:creationId xmlns:a16="http://schemas.microsoft.com/office/drawing/2014/main" id="{7F844EF9-83C0-90E6-CA40-ACB7E6269727}"/>
+              </a:ext>
+            </a:extLst>
+          </p:cNvPr>
+          <p:cNvCxnSpPr>
+            <a:cxnSpLocks/>
+          </p:cNvCxnSpPr>
+          <p:nvPr/>
+        </p:nvCxnSpPr>
+        <p:spPr>
+          <a:xfrm>
+            <a:off x="2279520" y="2409968"/>
+            <a:ext cx="357974" cy="651177"/>
+          </a:xfrm>
+          <a:prstGeom prst="straightConnector1">
+            <a:avLst/>
+          </a:prstGeom>
+          <a:ln>
+            <a:tailEnd type="triangle" w="lg" len="lg"/>
+          </a:ln>
+        </p:spPr>
+        <p:style>
+          <a:lnRef idx="2">
+            <a:schemeClr val="accent1"/>
+          </a:lnRef>
+          <a:fillRef idx="0">
+            <a:schemeClr val="accent1"/>
+          </a:fillRef>
+          <a:effectRef idx="1">
+            <a:schemeClr val="accent1"/>
+          </a:effectRef>
+          <a:fontRef idx="minor">
+            <a:schemeClr val="tx1"/>
+          </a:fontRef>
+        </p:style>
+      </p:cxnSp>
+      <p:cxnSp>
+        <p:nvCxnSpPr>
+          <p:cNvPr id="139" name="Straight Arrow Connector 138">
+            <a:extLst>
+              <a:ext uri="{FF2B5EF4-FFF2-40B4-BE49-F238E27FC236}">
+                <a16:creationId xmlns:a16="http://schemas.microsoft.com/office/drawing/2014/main" id="{67122657-F62A-0AA1-FB5F-55BF2A131688}"/>
+              </a:ext>
+            </a:extLst>
+          </p:cNvPr>
+          <p:cNvCxnSpPr>
+            <a:cxnSpLocks/>
+          </p:cNvCxnSpPr>
+          <p:nvPr/>
+        </p:nvCxnSpPr>
+        <p:spPr>
+          <a:xfrm flipH="1">
+            <a:off x="3333381" y="2940823"/>
+            <a:ext cx="476671" cy="132813"/>
+          </a:xfrm>
+          <a:prstGeom prst="straightConnector1">
+            <a:avLst/>
+          </a:prstGeom>
+          <a:ln>
+            <a:tailEnd type="triangle" w="lg" len="lg"/>
+          </a:ln>
+        </p:spPr>
+        <p:style>
+          <a:lnRef idx="2">
+            <a:schemeClr val="accent1"/>
+          </a:lnRef>
+          <a:fillRef idx="0">
+            <a:schemeClr val="accent1"/>
+          </a:fillRef>
+          <a:effectRef idx="1">
+            <a:schemeClr val="accent1"/>
+          </a:effectRef>
+          <a:fontRef idx="minor">
+            <a:schemeClr val="tx1"/>
+          </a:fontRef>
+        </p:style>
+      </p:cxnSp>
+      <mc:AlternateContent xmlns:mc="http://schemas.openxmlformats.org/markup-compatibility/2006">
+        <mc:Choice xmlns:a14="http://schemas.microsoft.com/office/drawing/2010/main" Requires="a14">
+          <p:sp>
+            <p:nvSpPr>
+              <p:cNvPr id="144" name="TextBox 143">
+                <a:extLst>
+                  <a:ext uri="{FF2B5EF4-FFF2-40B4-BE49-F238E27FC236}">
+                    <a16:creationId xmlns:a16="http://schemas.microsoft.com/office/drawing/2014/main" id="{01445601-3CFD-C6D1-30BA-B9C76F95BCE1}"/>
+                  </a:ext>
+                </a:extLst>
+              </p:cNvPr>
+              <p:cNvSpPr txBox="1"/>
+              <p:nvPr/>
+            </p:nvSpPr>
+            <p:spPr>
+              <a:xfrm>
+                <a:off x="1748313" y="1867481"/>
+                <a:ext cx="931986" cy="523220"/>
+              </a:xfrm>
+              <a:prstGeom prst="rect">
+                <a:avLst/>
+              </a:prstGeom>
+              <a:noFill/>
+            </p:spPr>
+            <p:txBody>
+              <a:bodyPr wrap="none" rtlCol="0">
+                <a:spAutoFit/>
+              </a:bodyPr>
+              <a:lstStyle/>
+              <a:p>
+                <a:pPr/>
+                <a14:m>
+                  <m:oMathPara xmlns:m="http://schemas.openxmlformats.org/officeDocument/2006/math">
+                    <m:oMathParaPr>
+                      <m:jc m:val="centerGroup"/>
+                    </m:oMathParaPr>
+                    <m:oMath xmlns:m="http://schemas.openxmlformats.org/officeDocument/2006/math">
+                      <m:sSub>
+                        <m:sSubPr>
+                          <m:ctrlPr>
+                            <a:rPr lang="en-US" sz="2800" i="1" smtClean="0">
+                              <a:latin typeface="Cambria Math" panose="02040503050406030204" pitchFamily="18" charset="0"/>
+                            </a:rPr>
+                          </m:ctrlPr>
+                        </m:sSubPr>
+                        <m:e>
+                          <m:r>
+                            <a:rPr lang="en-US" sz="2800" b="0" i="1" smtClean="0">
+                              <a:latin typeface="Cambria Math" panose="02040503050406030204" pitchFamily="18" charset="0"/>
+                            </a:rPr>
+                            <m:t>𝑃</m:t>
+                          </m:r>
+                        </m:e>
+                        <m:sub>
+                          <m:r>
+                            <a:rPr lang="en-US" sz="2800" b="0" i="1" smtClean="0">
+                              <a:latin typeface="Cambria Math" panose="02040503050406030204" pitchFamily="18" charset="0"/>
+                            </a:rPr>
+                            <m:t>𝑢</m:t>
+                          </m:r>
+                          <m:r>
+                            <a:rPr lang="de-DE" sz="2800" b="0" i="1" smtClean="0">
+                              <a:latin typeface="Cambria Math" panose="02040503050406030204" pitchFamily="18" charset="0"/>
+                            </a:rPr>
+                            <m:t>3</m:t>
+                          </m:r>
+                          <m:r>
+                            <a:rPr lang="en-US" sz="2800" b="0" i="1" smtClean="0">
+                              <a:latin typeface="Cambria Math" panose="02040503050406030204" pitchFamily="18" charset="0"/>
+                            </a:rPr>
+                            <m:t>1</m:t>
+                          </m:r>
+                        </m:sub>
+                      </m:sSub>
+                    </m:oMath>
+                  </m:oMathPara>
+                </a14:m>
+                <a:endParaRPr lang="en-US" sz="2800" dirty="0"/>
+              </a:p>
+            </p:txBody>
+          </p:sp>
+        </mc:Choice>
+        <mc:Fallback>
+          <p:sp>
+            <p:nvSpPr>
+              <p:cNvPr id="144" name="TextBox 143">
+                <a:extLst>
+                  <a:ext uri="{FF2B5EF4-FFF2-40B4-BE49-F238E27FC236}">
+                    <a16:creationId xmlns:a16="http://schemas.microsoft.com/office/drawing/2014/main" id="{01445601-3CFD-C6D1-30BA-B9C76F95BCE1}"/>
+                  </a:ext>
+                </a:extLst>
+              </p:cNvPr>
+              <p:cNvSpPr txBox="1">
+                <a:spLocks noRot="1" noChangeAspect="1" noMove="1" noResize="1" noEditPoints="1" noAdjustHandles="1" noChangeArrowheads="1" noChangeShapeType="1" noTextEdit="1"/>
+              </p:cNvSpPr>
+              <p:nvPr/>
+            </p:nvSpPr>
+            <p:spPr>
+              <a:xfrm>
+                <a:off x="1748313" y="1867481"/>
+                <a:ext cx="931986" cy="523220"/>
+              </a:xfrm>
+              <a:prstGeom prst="rect">
+                <a:avLst/>
+              </a:prstGeom>
+              <a:blipFill>
+                <a:blip r:embed="rId17"/>
+                <a:stretch>
+                  <a:fillRect/>
+                </a:stretch>
+              </a:blipFill>
+            </p:spPr>
+            <p:txBody>
+              <a:bodyPr/>
+              <a:lstStyle/>
+              <a:p>
+                <a:r>
+                  <a:rPr lang="en-US">
+                    <a:noFill/>
+                  </a:rPr>
+                  <a:t> </a:t>
+                </a:r>
+              </a:p>
+            </p:txBody>
+          </p:sp>
+        </mc:Fallback>
+      </mc:AlternateContent>
+      <mc:AlternateContent xmlns:mc="http://schemas.openxmlformats.org/markup-compatibility/2006" xmlns:a14="http://schemas.microsoft.com/office/drawing/2010/main">
+        <mc:Choice Requires="a14">
+          <p:sp>
+            <p:nvSpPr>
+              <p:cNvPr id="147" name="TextBox 146">
+                <a:extLst>
+                  <a:ext uri="{FF2B5EF4-FFF2-40B4-BE49-F238E27FC236}">
+                    <a16:creationId xmlns:a16="http://schemas.microsoft.com/office/drawing/2014/main" id="{8E7292CC-7AAE-FC3A-88CE-1021A6D5F36A}"/>
+                  </a:ext>
+                </a:extLst>
+              </p:cNvPr>
+              <p:cNvSpPr txBox="1"/>
+              <p:nvPr/>
+            </p:nvSpPr>
+            <p:spPr>
+              <a:xfrm>
+                <a:off x="7587541" y="2438221"/>
+                <a:ext cx="919162" cy="523220"/>
+              </a:xfrm>
+              <a:prstGeom prst="rect">
+                <a:avLst/>
+              </a:prstGeom>
+              <a:noFill/>
+            </p:spPr>
+            <p:txBody>
+              <a:bodyPr wrap="none" rtlCol="0">
+                <a:spAutoFit/>
+              </a:bodyPr>
+              <a:lstStyle/>
+              <a:p>
+                <a:pPr/>
+                <a14:m>
+                  <m:oMathPara xmlns:m="http://schemas.openxmlformats.org/officeDocument/2006/math">
+                    <m:oMathParaPr>
+                      <m:jc m:val="centerGroup"/>
+                    </m:oMathParaPr>
+                    <m:oMath xmlns:m="http://schemas.openxmlformats.org/officeDocument/2006/math">
+                      <m:sSub>
+                        <m:sSubPr>
+                          <m:ctrlPr>
+                            <a:rPr lang="en-US" sz="2800" i="1" smtClean="0">
+                              <a:latin typeface="Cambria Math" panose="02040503050406030204" pitchFamily="18" charset="0"/>
+                            </a:rPr>
+                          </m:ctrlPr>
+                        </m:sSubPr>
+                        <m:e>
+                          <m:r>
+                            <a:rPr lang="en-US" sz="2800" b="0" i="1" smtClean="0">
+                              <a:latin typeface="Cambria Math" panose="02040503050406030204" pitchFamily="18" charset="0"/>
+                            </a:rPr>
+                            <m:t>𝑃</m:t>
+                          </m:r>
+                        </m:e>
+                        <m:sub>
+                          <m:r>
+                            <a:rPr lang="en-US" sz="2800" b="0" i="1" smtClean="0">
+                              <a:latin typeface="Cambria Math" panose="02040503050406030204" pitchFamily="18" charset="0"/>
+                            </a:rPr>
+                            <m:t>𝑏</m:t>
+                          </m:r>
+                          <m:r>
+                            <a:rPr lang="en-GB" sz="2800" b="0" i="1" smtClean="0">
+                              <a:latin typeface="Cambria Math" panose="02040503050406030204" pitchFamily="18" charset="0"/>
+                            </a:rPr>
+                            <m:t>3</m:t>
+                          </m:r>
+                          <m:r>
+                            <a:rPr lang="de-DE" sz="2800" b="0" i="1" smtClean="0">
+                              <a:latin typeface="Cambria Math" panose="02040503050406030204" pitchFamily="18" charset="0"/>
+                            </a:rPr>
+                            <m:t>3</m:t>
+                          </m:r>
+                        </m:sub>
+                      </m:sSub>
+                    </m:oMath>
+                  </m:oMathPara>
+                </a14:m>
+                <a:endParaRPr lang="en-US" sz="2800" dirty="0"/>
+              </a:p>
+            </p:txBody>
+          </p:sp>
+        </mc:Choice>
+        <mc:Fallback xmlns="">
+          <p:sp>
+            <p:nvSpPr>
+              <p:cNvPr id="147" name="TextBox 146">
+                <a:extLst>
+                  <a:ext uri="{FF2B5EF4-FFF2-40B4-BE49-F238E27FC236}">
+                    <a16:creationId xmlns:a16="http://schemas.microsoft.com/office/drawing/2014/main" id="{8E7292CC-7AAE-FC3A-88CE-1021A6D5F36A}"/>
+                  </a:ext>
+                </a:extLst>
+              </p:cNvPr>
+              <p:cNvSpPr txBox="1">
+                <a:spLocks noRot="1" noChangeAspect="1" noMove="1" noResize="1" noEditPoints="1" noAdjustHandles="1" noChangeArrowheads="1" noChangeShapeType="1" noTextEdit="1"/>
+              </p:cNvSpPr>
+              <p:nvPr/>
+            </p:nvSpPr>
+            <p:spPr>
+              <a:xfrm>
+                <a:off x="7587541" y="2438221"/>
+                <a:ext cx="919162" cy="523220"/>
+              </a:xfrm>
+              <a:prstGeom prst="rect">
+                <a:avLst/>
+              </a:prstGeom>
+              <a:blipFill>
+                <a:blip r:embed="rId18"/>
+                <a:stretch>
+                  <a:fillRect/>
+                </a:stretch>
+              </a:blipFill>
+            </p:spPr>
+            <p:txBody>
+              <a:bodyPr/>
+              <a:lstStyle/>
+              <a:p>
+                <a:r>
+                  <a:rPr lang="en-US">
+                    <a:noFill/>
+                  </a:rPr>
+                  <a:t> </a:t>
+                </a:r>
+              </a:p>
+            </p:txBody>
+          </p:sp>
+        </mc:Fallback>
+      </mc:AlternateContent>
+      <mc:AlternateContent xmlns:mc="http://schemas.openxmlformats.org/markup-compatibility/2006" xmlns:a14="http://schemas.microsoft.com/office/drawing/2010/main">
+        <mc:Choice Requires="a14">
+          <p:sp>
+            <p:nvSpPr>
+              <p:cNvPr id="151" name="TextBox 150">
+                <a:extLst>
+                  <a:ext uri="{FF2B5EF4-FFF2-40B4-BE49-F238E27FC236}">
+                    <a16:creationId xmlns:a16="http://schemas.microsoft.com/office/drawing/2014/main" id="{C4260F7B-10C3-BE0D-3AAB-928AC688F367}"/>
+                  </a:ext>
+                </a:extLst>
+              </p:cNvPr>
+              <p:cNvSpPr txBox="1"/>
+              <p:nvPr/>
+            </p:nvSpPr>
+            <p:spPr>
+              <a:xfrm>
+                <a:off x="5828382" y="2578680"/>
+                <a:ext cx="786241" cy="523220"/>
+              </a:xfrm>
+              <a:prstGeom prst="rect">
+                <a:avLst/>
+              </a:prstGeom>
+              <a:noFill/>
+            </p:spPr>
+            <p:txBody>
+              <a:bodyPr wrap="none" rtlCol="0">
+                <a:spAutoFit/>
+              </a:bodyPr>
+              <a:lstStyle/>
+              <a:p>
+                <a:pPr/>
+                <a14:m>
+                  <m:oMathPara xmlns:m="http://schemas.openxmlformats.org/officeDocument/2006/math">
+                    <m:oMathParaPr>
+                      <m:jc m:val="centerGroup"/>
+                    </m:oMathParaPr>
+                    <m:oMath xmlns:m="http://schemas.openxmlformats.org/officeDocument/2006/math">
+                      <m:sSub>
+                        <m:sSubPr>
+                          <m:ctrlPr>
+                            <a:rPr lang="en-US" sz="2800" i="1" smtClean="0">
+                              <a:latin typeface="Cambria Math" panose="02040503050406030204" pitchFamily="18" charset="0"/>
+                            </a:rPr>
+                          </m:ctrlPr>
+                        </m:sSubPr>
+                        <m:e>
+                          <m:r>
+                            <a:rPr lang="de-DE" sz="2800" b="0" i="1" smtClean="0">
+                              <a:latin typeface="Cambria Math" panose="02040503050406030204" pitchFamily="18" charset="0"/>
+                            </a:rPr>
+                            <m:t>𝐿</m:t>
+                          </m:r>
+                        </m:e>
+                        <m:sub>
+                          <m:r>
+                            <a:rPr lang="de-DE" sz="2800" b="0" i="1" smtClean="0">
+                              <a:latin typeface="Cambria Math" panose="02040503050406030204" pitchFamily="18" charset="0"/>
+                            </a:rPr>
+                            <m:t>𝑢</m:t>
+                          </m:r>
+                          <m:r>
+                            <a:rPr lang="de-DE" sz="2800" b="0" i="1" smtClean="0">
+                              <a:latin typeface="Cambria Math" panose="02040503050406030204" pitchFamily="18" charset="0"/>
+                            </a:rPr>
+                            <m:t>1</m:t>
+                          </m:r>
+                        </m:sub>
+                      </m:sSub>
+                    </m:oMath>
+                  </m:oMathPara>
+                </a14:m>
+                <a:endParaRPr lang="en-US" sz="2800" dirty="0"/>
+              </a:p>
+            </p:txBody>
+          </p:sp>
+        </mc:Choice>
+        <mc:Fallback xmlns="">
+          <p:sp>
+            <p:nvSpPr>
+              <p:cNvPr id="151" name="TextBox 150">
+                <a:extLst>
+                  <a:ext uri="{FF2B5EF4-FFF2-40B4-BE49-F238E27FC236}">
+                    <a16:creationId xmlns:a16="http://schemas.microsoft.com/office/drawing/2014/main" id="{C4260F7B-10C3-BE0D-3AAB-928AC688F367}"/>
+                  </a:ext>
+                </a:extLst>
+              </p:cNvPr>
+              <p:cNvSpPr txBox="1">
+                <a:spLocks noRot="1" noChangeAspect="1" noMove="1" noResize="1" noEditPoints="1" noAdjustHandles="1" noChangeArrowheads="1" noChangeShapeType="1" noTextEdit="1"/>
+              </p:cNvSpPr>
+              <p:nvPr/>
+            </p:nvSpPr>
+            <p:spPr>
+              <a:xfrm>
+                <a:off x="5828382" y="2578680"/>
+                <a:ext cx="786241" cy="523220"/>
+              </a:xfrm>
+              <a:prstGeom prst="rect">
+                <a:avLst/>
+              </a:prstGeom>
+              <a:blipFill>
+                <a:blip r:embed="rId19"/>
+                <a:stretch>
+                  <a:fillRect/>
+                </a:stretch>
+              </a:blipFill>
+            </p:spPr>
+            <p:txBody>
+              <a:bodyPr/>
+              <a:lstStyle/>
+              <a:p>
+                <a:r>
+                  <a:rPr lang="en-US">
+                    <a:noFill/>
+                  </a:rPr>
+                  <a:t> </a:t>
+                </a:r>
+              </a:p>
+            </p:txBody>
+          </p:sp>
+        </mc:Fallback>
+      </mc:AlternateContent>
+      <p:cxnSp>
+        <p:nvCxnSpPr>
+          <p:cNvPr id="4" name="Straight Connector 3">
+            <a:extLst>
+              <a:ext uri="{FF2B5EF4-FFF2-40B4-BE49-F238E27FC236}">
+                <a16:creationId xmlns:a16="http://schemas.microsoft.com/office/drawing/2014/main" id="{3B17C42F-678B-D02A-8FB3-80F1D4E453E4}"/>
+              </a:ext>
+            </a:extLst>
+          </p:cNvPr>
+          <p:cNvCxnSpPr>
+            <a:cxnSpLocks/>
+          </p:cNvCxnSpPr>
+          <p:nvPr/>
+        </p:nvCxnSpPr>
+        <p:spPr>
+          <a:xfrm>
+            <a:off x="2449513" y="3639613"/>
+            <a:ext cx="657454" cy="0"/>
+          </a:xfrm>
+          <a:prstGeom prst="line">
+            <a:avLst/>
+          </a:prstGeom>
+          <a:ln>
+            <a:prstDash val="dash"/>
+          </a:ln>
+        </p:spPr>
+        <p:style>
+          <a:lnRef idx="2">
+            <a:schemeClr val="accent1"/>
+          </a:lnRef>
+          <a:fillRef idx="0">
+            <a:schemeClr val="accent1"/>
+          </a:fillRef>
+          <a:effectRef idx="1">
+            <a:schemeClr val="accent1"/>
+          </a:effectRef>
+          <a:fontRef idx="minor">
+            <a:schemeClr val="tx1"/>
+          </a:fontRef>
+        </p:style>
+      </p:cxnSp>
+      <p:cxnSp>
+        <p:nvCxnSpPr>
+          <p:cNvPr id="10" name="Straight Arrow Connector 9">
+            <a:extLst>
+              <a:ext uri="{FF2B5EF4-FFF2-40B4-BE49-F238E27FC236}">
+                <a16:creationId xmlns:a16="http://schemas.microsoft.com/office/drawing/2014/main" id="{E2246ACA-94D5-B85A-6618-F8B526740CB0}"/>
+              </a:ext>
+            </a:extLst>
+          </p:cNvPr>
+          <p:cNvCxnSpPr>
+            <a:cxnSpLocks/>
+          </p:cNvCxnSpPr>
+          <p:nvPr/>
+        </p:nvCxnSpPr>
+        <p:spPr>
+          <a:xfrm flipV="1">
+            <a:off x="2083664" y="3664572"/>
+            <a:ext cx="315243" cy="675053"/>
+          </a:xfrm>
+          <a:prstGeom prst="straightConnector1">
+            <a:avLst/>
+          </a:prstGeom>
+          <a:ln>
+            <a:tailEnd type="triangle" w="lg" len="lg"/>
+          </a:ln>
+        </p:spPr>
+        <p:style>
+          <a:lnRef idx="2">
+            <a:schemeClr val="accent1"/>
+          </a:lnRef>
+          <a:fillRef idx="0">
+            <a:schemeClr val="accent1"/>
+          </a:fillRef>
+          <a:effectRef idx="1">
+            <a:schemeClr val="accent1"/>
+          </a:effectRef>
+          <a:fontRef idx="minor">
+            <a:schemeClr val="tx1"/>
+          </a:fontRef>
+        </p:style>
+      </p:cxnSp>
+      <mc:AlternateContent xmlns:mc="http://schemas.openxmlformats.org/markup-compatibility/2006">
+        <mc:Choice xmlns:a14="http://schemas.microsoft.com/office/drawing/2010/main" Requires="a14">
+          <p:sp>
+            <p:nvSpPr>
+              <p:cNvPr id="13" name="TextBox 12">
+                <a:extLst>
+                  <a:ext uri="{FF2B5EF4-FFF2-40B4-BE49-F238E27FC236}">
+                    <a16:creationId xmlns:a16="http://schemas.microsoft.com/office/drawing/2014/main" id="{EE609AE6-F470-4D3D-58F7-FE7C72EC0058}"/>
+                  </a:ext>
+                </a:extLst>
+              </p:cNvPr>
+              <p:cNvSpPr txBox="1"/>
+              <p:nvPr/>
+            </p:nvSpPr>
+            <p:spPr>
+              <a:xfrm>
+                <a:off x="1516785" y="4204670"/>
+                <a:ext cx="919162" cy="523220"/>
+              </a:xfrm>
+              <a:prstGeom prst="rect">
+                <a:avLst/>
+              </a:prstGeom>
+              <a:noFill/>
+            </p:spPr>
+            <p:txBody>
+              <a:bodyPr wrap="none" rtlCol="0">
+                <a:spAutoFit/>
+              </a:bodyPr>
+              <a:lstStyle/>
+              <a:p>
+                <a:pPr/>
+                <a14:m>
+                  <m:oMathPara xmlns:m="http://schemas.openxmlformats.org/officeDocument/2006/math">
+                    <m:oMathParaPr>
+                      <m:jc m:val="centerGroup"/>
+                    </m:oMathParaPr>
+                    <m:oMath xmlns:m="http://schemas.openxmlformats.org/officeDocument/2006/math">
+                      <m:sSub>
+                        <m:sSubPr>
+                          <m:ctrlPr>
+                            <a:rPr lang="en-US" sz="2800" i="1" smtClean="0">
+                              <a:latin typeface="Cambria Math" panose="02040503050406030204" pitchFamily="18" charset="0"/>
+                            </a:rPr>
+                          </m:ctrlPr>
+                        </m:sSubPr>
+                        <m:e>
+                          <m:r>
+                            <a:rPr lang="en-US" sz="2800" b="0" i="1" smtClean="0">
+                              <a:latin typeface="Cambria Math" panose="02040503050406030204" pitchFamily="18" charset="0"/>
+                            </a:rPr>
+                            <m:t>𝑃</m:t>
+                          </m:r>
+                        </m:e>
+                        <m:sub>
+                          <m:r>
+                            <m:rPr>
+                              <m:sty m:val="p"/>
+                            </m:rPr>
+                            <a:rPr lang="de-DE" sz="2800" b="0" i="1" smtClean="0">
+                              <a:latin typeface="Cambria Math" panose="02040503050406030204" pitchFamily="18" charset="0"/>
+                            </a:rPr>
+                            <m:t>u</m:t>
+                          </m:r>
+                          <m:r>
+                            <a:rPr lang="de-DE" sz="2800" b="0" i="1" smtClean="0">
+                              <a:latin typeface="Cambria Math" panose="02040503050406030204" pitchFamily="18" charset="0"/>
+                            </a:rPr>
+                            <m:t>21</m:t>
+                          </m:r>
+                        </m:sub>
+                      </m:sSub>
+                    </m:oMath>
+                  </m:oMathPara>
+                </a14:m>
+                <a:endParaRPr lang="en-US" sz="2800" dirty="0"/>
+              </a:p>
+            </p:txBody>
+          </p:sp>
+        </mc:Choice>
+        <mc:Fallback>
+          <p:sp>
+            <p:nvSpPr>
+              <p:cNvPr id="13" name="TextBox 12">
+                <a:extLst>
+                  <a:ext uri="{FF2B5EF4-FFF2-40B4-BE49-F238E27FC236}">
+                    <a16:creationId xmlns:a16="http://schemas.microsoft.com/office/drawing/2014/main" id="{EE609AE6-F470-4D3D-58F7-FE7C72EC0058}"/>
+                  </a:ext>
+                </a:extLst>
+              </p:cNvPr>
+              <p:cNvSpPr txBox="1">
+                <a:spLocks noRot="1" noChangeAspect="1" noMove="1" noResize="1" noEditPoints="1" noAdjustHandles="1" noChangeArrowheads="1" noChangeShapeType="1" noTextEdit="1"/>
+              </p:cNvSpPr>
+              <p:nvPr/>
+            </p:nvSpPr>
+            <p:spPr>
+              <a:xfrm>
+                <a:off x="1516785" y="4204670"/>
+                <a:ext cx="919162" cy="523220"/>
+              </a:xfrm>
+              <a:prstGeom prst="rect">
+                <a:avLst/>
+              </a:prstGeom>
+              <a:blipFill>
+                <a:blip r:embed="rId20"/>
+                <a:stretch>
+                  <a:fillRect/>
+                </a:stretch>
+              </a:blipFill>
+            </p:spPr>
+            <p:txBody>
+              <a:bodyPr/>
+              <a:lstStyle/>
+              <a:p>
+                <a:r>
+                  <a:rPr lang="en-US">
+                    <a:noFill/>
+                  </a:rPr>
+                  <a:t> </a:t>
+                </a:r>
+              </a:p>
+            </p:txBody>
+          </p:sp>
+        </mc:Fallback>
+      </mc:AlternateContent>
+      <p:cxnSp>
+        <p:nvCxnSpPr>
+          <p:cNvPr id="14" name="Straight Arrow Connector 13">
+            <a:extLst>
+              <a:ext uri="{FF2B5EF4-FFF2-40B4-BE49-F238E27FC236}">
+                <a16:creationId xmlns:a16="http://schemas.microsoft.com/office/drawing/2014/main" id="{571BA3A9-37E0-E956-BDA3-74090D0F60C8}"/>
+              </a:ext>
+            </a:extLst>
+          </p:cNvPr>
+          <p:cNvCxnSpPr>
+            <a:cxnSpLocks/>
+            <a:stCxn id="80" idx="1"/>
+          </p:cNvCxnSpPr>
+          <p:nvPr/>
+        </p:nvCxnSpPr>
+        <p:spPr>
+          <a:xfrm flipH="1" flipV="1">
+            <a:off x="3284142" y="3691417"/>
+            <a:ext cx="483051" cy="252701"/>
+          </a:xfrm>
+          <a:prstGeom prst="straightConnector1">
+            <a:avLst/>
+          </a:prstGeom>
+          <a:ln>
+            <a:tailEnd type="triangle" w="lg" len="lg"/>
+          </a:ln>
+        </p:spPr>
+        <p:style>
+          <a:lnRef idx="2">
+            <a:schemeClr val="accent1"/>
+          </a:lnRef>
+          <a:fillRef idx="0">
+            <a:schemeClr val="accent1"/>
+          </a:fillRef>
+          <a:effectRef idx="1">
+            <a:schemeClr val="accent1"/>
+          </a:effectRef>
+          <a:fontRef idx="minor">
+            <a:schemeClr val="tx1"/>
+          </a:fontRef>
+        </p:style>
+      </p:cxnSp>
+      <mc:AlternateContent xmlns:mc="http://schemas.openxmlformats.org/markup-compatibility/2006" xmlns:a14="http://schemas.microsoft.com/office/drawing/2010/main">
+        <mc:Choice Requires="a14">
+          <p:sp>
+            <p:nvSpPr>
+              <p:cNvPr id="25" name="TextBox 24">
+                <a:extLst>
+                  <a:ext uri="{FF2B5EF4-FFF2-40B4-BE49-F238E27FC236}">
+                    <a16:creationId xmlns:a16="http://schemas.microsoft.com/office/drawing/2014/main" id="{4BE5ACE5-D334-16F7-6460-88730EE114AC}"/>
+                  </a:ext>
+                </a:extLst>
+              </p:cNvPr>
+              <p:cNvSpPr txBox="1"/>
+              <p:nvPr/>
+            </p:nvSpPr>
+            <p:spPr>
+              <a:xfrm>
+                <a:off x="5828382" y="3670880"/>
+                <a:ext cx="773417" cy="523220"/>
+              </a:xfrm>
+              <a:prstGeom prst="rect">
+                <a:avLst/>
+              </a:prstGeom>
+              <a:noFill/>
+            </p:spPr>
+            <p:txBody>
+              <a:bodyPr wrap="none" rtlCol="0">
+                <a:spAutoFit/>
+              </a:bodyPr>
+              <a:lstStyle/>
+              <a:p>
+                <a:pPr/>
+                <a14:m>
+                  <m:oMathPara xmlns:m="http://schemas.openxmlformats.org/officeDocument/2006/math">
+                    <m:oMathParaPr>
+                      <m:jc m:val="centerGroup"/>
+                    </m:oMathParaPr>
+                    <m:oMath xmlns:m="http://schemas.openxmlformats.org/officeDocument/2006/math">
+                      <m:sSub>
+                        <m:sSubPr>
+                          <m:ctrlPr>
+                            <a:rPr lang="en-US" sz="2800" i="1" smtClean="0">
+                              <a:latin typeface="Cambria Math" panose="02040503050406030204" pitchFamily="18" charset="0"/>
+                            </a:rPr>
+                          </m:ctrlPr>
+                        </m:sSubPr>
+                        <m:e>
+                          <m:r>
+                            <a:rPr lang="de-DE" sz="2800" b="0" i="1" smtClean="0">
+                              <a:latin typeface="Cambria Math" panose="02040503050406030204" pitchFamily="18" charset="0"/>
+                            </a:rPr>
+                            <m:t>𝐿</m:t>
+                          </m:r>
+                        </m:e>
+                        <m:sub>
+                          <m:r>
+                            <a:rPr lang="de-DE" sz="2800" b="0" i="1" smtClean="0">
+                              <a:latin typeface="Cambria Math" panose="02040503050406030204" pitchFamily="18" charset="0"/>
+                            </a:rPr>
+                            <m:t>𝑏</m:t>
+                          </m:r>
+                          <m:r>
+                            <a:rPr lang="de-DE" sz="2800" b="0" i="1" smtClean="0">
+                              <a:latin typeface="Cambria Math" panose="02040503050406030204" pitchFamily="18" charset="0"/>
+                            </a:rPr>
+                            <m:t>1</m:t>
+                          </m:r>
+                        </m:sub>
+                      </m:sSub>
+                    </m:oMath>
+                  </m:oMathPara>
+                </a14:m>
+                <a:endParaRPr lang="en-US" sz="2800" dirty="0"/>
+              </a:p>
+            </p:txBody>
+          </p:sp>
+        </mc:Choice>
+        <mc:Fallback xmlns="">
+          <p:sp>
+            <p:nvSpPr>
+              <p:cNvPr id="25" name="TextBox 24">
+                <a:extLst>
+                  <a:ext uri="{FF2B5EF4-FFF2-40B4-BE49-F238E27FC236}">
+                    <a16:creationId xmlns:a16="http://schemas.microsoft.com/office/drawing/2014/main" id="{4BE5ACE5-D334-16F7-6460-88730EE114AC}"/>
+                  </a:ext>
+                </a:extLst>
+              </p:cNvPr>
+              <p:cNvSpPr txBox="1">
+                <a:spLocks noRot="1" noChangeAspect="1" noMove="1" noResize="1" noEditPoints="1" noAdjustHandles="1" noChangeArrowheads="1" noChangeShapeType="1" noTextEdit="1"/>
+              </p:cNvSpPr>
+              <p:nvPr/>
+            </p:nvSpPr>
+            <p:spPr>
+              <a:xfrm>
+                <a:off x="5828382" y="3670880"/>
+                <a:ext cx="773417" cy="523220"/>
+              </a:xfrm>
+              <a:prstGeom prst="rect">
+                <a:avLst/>
+              </a:prstGeom>
+              <a:blipFill>
+                <a:blip r:embed="rId21"/>
+                <a:stretch>
+                  <a:fillRect/>
+                </a:stretch>
+              </a:blipFill>
+            </p:spPr>
+            <p:txBody>
+              <a:bodyPr/>
+              <a:lstStyle/>
+              <a:p>
+                <a:r>
+                  <a:rPr lang="en-US">
+                    <a:noFill/>
+                  </a:rPr>
+                  <a:t> </a:t>
+                </a:r>
+              </a:p>
+            </p:txBody>
+          </p:sp>
+        </mc:Fallback>
+      </mc:AlternateContent>
+      <p:cxnSp>
+        <p:nvCxnSpPr>
+          <p:cNvPr id="31" name="Straight Arrow Connector 30">
+            <a:extLst>
+              <a:ext uri="{FF2B5EF4-FFF2-40B4-BE49-F238E27FC236}">
+                <a16:creationId xmlns:a16="http://schemas.microsoft.com/office/drawing/2014/main" id="{9754706F-797B-84F4-D1D9-2CF4A503DF6A}"/>
+              </a:ext>
+            </a:extLst>
+          </p:cNvPr>
+          <p:cNvCxnSpPr>
+            <a:cxnSpLocks/>
+          </p:cNvCxnSpPr>
+          <p:nvPr/>
+        </p:nvCxnSpPr>
+        <p:spPr>
+          <a:xfrm flipH="1" flipV="1">
+            <a:off x="9749119" y="3688994"/>
+            <a:ext cx="243080" cy="310092"/>
+          </a:xfrm>
+          <a:prstGeom prst="straightConnector1">
+            <a:avLst/>
+          </a:prstGeom>
+          <a:ln>
+            <a:tailEnd type="triangle" w="lg" len="lg"/>
+          </a:ln>
+        </p:spPr>
+        <p:style>
+          <a:lnRef idx="2">
+            <a:schemeClr val="accent1"/>
+          </a:lnRef>
+          <a:fillRef idx="0">
+            <a:schemeClr val="accent1"/>
+          </a:fillRef>
+          <a:effectRef idx="1">
+            <a:schemeClr val="accent1"/>
+          </a:effectRef>
+          <a:fontRef idx="minor">
+            <a:schemeClr val="tx1"/>
+          </a:fontRef>
+        </p:style>
+      </p:cxnSp>
+      <p:cxnSp>
+        <p:nvCxnSpPr>
+          <p:cNvPr id="3" name="Straight Connector 2">
+            <a:extLst>
+              <a:ext uri="{FF2B5EF4-FFF2-40B4-BE49-F238E27FC236}">
+                <a16:creationId xmlns:a16="http://schemas.microsoft.com/office/drawing/2014/main" id="{894B8469-50EC-9221-91C3-76F1192D0D86}"/>
+              </a:ext>
+            </a:extLst>
+          </p:cNvPr>
+          <p:cNvCxnSpPr>
+            <a:cxnSpLocks/>
+          </p:cNvCxnSpPr>
+          <p:nvPr/>
+        </p:nvCxnSpPr>
+        <p:spPr>
+          <a:xfrm flipV="1">
+            <a:off x="9623942" y="3111715"/>
+            <a:ext cx="701335" cy="8675"/>
+          </a:xfrm>
+          <a:prstGeom prst="line">
+            <a:avLst/>
+          </a:prstGeom>
+        </p:spPr>
+        <p:style>
+          <a:lnRef idx="2">
+            <a:schemeClr val="accent1"/>
+          </a:lnRef>
+          <a:fillRef idx="0">
+            <a:schemeClr val="accent1"/>
+          </a:fillRef>
+          <a:effectRef idx="1">
+            <a:schemeClr val="accent1"/>
+          </a:effectRef>
+          <a:fontRef idx="minor">
+            <a:schemeClr val="tx1"/>
+          </a:fontRef>
+        </p:style>
+      </p:cxnSp>
+      <p:cxnSp>
+        <p:nvCxnSpPr>
+          <p:cNvPr id="5" name="Straight Connector 4">
+            <a:extLst>
+              <a:ext uri="{FF2B5EF4-FFF2-40B4-BE49-F238E27FC236}">
+                <a16:creationId xmlns:a16="http://schemas.microsoft.com/office/drawing/2014/main" id="{59092002-6125-0D7E-1AD5-A6DDA50351BC}"/>
+              </a:ext>
+            </a:extLst>
+          </p:cNvPr>
+          <p:cNvCxnSpPr>
+            <a:cxnSpLocks/>
+          </p:cNvCxnSpPr>
+          <p:nvPr/>
+        </p:nvCxnSpPr>
+        <p:spPr>
+          <a:xfrm flipV="1">
+            <a:off x="9710663" y="3671208"/>
+            <a:ext cx="614614" cy="5454"/>
+          </a:xfrm>
+          <a:prstGeom prst="line">
+            <a:avLst/>
+          </a:prstGeom>
+        </p:spPr>
+        <p:style>
+          <a:lnRef idx="2">
+            <a:schemeClr val="accent1"/>
+          </a:lnRef>
+          <a:fillRef idx="0">
+            <a:schemeClr val="accent1"/>
+          </a:fillRef>
+          <a:effectRef idx="1">
+            <a:schemeClr val="accent1"/>
+          </a:effectRef>
+          <a:fontRef idx="minor">
+            <a:schemeClr val="tx1"/>
+          </a:fontRef>
+        </p:style>
+      </p:cxnSp>
+      <p:cxnSp>
+        <p:nvCxnSpPr>
+          <p:cNvPr id="23" name="Straight Arrow Connector 22">
+            <a:extLst>
+              <a:ext uri="{FF2B5EF4-FFF2-40B4-BE49-F238E27FC236}">
+                <a16:creationId xmlns:a16="http://schemas.microsoft.com/office/drawing/2014/main" id="{63585923-92AC-5DC0-0BFF-0276E82B87A1}"/>
+              </a:ext>
+            </a:extLst>
+          </p:cNvPr>
+          <p:cNvCxnSpPr>
+            <a:cxnSpLocks/>
+          </p:cNvCxnSpPr>
+          <p:nvPr/>
+        </p:nvCxnSpPr>
+        <p:spPr>
+          <a:xfrm flipV="1">
+            <a:off x="8475941" y="3707170"/>
+            <a:ext cx="483051" cy="252701"/>
+          </a:xfrm>
+          <a:prstGeom prst="straightConnector1">
+            <a:avLst/>
+          </a:prstGeom>
+          <a:ln>
+            <a:tailEnd type="triangle" w="lg" len="lg"/>
+          </a:ln>
+        </p:spPr>
+        <p:style>
+          <a:lnRef idx="2">
+            <a:schemeClr val="accent1"/>
+          </a:lnRef>
+          <a:fillRef idx="0">
+            <a:schemeClr val="accent1"/>
+          </a:fillRef>
+          <a:effectRef idx="1">
+            <a:schemeClr val="accent1"/>
+          </a:effectRef>
+          <a:fontRef idx="minor">
+            <a:schemeClr val="tx1"/>
+          </a:fontRef>
+        </p:style>
+      </p:cxnSp>
+      <p:cxnSp>
+        <p:nvCxnSpPr>
+          <p:cNvPr id="24" name="Straight Arrow Connector 23">
+            <a:extLst>
+              <a:ext uri="{FF2B5EF4-FFF2-40B4-BE49-F238E27FC236}">
+                <a16:creationId xmlns:a16="http://schemas.microsoft.com/office/drawing/2014/main" id="{95CA69FA-0602-A1CF-2749-53A585A8AB88}"/>
+              </a:ext>
+            </a:extLst>
+          </p:cNvPr>
+          <p:cNvCxnSpPr>
+            <a:cxnSpLocks/>
+          </p:cNvCxnSpPr>
+          <p:nvPr/>
+        </p:nvCxnSpPr>
+        <p:spPr>
+          <a:xfrm>
+            <a:off x="8461046" y="2807030"/>
+            <a:ext cx="483051" cy="252701"/>
+          </a:xfrm>
+          <a:prstGeom prst="straightConnector1">
+            <a:avLst/>
+          </a:prstGeom>
+          <a:ln>
+            <a:tailEnd type="triangle" w="lg" len="lg"/>
+          </a:ln>
+        </p:spPr>
+        <p:style>
+          <a:lnRef idx="2">
+            <a:schemeClr val="accent1"/>
+          </a:lnRef>
+          <a:fillRef idx="0">
+            <a:schemeClr val="accent1"/>
+          </a:fillRef>
+          <a:effectRef idx="1">
+            <a:schemeClr val="accent1"/>
+          </a:effectRef>
+          <a:fontRef idx="minor">
+            <a:schemeClr val="tx1"/>
+          </a:fontRef>
+        </p:style>
+      </p:cxnSp>
+      <p:cxnSp>
+        <p:nvCxnSpPr>
+          <p:cNvPr id="32" name="Straight Connector 31">
+            <a:extLst>
+              <a:ext uri="{FF2B5EF4-FFF2-40B4-BE49-F238E27FC236}">
+                <a16:creationId xmlns:a16="http://schemas.microsoft.com/office/drawing/2014/main" id="{E4994DD4-00FB-8741-C797-016177379493}"/>
+              </a:ext>
+            </a:extLst>
+          </p:cNvPr>
+          <p:cNvCxnSpPr>
+            <a:cxnSpLocks/>
+          </p:cNvCxnSpPr>
+          <p:nvPr/>
+        </p:nvCxnSpPr>
+        <p:spPr>
+          <a:xfrm>
+            <a:off x="1701800" y="3351846"/>
+            <a:ext cx="0" cy="73152"/>
+          </a:xfrm>
+          <a:prstGeom prst="line">
+            <a:avLst/>
+          </a:prstGeom>
+        </p:spPr>
+        <p:style>
+          <a:lnRef idx="2">
+            <a:schemeClr val="accent1"/>
+          </a:lnRef>
+          <a:fillRef idx="0">
+            <a:schemeClr val="accent1"/>
+          </a:fillRef>
+          <a:effectRef idx="1">
+            <a:schemeClr val="accent1"/>
+          </a:effectRef>
+          <a:fontRef idx="minor">
+            <a:schemeClr val="tx1"/>
+          </a:fontRef>
+        </p:style>
+      </p:cxnSp>
+      <p:cxnSp>
+        <p:nvCxnSpPr>
+          <p:cNvPr id="2" name="Straight Connector 1">
+            <a:extLst>
+              <a:ext uri="{FF2B5EF4-FFF2-40B4-BE49-F238E27FC236}">
+                <a16:creationId xmlns:a16="http://schemas.microsoft.com/office/drawing/2014/main" id="{F4647789-0348-C69B-C854-63D8D8B931BC}"/>
+              </a:ext>
+            </a:extLst>
+          </p:cNvPr>
+          <p:cNvCxnSpPr>
+            <a:cxnSpLocks/>
+          </p:cNvCxnSpPr>
+          <p:nvPr/>
+        </p:nvCxnSpPr>
+        <p:spPr>
+          <a:xfrm>
+            <a:off x="3004152" y="2938276"/>
+            <a:ext cx="133671" cy="163624"/>
+          </a:xfrm>
+          <a:prstGeom prst="line">
+            <a:avLst/>
+          </a:prstGeom>
+          <a:ln>
+            <a:prstDash val="dash"/>
+          </a:ln>
+        </p:spPr>
+        <p:style>
+          <a:lnRef idx="2">
+            <a:schemeClr val="accent1"/>
+          </a:lnRef>
+          <a:fillRef idx="0">
+            <a:schemeClr val="accent1"/>
+          </a:fillRef>
+          <a:effectRef idx="1">
+            <a:schemeClr val="accent1"/>
+          </a:effectRef>
+          <a:fontRef idx="minor">
+            <a:schemeClr val="tx1"/>
+          </a:fontRef>
+        </p:style>
+      </p:cxnSp>
+      <p:cxnSp>
+        <p:nvCxnSpPr>
+          <p:cNvPr id="11" name="Straight Connector 10">
+            <a:extLst>
+              <a:ext uri="{FF2B5EF4-FFF2-40B4-BE49-F238E27FC236}">
+                <a16:creationId xmlns:a16="http://schemas.microsoft.com/office/drawing/2014/main" id="{23C14B3E-D7F2-F400-8E56-326FECC6DD9E}"/>
+              </a:ext>
+            </a:extLst>
+          </p:cNvPr>
+          <p:cNvCxnSpPr>
+            <a:cxnSpLocks/>
+          </p:cNvCxnSpPr>
+          <p:nvPr/>
+        </p:nvCxnSpPr>
+        <p:spPr>
+          <a:xfrm>
+            <a:off x="9157987" y="3707169"/>
+            <a:ext cx="215567" cy="213790"/>
+          </a:xfrm>
+          <a:prstGeom prst="line">
+            <a:avLst/>
+          </a:prstGeom>
+          <a:ln>
+            <a:prstDash val="dash"/>
+          </a:ln>
+        </p:spPr>
+        <p:style>
+          <a:lnRef idx="2">
+            <a:schemeClr val="accent1"/>
+          </a:lnRef>
+          <a:fillRef idx="0">
+            <a:schemeClr val="accent1"/>
+          </a:fillRef>
+          <a:effectRef idx="1">
+            <a:schemeClr val="accent1"/>
+          </a:effectRef>
+          <a:fontRef idx="minor">
+            <a:schemeClr val="tx1"/>
+          </a:fontRef>
+        </p:style>
+      </p:cxnSp>
+      <p:cxnSp>
+        <p:nvCxnSpPr>
+          <p:cNvPr id="15" name="Straight Connector 14">
+            <a:extLst>
+              <a:ext uri="{FF2B5EF4-FFF2-40B4-BE49-F238E27FC236}">
+                <a16:creationId xmlns:a16="http://schemas.microsoft.com/office/drawing/2014/main" id="{BFABDFD1-ED3C-5CAF-16E1-7E9C6D351AE4}"/>
+              </a:ext>
+            </a:extLst>
+          </p:cNvPr>
+          <p:cNvCxnSpPr>
+            <a:cxnSpLocks/>
+          </p:cNvCxnSpPr>
+          <p:nvPr/>
+        </p:nvCxnSpPr>
+        <p:spPr>
+          <a:xfrm flipH="1">
+            <a:off x="2781394" y="3629659"/>
+            <a:ext cx="222758" cy="233954"/>
+          </a:xfrm>
+          <a:prstGeom prst="line">
+            <a:avLst/>
+          </a:prstGeom>
+          <a:ln>
+            <a:prstDash val="dash"/>
+          </a:ln>
+        </p:spPr>
+        <p:style>
+          <a:lnRef idx="2">
+            <a:schemeClr val="accent1"/>
+          </a:lnRef>
+          <a:fillRef idx="0">
+            <a:schemeClr val="accent1"/>
+          </a:fillRef>
+          <a:effectRef idx="1">
+            <a:schemeClr val="accent1"/>
+          </a:effectRef>
+          <a:fontRef idx="minor">
+            <a:schemeClr val="tx1"/>
+          </a:fontRef>
+        </p:style>
+      </p:cxnSp>
+      <p:cxnSp>
+        <p:nvCxnSpPr>
+          <p:cNvPr id="18" name="Straight Connector 17">
+            <a:extLst>
+              <a:ext uri="{FF2B5EF4-FFF2-40B4-BE49-F238E27FC236}">
+                <a16:creationId xmlns:a16="http://schemas.microsoft.com/office/drawing/2014/main" id="{F15026EF-157F-4792-FC59-64D4BDA2F987}"/>
+              </a:ext>
+            </a:extLst>
+          </p:cNvPr>
+          <p:cNvCxnSpPr>
+            <a:cxnSpLocks/>
+          </p:cNvCxnSpPr>
+          <p:nvPr/>
+        </p:nvCxnSpPr>
+        <p:spPr>
+          <a:xfrm flipH="1">
+            <a:off x="9140692" y="2940823"/>
+            <a:ext cx="193860" cy="179567"/>
+          </a:xfrm>
+          <a:prstGeom prst="line">
+            <a:avLst/>
+          </a:prstGeom>
+          <a:ln>
+            <a:prstDash val="dash"/>
+          </a:ln>
+        </p:spPr>
+        <p:style>
+          <a:lnRef idx="2">
+            <a:schemeClr val="accent1"/>
+          </a:lnRef>
+          <a:fillRef idx="0">
+            <a:schemeClr val="accent1"/>
+          </a:fillRef>
+          <a:effectRef idx="1">
+            <a:schemeClr val="accent1"/>
+          </a:effectRef>
+          <a:fontRef idx="minor">
+            <a:schemeClr val="tx1"/>
+          </a:fontRef>
+        </p:style>
+      </p:cxnSp>
+      <p:cxnSp>
+        <p:nvCxnSpPr>
+          <p:cNvPr id="26" name="Straight Arrow Connector 25">
+            <a:extLst>
+              <a:ext uri="{FF2B5EF4-FFF2-40B4-BE49-F238E27FC236}">
+                <a16:creationId xmlns:a16="http://schemas.microsoft.com/office/drawing/2014/main" id="{0402C88B-0446-EF35-5BF6-62B92C104B14}"/>
+              </a:ext>
+            </a:extLst>
+          </p:cNvPr>
+          <p:cNvCxnSpPr>
+            <a:cxnSpLocks/>
+          </p:cNvCxnSpPr>
+          <p:nvPr/>
+        </p:nvCxnSpPr>
+        <p:spPr>
+          <a:xfrm flipV="1">
+            <a:off x="2789502" y="3950604"/>
+            <a:ext cx="0" cy="777286"/>
+          </a:xfrm>
+          <a:prstGeom prst="straightConnector1">
+            <a:avLst/>
+          </a:prstGeom>
+          <a:ln>
+            <a:tailEnd type="triangle" w="lg" len="lg"/>
+          </a:ln>
+        </p:spPr>
+        <p:style>
+          <a:lnRef idx="2">
+            <a:schemeClr val="accent1"/>
+          </a:lnRef>
+          <a:fillRef idx="0">
+            <a:schemeClr val="accent1"/>
+          </a:fillRef>
+          <a:effectRef idx="1">
+            <a:schemeClr val="accent1"/>
+          </a:effectRef>
+          <a:fontRef idx="minor">
+            <a:schemeClr val="tx1"/>
+          </a:fontRef>
+        </p:style>
+      </p:cxnSp>
+      <p:cxnSp>
+        <p:nvCxnSpPr>
+          <p:cNvPr id="38" name="Straight Arrow Connector 37">
+            <a:extLst>
+              <a:ext uri="{FF2B5EF4-FFF2-40B4-BE49-F238E27FC236}">
+                <a16:creationId xmlns:a16="http://schemas.microsoft.com/office/drawing/2014/main" id="{1C31E14E-D0F3-5C4F-405F-10309E126BEF}"/>
+              </a:ext>
+            </a:extLst>
+          </p:cNvPr>
+          <p:cNvCxnSpPr>
+            <a:cxnSpLocks/>
+          </p:cNvCxnSpPr>
+          <p:nvPr/>
+        </p:nvCxnSpPr>
+        <p:spPr>
+          <a:xfrm>
+            <a:off x="3004152" y="2067375"/>
+            <a:ext cx="0" cy="777286"/>
+          </a:xfrm>
+          <a:prstGeom prst="straightConnector1">
+            <a:avLst/>
+          </a:prstGeom>
+          <a:ln>
+            <a:tailEnd type="triangle" w="lg" len="lg"/>
+          </a:ln>
+        </p:spPr>
+        <p:style>
+          <a:lnRef idx="2">
+            <a:schemeClr val="accent1"/>
+          </a:lnRef>
+          <a:fillRef idx="0">
+            <a:schemeClr val="accent1"/>
+          </a:fillRef>
+          <a:effectRef idx="1">
+            <a:schemeClr val="accent1"/>
+          </a:effectRef>
+          <a:fontRef idx="minor">
+            <a:schemeClr val="tx1"/>
+          </a:fontRef>
+        </p:style>
+      </p:cxnSp>
+      <p:cxnSp>
+        <p:nvCxnSpPr>
+          <p:cNvPr id="39" name="Straight Arrow Connector 38">
+            <a:extLst>
+              <a:ext uri="{FF2B5EF4-FFF2-40B4-BE49-F238E27FC236}">
+                <a16:creationId xmlns:a16="http://schemas.microsoft.com/office/drawing/2014/main" id="{B1D8E6F1-457D-67BC-F4A9-AC99B7A64CA7}"/>
+              </a:ext>
+            </a:extLst>
+          </p:cNvPr>
+          <p:cNvCxnSpPr>
+            <a:cxnSpLocks/>
+          </p:cNvCxnSpPr>
+          <p:nvPr/>
+        </p:nvCxnSpPr>
+        <p:spPr>
+          <a:xfrm flipH="1">
+            <a:off x="9336549" y="2347065"/>
+            <a:ext cx="182011" cy="565534"/>
+          </a:xfrm>
+          <a:prstGeom prst="straightConnector1">
+            <a:avLst/>
+          </a:prstGeom>
+          <a:ln>
+            <a:tailEnd type="triangle" w="lg" len="lg"/>
+          </a:ln>
+        </p:spPr>
+        <p:style>
+          <a:lnRef idx="2">
+            <a:schemeClr val="accent1"/>
+          </a:lnRef>
+          <a:fillRef idx="0">
+            <a:schemeClr val="accent1"/>
+          </a:fillRef>
+          <a:effectRef idx="1">
+            <a:schemeClr val="accent1"/>
+          </a:effectRef>
+          <a:fontRef idx="minor">
+            <a:schemeClr val="tx1"/>
+          </a:fontRef>
+        </p:style>
+      </p:cxnSp>
+      <p:cxnSp>
+        <p:nvCxnSpPr>
+          <p:cNvPr id="40" name="Straight Arrow Connector 39">
+            <a:extLst>
+              <a:ext uri="{FF2B5EF4-FFF2-40B4-BE49-F238E27FC236}">
+                <a16:creationId xmlns:a16="http://schemas.microsoft.com/office/drawing/2014/main" id="{0CCCCB14-25FC-5AB7-4328-8D74170C1C7B}"/>
+              </a:ext>
+            </a:extLst>
+          </p:cNvPr>
+          <p:cNvCxnSpPr>
+            <a:cxnSpLocks/>
+          </p:cNvCxnSpPr>
+          <p:nvPr/>
+        </p:nvCxnSpPr>
+        <p:spPr>
+          <a:xfrm flipV="1">
+            <a:off x="9376429" y="4095130"/>
+            <a:ext cx="0" cy="777286"/>
+          </a:xfrm>
+          <a:prstGeom prst="straightConnector1">
+            <a:avLst/>
+          </a:prstGeom>
+          <a:ln>
+            <a:tailEnd type="triangle" w="lg" len="lg"/>
+          </a:ln>
+        </p:spPr>
+        <p:style>
+          <a:lnRef idx="2">
+            <a:schemeClr val="accent1"/>
+          </a:lnRef>
+          <a:fillRef idx="0">
+            <a:schemeClr val="accent1"/>
+          </a:fillRef>
+          <a:effectRef idx="1">
+            <a:schemeClr val="accent1"/>
+          </a:effectRef>
+          <a:fontRef idx="minor">
+            <a:schemeClr val="tx1"/>
+          </a:fontRef>
+        </p:style>
+      </p:cxnSp>
+      <mc:AlternateContent xmlns:mc="http://schemas.openxmlformats.org/markup-compatibility/2006">
+        <mc:Choice xmlns:a14="http://schemas.microsoft.com/office/drawing/2010/main" Requires="a14">
+          <p:sp>
+            <p:nvSpPr>
+              <p:cNvPr id="41" name="TextBox 40">
+                <a:extLst>
+                  <a:ext uri="{FF2B5EF4-FFF2-40B4-BE49-F238E27FC236}">
+                    <a16:creationId xmlns:a16="http://schemas.microsoft.com/office/drawing/2014/main" id="{9062BAFA-3BE5-43C5-8BFE-2E602BE4BF59}"/>
+                  </a:ext>
+                </a:extLst>
+              </p:cNvPr>
+              <p:cNvSpPr txBox="1"/>
+              <p:nvPr/>
+            </p:nvSpPr>
+            <p:spPr>
+              <a:xfrm>
+                <a:off x="8976424" y="1740565"/>
+                <a:ext cx="1084271" cy="523220"/>
+              </a:xfrm>
+              <a:prstGeom prst="rect">
+                <a:avLst/>
+              </a:prstGeom>
+              <a:noFill/>
+            </p:spPr>
+            <p:txBody>
+              <a:bodyPr wrap="none" rtlCol="0">
+                <a:spAutoFit/>
+              </a:bodyPr>
+              <a:lstStyle/>
+              <a:p>
+                <a:pPr/>
+                <a14:m>
+                  <m:oMathPara xmlns:m="http://schemas.openxmlformats.org/officeDocument/2006/math">
+                    <m:oMathParaPr>
+                      <m:jc m:val="centerGroup"/>
+                    </m:oMathParaPr>
+                    <m:oMath xmlns:m="http://schemas.openxmlformats.org/officeDocument/2006/math">
+                      <m:sSub>
+                        <m:sSubPr>
+                          <m:ctrlPr>
+                            <a:rPr lang="en-US" sz="2800" i="1" smtClean="0">
+                              <a:latin typeface="Cambria Math" panose="02040503050406030204" pitchFamily="18" charset="0"/>
+                            </a:rPr>
+                          </m:ctrlPr>
+                        </m:sSubPr>
+                        <m:e>
+                          <m:r>
+                            <a:rPr lang="en-US" sz="2800" b="0" i="1" smtClean="0">
+                              <a:latin typeface="Cambria Math" panose="02040503050406030204" pitchFamily="18" charset="0"/>
+                            </a:rPr>
+                            <m:t>𝑃</m:t>
+                          </m:r>
+                        </m:e>
+                        <m:sub>
+                          <m:r>
+                            <a:rPr lang="en-US" sz="2800" b="0" i="1" smtClean="0">
+                              <a:latin typeface="Cambria Math" panose="02040503050406030204" pitchFamily="18" charset="0"/>
+                            </a:rPr>
+                            <m:t>𝑢</m:t>
+                          </m:r>
+                          <m:r>
+                            <a:rPr lang="de-DE" sz="2800" b="0" i="1" smtClean="0">
+                              <a:latin typeface="Cambria Math" panose="02040503050406030204" pitchFamily="18" charset="0"/>
+                            </a:rPr>
+                            <m:t>3</m:t>
+                          </m:r>
+                          <m:r>
+                            <a:rPr lang="de-DE" sz="2800" b="0" i="1" smtClean="0">
+                              <a:latin typeface="Cambria Math" panose="02040503050406030204" pitchFamily="18" charset="0"/>
+                            </a:rPr>
+                            <m:t>2</m:t>
+                          </m:r>
+                          <m:r>
+                            <a:rPr lang="en-US" sz="2800" b="0" i="1" smtClean="0">
+                              <a:latin typeface="Cambria Math" panose="02040503050406030204" pitchFamily="18" charset="0"/>
+                            </a:rPr>
+                            <m:t>2</m:t>
+                          </m:r>
+                        </m:sub>
+                      </m:sSub>
+                    </m:oMath>
+                  </m:oMathPara>
+                </a14:m>
+                <a:endParaRPr lang="en-US" sz="2800" dirty="0"/>
+              </a:p>
+            </p:txBody>
+          </p:sp>
+        </mc:Choice>
+        <mc:Fallback>
+          <p:sp>
+            <p:nvSpPr>
+              <p:cNvPr id="41" name="TextBox 40">
+                <a:extLst>
+                  <a:ext uri="{FF2B5EF4-FFF2-40B4-BE49-F238E27FC236}">
+                    <a16:creationId xmlns:a16="http://schemas.microsoft.com/office/drawing/2014/main" id="{9062BAFA-3BE5-43C5-8BFE-2E602BE4BF59}"/>
+                  </a:ext>
+                </a:extLst>
+              </p:cNvPr>
+              <p:cNvSpPr txBox="1">
+                <a:spLocks noRot="1" noChangeAspect="1" noMove="1" noResize="1" noEditPoints="1" noAdjustHandles="1" noChangeArrowheads="1" noChangeShapeType="1" noTextEdit="1"/>
+              </p:cNvSpPr>
+              <p:nvPr/>
+            </p:nvSpPr>
+            <p:spPr>
+              <a:xfrm>
+                <a:off x="8976424" y="1740565"/>
+                <a:ext cx="1084271" cy="523220"/>
+              </a:xfrm>
+              <a:prstGeom prst="rect">
+                <a:avLst/>
+              </a:prstGeom>
+              <a:blipFill>
+                <a:blip r:embed="rId22"/>
+                <a:stretch>
+                  <a:fillRect/>
+                </a:stretch>
+              </a:blipFill>
+            </p:spPr>
+            <p:txBody>
+              <a:bodyPr/>
+              <a:lstStyle/>
+              <a:p>
+                <a:r>
+                  <a:rPr lang="en-US">
+                    <a:noFill/>
+                  </a:rPr>
+                  <a:t> </a:t>
+                </a:r>
+              </a:p>
+            </p:txBody>
+          </p:sp>
+        </mc:Fallback>
+      </mc:AlternateContent>
+      <mc:AlternateContent xmlns:mc="http://schemas.openxmlformats.org/markup-compatibility/2006">
+        <mc:Choice xmlns:a14="http://schemas.microsoft.com/office/drawing/2010/main" Requires="a14">
+          <p:sp>
+            <p:nvSpPr>
+              <p:cNvPr id="44" name="TextBox 43">
+                <a:extLst>
+                  <a:ext uri="{FF2B5EF4-FFF2-40B4-BE49-F238E27FC236}">
+                    <a16:creationId xmlns:a16="http://schemas.microsoft.com/office/drawing/2014/main" id="{F34219AA-F6C9-30DA-282E-E09C079598E1}"/>
+                  </a:ext>
+                </a:extLst>
+              </p:cNvPr>
+              <p:cNvSpPr txBox="1"/>
+              <p:nvPr/>
+            </p:nvSpPr>
+            <p:spPr>
+              <a:xfrm>
+                <a:off x="8959155" y="4891419"/>
+                <a:ext cx="1084271" cy="523220"/>
+              </a:xfrm>
+              <a:prstGeom prst="rect">
+                <a:avLst/>
+              </a:prstGeom>
+              <a:noFill/>
+            </p:spPr>
+            <p:txBody>
+              <a:bodyPr wrap="none" rtlCol="0">
+                <a:spAutoFit/>
+              </a:bodyPr>
+              <a:lstStyle/>
+              <a:p>
+                <a:pPr/>
+                <a14:m>
+                  <m:oMathPara xmlns:m="http://schemas.openxmlformats.org/officeDocument/2006/math">
+                    <m:oMathParaPr>
+                      <m:jc m:val="centerGroup"/>
+                    </m:oMathParaPr>
+                    <m:oMath xmlns:m="http://schemas.openxmlformats.org/officeDocument/2006/math">
+                      <m:sSub>
+                        <m:sSubPr>
+                          <m:ctrlPr>
+                            <a:rPr lang="en-US" sz="2800" i="1" smtClean="0">
+                              <a:latin typeface="Cambria Math" panose="02040503050406030204" pitchFamily="18" charset="0"/>
+                            </a:rPr>
+                          </m:ctrlPr>
+                        </m:sSubPr>
+                        <m:e>
+                          <m:r>
+                            <a:rPr lang="en-US" sz="2800" b="0" i="1" smtClean="0">
+                              <a:latin typeface="Cambria Math" panose="02040503050406030204" pitchFamily="18" charset="0"/>
+                            </a:rPr>
+                            <m:t>𝑃</m:t>
+                          </m:r>
+                        </m:e>
+                        <m:sub>
+                          <m:r>
+                            <a:rPr lang="en-US" sz="2800" b="0" i="1" smtClean="0">
+                              <a:latin typeface="Cambria Math" panose="02040503050406030204" pitchFamily="18" charset="0"/>
+                            </a:rPr>
+                            <m:t>𝑢</m:t>
+                          </m:r>
+                          <m:r>
+                            <a:rPr lang="de-DE" sz="2800" b="0" i="1" smtClean="0">
+                              <a:latin typeface="Cambria Math" panose="02040503050406030204" pitchFamily="18" charset="0"/>
+                            </a:rPr>
+                            <m:t>2</m:t>
+                          </m:r>
+                          <m:r>
+                            <a:rPr lang="en-US" sz="2800" b="0" i="1" smtClean="0">
+                              <a:latin typeface="Cambria Math" panose="02040503050406030204" pitchFamily="18" charset="0"/>
+                            </a:rPr>
+                            <m:t>22</m:t>
+                          </m:r>
+                        </m:sub>
+                      </m:sSub>
+                    </m:oMath>
+                  </m:oMathPara>
+                </a14:m>
+                <a:endParaRPr lang="en-US" sz="2800" dirty="0"/>
+              </a:p>
+            </p:txBody>
+          </p:sp>
+        </mc:Choice>
+        <mc:Fallback>
+          <p:sp>
+            <p:nvSpPr>
+              <p:cNvPr id="44" name="TextBox 43">
+                <a:extLst>
+                  <a:ext uri="{FF2B5EF4-FFF2-40B4-BE49-F238E27FC236}">
+                    <a16:creationId xmlns:a16="http://schemas.microsoft.com/office/drawing/2014/main" id="{F34219AA-F6C9-30DA-282E-E09C079598E1}"/>
+                  </a:ext>
+                </a:extLst>
+              </p:cNvPr>
+              <p:cNvSpPr txBox="1">
+                <a:spLocks noRot="1" noChangeAspect="1" noMove="1" noResize="1" noEditPoints="1" noAdjustHandles="1" noChangeArrowheads="1" noChangeShapeType="1" noTextEdit="1"/>
+              </p:cNvSpPr>
+              <p:nvPr/>
+            </p:nvSpPr>
+            <p:spPr>
+              <a:xfrm>
+                <a:off x="8959155" y="4891419"/>
+                <a:ext cx="1084271" cy="523220"/>
+              </a:xfrm>
+              <a:prstGeom prst="rect">
+                <a:avLst/>
+              </a:prstGeom>
+              <a:blipFill>
+                <a:blip r:embed="rId23"/>
+                <a:stretch>
+                  <a:fillRect/>
+                </a:stretch>
+              </a:blipFill>
+            </p:spPr>
+            <p:txBody>
+              <a:bodyPr/>
+              <a:lstStyle/>
+              <a:p>
+                <a:r>
+                  <a:rPr lang="en-US">
+                    <a:noFill/>
+                  </a:rPr>
+                  <a:t> </a:t>
+                </a:r>
+              </a:p>
+            </p:txBody>
+          </p:sp>
+        </mc:Fallback>
+      </mc:AlternateContent>
+      <mc:AlternateContent xmlns:mc="http://schemas.openxmlformats.org/markup-compatibility/2006" xmlns:a14="http://schemas.microsoft.com/office/drawing/2010/main">
+        <mc:Choice Requires="a14">
+          <p:sp>
+            <p:nvSpPr>
+              <p:cNvPr id="45" name="TextBox 44">
+                <a:extLst>
+                  <a:ext uri="{FF2B5EF4-FFF2-40B4-BE49-F238E27FC236}">
+                    <a16:creationId xmlns:a16="http://schemas.microsoft.com/office/drawing/2014/main" id="{DC7382F3-BEEF-05A3-9C87-411D92471F62}"/>
+                  </a:ext>
+                </a:extLst>
+              </p:cNvPr>
+              <p:cNvSpPr txBox="1"/>
+              <p:nvPr/>
+            </p:nvSpPr>
+            <p:spPr>
+              <a:xfrm>
+                <a:off x="2604994" y="1383691"/>
+                <a:ext cx="1084271" cy="523220"/>
+              </a:xfrm>
+              <a:prstGeom prst="rect">
+                <a:avLst/>
+              </a:prstGeom>
+              <a:noFill/>
+            </p:spPr>
+            <p:txBody>
+              <a:bodyPr wrap="none" rtlCol="0">
+                <a:spAutoFit/>
+              </a:bodyPr>
+              <a:lstStyle/>
+              <a:p>
+                <a:pPr/>
+                <a14:m>
+                  <m:oMathPara xmlns:m="http://schemas.openxmlformats.org/officeDocument/2006/math">
+                    <m:oMathParaPr>
+                      <m:jc m:val="centerGroup"/>
+                    </m:oMathParaPr>
+                    <m:oMath xmlns:m="http://schemas.openxmlformats.org/officeDocument/2006/math">
+                      <m:sSub>
+                        <m:sSubPr>
+                          <m:ctrlPr>
+                            <a:rPr lang="en-US" sz="2800" i="1" smtClean="0">
+                              <a:latin typeface="Cambria Math" panose="02040503050406030204" pitchFamily="18" charset="0"/>
+                            </a:rPr>
+                          </m:ctrlPr>
+                        </m:sSubPr>
+                        <m:e>
+                          <m:r>
+                            <a:rPr lang="en-US" sz="2800" b="0" i="1" smtClean="0">
+                              <a:latin typeface="Cambria Math" panose="02040503050406030204" pitchFamily="18" charset="0"/>
+                            </a:rPr>
+                            <m:t>𝑃</m:t>
+                          </m:r>
+                        </m:e>
+                        <m:sub>
+                          <m:r>
+                            <a:rPr lang="en-US" sz="2800" b="0" i="1" smtClean="0">
+                              <a:latin typeface="Cambria Math" panose="02040503050406030204" pitchFamily="18" charset="0"/>
+                            </a:rPr>
+                            <m:t>𝑢</m:t>
+                          </m:r>
+                          <m:r>
+                            <a:rPr lang="en-US" sz="2800" b="0" i="1" smtClean="0">
+                              <a:latin typeface="Cambria Math" panose="02040503050406030204" pitchFamily="18" charset="0"/>
+                            </a:rPr>
+                            <m:t>210</m:t>
+                          </m:r>
+                        </m:sub>
+                      </m:sSub>
+                    </m:oMath>
+                  </m:oMathPara>
+                </a14:m>
+                <a:endParaRPr lang="en-US" sz="2800" dirty="0"/>
+              </a:p>
+            </p:txBody>
+          </p:sp>
+        </mc:Choice>
+        <mc:Fallback xmlns="">
+          <p:sp>
+            <p:nvSpPr>
+              <p:cNvPr id="45" name="TextBox 44">
+                <a:extLst>
+                  <a:ext uri="{FF2B5EF4-FFF2-40B4-BE49-F238E27FC236}">
+                    <a16:creationId xmlns:a16="http://schemas.microsoft.com/office/drawing/2014/main" id="{DC7382F3-BEEF-05A3-9C87-411D92471F62}"/>
+                  </a:ext>
+                </a:extLst>
+              </p:cNvPr>
+              <p:cNvSpPr txBox="1">
+                <a:spLocks noRot="1" noChangeAspect="1" noMove="1" noResize="1" noEditPoints="1" noAdjustHandles="1" noChangeArrowheads="1" noChangeShapeType="1" noTextEdit="1"/>
+              </p:cNvSpPr>
+              <p:nvPr/>
+            </p:nvSpPr>
+            <p:spPr>
+              <a:xfrm>
+                <a:off x="2604994" y="1383691"/>
+                <a:ext cx="1084271" cy="523220"/>
+              </a:xfrm>
+              <a:prstGeom prst="rect">
+                <a:avLst/>
+              </a:prstGeom>
+              <a:blipFill>
+                <a:blip r:embed="rId26"/>
+                <a:stretch>
+                  <a:fillRect/>
+                </a:stretch>
+              </a:blipFill>
+            </p:spPr>
+            <p:txBody>
+              <a:bodyPr/>
+              <a:lstStyle/>
+              <a:p>
+                <a:r>
+                  <a:rPr lang="en-US">
+                    <a:noFill/>
+                  </a:rPr>
+                  <a:t> </a:t>
+                </a:r>
+              </a:p>
+            </p:txBody>
+          </p:sp>
+        </mc:Fallback>
+      </mc:AlternateContent>
+      <mc:AlternateContent xmlns:mc="http://schemas.openxmlformats.org/markup-compatibility/2006">
+        <mc:Choice xmlns:a14="http://schemas.microsoft.com/office/drawing/2010/main" Requires="a14">
+          <p:sp>
+            <p:nvSpPr>
+              <p:cNvPr id="46" name="TextBox 45">
+                <a:extLst>
+                  <a:ext uri="{FF2B5EF4-FFF2-40B4-BE49-F238E27FC236}">
+                    <a16:creationId xmlns:a16="http://schemas.microsoft.com/office/drawing/2014/main" id="{89054BAC-BD5B-04A6-53B8-D6354A4C8EA1}"/>
+                  </a:ext>
+                </a:extLst>
+              </p:cNvPr>
+              <p:cNvSpPr txBox="1"/>
+              <p:nvPr/>
+            </p:nvSpPr>
+            <p:spPr>
+              <a:xfrm>
+                <a:off x="2433383" y="4701596"/>
+                <a:ext cx="1084271" cy="523220"/>
+              </a:xfrm>
+              <a:prstGeom prst="rect">
+                <a:avLst/>
+              </a:prstGeom>
+              <a:noFill/>
+            </p:spPr>
+            <p:txBody>
+              <a:bodyPr wrap="none" rtlCol="0">
+                <a:spAutoFit/>
+              </a:bodyPr>
+              <a:lstStyle/>
+              <a:p>
+                <a:pPr/>
+                <a14:m>
+                  <m:oMathPara xmlns:m="http://schemas.openxmlformats.org/officeDocument/2006/math">
+                    <m:oMathParaPr>
+                      <m:jc m:val="centerGroup"/>
+                    </m:oMathParaPr>
+                    <m:oMath xmlns:m="http://schemas.openxmlformats.org/officeDocument/2006/math">
+                      <m:sSub>
+                        <m:sSubPr>
+                          <m:ctrlPr>
+                            <a:rPr lang="en-US" sz="2800" i="1" smtClean="0">
+                              <a:latin typeface="Cambria Math" panose="02040503050406030204" pitchFamily="18" charset="0"/>
+                            </a:rPr>
+                          </m:ctrlPr>
+                        </m:sSubPr>
+                        <m:e>
+                          <m:r>
+                            <a:rPr lang="en-US" sz="2800" b="0" i="1" smtClean="0">
+                              <a:latin typeface="Cambria Math" panose="02040503050406030204" pitchFamily="18" charset="0"/>
+                            </a:rPr>
+                            <m:t>𝑃</m:t>
+                          </m:r>
+                        </m:e>
+                        <m:sub>
+                          <m:r>
+                            <a:rPr lang="en-US" sz="2800" b="0" i="1" smtClean="0">
+                              <a:latin typeface="Cambria Math" panose="02040503050406030204" pitchFamily="18" charset="0"/>
+                            </a:rPr>
+                            <m:t>𝑢</m:t>
+                          </m:r>
+                          <m:r>
+                            <a:rPr lang="de-DE" sz="2800" b="0" i="1" smtClean="0">
+                              <a:latin typeface="Cambria Math" panose="02040503050406030204" pitchFamily="18" charset="0"/>
+                            </a:rPr>
+                            <m:t>2</m:t>
+                          </m:r>
+                          <m:r>
+                            <a:rPr lang="en-US" sz="2800" b="0" i="1" smtClean="0">
+                              <a:latin typeface="Cambria Math" panose="02040503050406030204" pitchFamily="18" charset="0"/>
+                            </a:rPr>
+                            <m:t>10</m:t>
+                          </m:r>
+                        </m:sub>
+                      </m:sSub>
+                    </m:oMath>
+                  </m:oMathPara>
+                </a14:m>
+                <a:endParaRPr lang="en-US" sz="2800" dirty="0"/>
+              </a:p>
+            </p:txBody>
+          </p:sp>
+        </mc:Choice>
+        <mc:Fallback>
+          <p:sp>
+            <p:nvSpPr>
+              <p:cNvPr id="46" name="TextBox 45">
+                <a:extLst>
+                  <a:ext uri="{FF2B5EF4-FFF2-40B4-BE49-F238E27FC236}">
+                    <a16:creationId xmlns:a16="http://schemas.microsoft.com/office/drawing/2014/main" id="{89054BAC-BD5B-04A6-53B8-D6354A4C8EA1}"/>
+                  </a:ext>
+                </a:extLst>
+              </p:cNvPr>
+              <p:cNvSpPr txBox="1">
+                <a:spLocks noRot="1" noChangeAspect="1" noMove="1" noResize="1" noEditPoints="1" noAdjustHandles="1" noChangeArrowheads="1" noChangeShapeType="1" noTextEdit="1"/>
+              </p:cNvSpPr>
+              <p:nvPr/>
+            </p:nvSpPr>
+            <p:spPr>
+              <a:xfrm>
+                <a:off x="2433383" y="4701596"/>
+                <a:ext cx="1084271" cy="523220"/>
+              </a:xfrm>
+              <a:prstGeom prst="rect">
+                <a:avLst/>
+              </a:prstGeom>
+              <a:blipFill>
+                <a:blip r:embed="rId27"/>
+                <a:stretch>
+                  <a:fillRect/>
+                </a:stretch>
+              </a:blipFill>
+            </p:spPr>
+            <p:txBody>
+              <a:bodyPr/>
+              <a:lstStyle/>
+              <a:p>
+                <a:r>
+                  <a:rPr lang="en-US">
+                    <a:noFill/>
+                  </a:rPr>
+                  <a:t> </a:t>
+                </a:r>
+              </a:p>
+            </p:txBody>
+          </p:sp>
+        </mc:Fallback>
+      </mc:AlternateContent>
+      <p:cxnSp>
+        <p:nvCxnSpPr>
+          <p:cNvPr id="9" name="Straight Connector 8">
+            <a:extLst>
+              <a:ext uri="{FF2B5EF4-FFF2-40B4-BE49-F238E27FC236}">
+                <a16:creationId xmlns:a16="http://schemas.microsoft.com/office/drawing/2014/main" id="{D7B5FB9B-A240-BAE6-7397-82FC7037084B}"/>
+              </a:ext>
+            </a:extLst>
+          </p:cNvPr>
+          <p:cNvCxnSpPr>
+            <a:cxnSpLocks/>
+          </p:cNvCxnSpPr>
+          <p:nvPr/>
+        </p:nvCxnSpPr>
+        <p:spPr>
+          <a:xfrm flipV="1">
+            <a:off x="2500677" y="3392455"/>
+            <a:ext cx="7101878" cy="5549"/>
+          </a:xfrm>
+          <a:prstGeom prst="line">
+            <a:avLst/>
+          </a:prstGeom>
+          <a:ln>
+            <a:solidFill>
+              <a:schemeClr val="tx1"/>
+            </a:solidFill>
+            <a:prstDash val="dash"/>
+            <a:headEnd type="stealth" w="lg" len="lg"/>
+            <a:tailEnd type="stealth" w="lg" len="lg"/>
+          </a:ln>
+        </p:spPr>
+        <p:style>
+          <a:lnRef idx="2">
+            <a:schemeClr val="accent1"/>
+          </a:lnRef>
+          <a:fillRef idx="0">
+            <a:schemeClr val="accent1"/>
+          </a:fillRef>
+          <a:effectRef idx="1">
+            <a:schemeClr val="accent1"/>
+          </a:effectRef>
+          <a:fontRef idx="minor">
+            <a:schemeClr val="tx1"/>
+          </a:fontRef>
+        </p:style>
+      </p:cxnSp>
+      <p:cxnSp>
+        <p:nvCxnSpPr>
+          <p:cNvPr id="8" name="Straight Connector 7">
+            <a:extLst>
+              <a:ext uri="{FF2B5EF4-FFF2-40B4-BE49-F238E27FC236}">
+                <a16:creationId xmlns:a16="http://schemas.microsoft.com/office/drawing/2014/main" id="{63253F96-82A4-A106-A159-B7A3709BDD63}"/>
+              </a:ext>
+            </a:extLst>
+          </p:cNvPr>
+          <p:cNvCxnSpPr>
+            <a:cxnSpLocks/>
+          </p:cNvCxnSpPr>
+          <p:nvPr/>
+        </p:nvCxnSpPr>
+        <p:spPr>
+          <a:xfrm>
+            <a:off x="9091665" y="3664572"/>
+            <a:ext cx="657454" cy="0"/>
+          </a:xfrm>
+          <a:prstGeom prst="line">
+            <a:avLst/>
+          </a:prstGeom>
+          <a:ln>
+            <a:prstDash val="dash"/>
+          </a:ln>
+        </p:spPr>
+        <p:style>
+          <a:lnRef idx="2">
+            <a:schemeClr val="accent1"/>
+          </a:lnRef>
+          <a:fillRef idx="0">
+            <a:schemeClr val="accent1"/>
+          </a:fillRef>
+          <a:effectRef idx="1">
+            <a:schemeClr val="accent1"/>
+          </a:effectRef>
+          <a:fontRef idx="minor">
+            <a:schemeClr val="tx1"/>
+          </a:fontRef>
+        </p:style>
+      </p:cxnSp>
+      <p:cxnSp>
+        <p:nvCxnSpPr>
+          <p:cNvPr id="17" name="Straight Connector 16">
+            <a:extLst>
+              <a:ext uri="{FF2B5EF4-FFF2-40B4-BE49-F238E27FC236}">
+                <a16:creationId xmlns:a16="http://schemas.microsoft.com/office/drawing/2014/main" id="{13FD51F8-1624-73B8-4374-BD66D1FFD186}"/>
+              </a:ext>
+            </a:extLst>
+          </p:cNvPr>
+          <p:cNvCxnSpPr>
+            <a:cxnSpLocks/>
+          </p:cNvCxnSpPr>
+          <p:nvPr/>
+        </p:nvCxnSpPr>
+        <p:spPr>
+          <a:xfrm>
+            <a:off x="9158573" y="3120390"/>
+            <a:ext cx="465369" cy="0"/>
+          </a:xfrm>
+          <a:prstGeom prst="line">
+            <a:avLst/>
+          </a:prstGeom>
+          <a:ln>
+            <a:prstDash val="dash"/>
+          </a:ln>
+        </p:spPr>
+        <p:style>
+          <a:lnRef idx="2">
+            <a:schemeClr val="accent1"/>
+          </a:lnRef>
+          <a:fillRef idx="0">
+            <a:schemeClr val="accent1"/>
+          </a:fillRef>
+          <a:effectRef idx="1">
+            <a:schemeClr val="accent1"/>
+          </a:effectRef>
+          <a:fontRef idx="minor">
+            <a:schemeClr val="tx1"/>
+          </a:fontRef>
+        </p:style>
+      </p:cxnSp>
+      <p:cxnSp>
+        <p:nvCxnSpPr>
+          <p:cNvPr id="49" name="Straight Connector 48">
+            <a:extLst>
+              <a:ext uri="{FF2B5EF4-FFF2-40B4-BE49-F238E27FC236}">
+                <a16:creationId xmlns:a16="http://schemas.microsoft.com/office/drawing/2014/main" id="{5281A1EE-183A-C71A-07FB-F838F17C16F2}"/>
+              </a:ext>
+            </a:extLst>
+          </p:cNvPr>
+          <p:cNvCxnSpPr>
+            <a:cxnSpLocks/>
+          </p:cNvCxnSpPr>
+          <p:nvPr/>
+        </p:nvCxnSpPr>
+        <p:spPr>
+          <a:xfrm>
+            <a:off x="10325277" y="3114036"/>
+            <a:ext cx="0" cy="548640"/>
+          </a:xfrm>
+          <a:prstGeom prst="line">
+            <a:avLst/>
+          </a:prstGeom>
+        </p:spPr>
+        <p:style>
+          <a:lnRef idx="2">
+            <a:schemeClr val="accent1"/>
+          </a:lnRef>
+          <a:fillRef idx="0">
+            <a:schemeClr val="accent1"/>
+          </a:fillRef>
+          <a:effectRef idx="1">
+            <a:schemeClr val="accent1"/>
+          </a:effectRef>
+          <a:fontRef idx="minor">
+            <a:schemeClr val="tx1"/>
+          </a:fontRef>
+        </p:style>
+      </p:cxnSp>
+      <p:cxnSp>
+        <p:nvCxnSpPr>
+          <p:cNvPr id="51" name="Straight Connector 50">
+            <a:extLst>
+              <a:ext uri="{FF2B5EF4-FFF2-40B4-BE49-F238E27FC236}">
+                <a16:creationId xmlns:a16="http://schemas.microsoft.com/office/drawing/2014/main" id="{6C1A4B13-F3A9-B709-FC49-92421BE02339}"/>
+              </a:ext>
+            </a:extLst>
+          </p:cNvPr>
+          <p:cNvCxnSpPr>
+            <a:cxnSpLocks/>
+          </p:cNvCxnSpPr>
+          <p:nvPr/>
+        </p:nvCxnSpPr>
+        <p:spPr>
+          <a:xfrm>
+            <a:off x="6600290" y="921768"/>
+            <a:ext cx="3095660" cy="1990831"/>
+          </a:xfrm>
+          <a:prstGeom prst="line">
+            <a:avLst/>
+          </a:prstGeom>
+          <a:ln>
+            <a:solidFill>
+              <a:schemeClr val="tx1"/>
+            </a:solidFill>
+            <a:prstDash val="dash"/>
+            <a:headEnd type="stealth" w="lg" len="lg"/>
+            <a:tailEnd type="stealth" w="lg" len="lg"/>
+          </a:ln>
+        </p:spPr>
+        <p:style>
+          <a:lnRef idx="2">
+            <a:schemeClr val="accent1"/>
+          </a:lnRef>
+          <a:fillRef idx="0">
+            <a:schemeClr val="accent1"/>
+          </a:fillRef>
+          <a:effectRef idx="1">
+            <a:schemeClr val="accent1"/>
+          </a:effectRef>
+          <a:fontRef idx="minor">
+            <a:schemeClr val="tx1"/>
+          </a:fontRef>
+        </p:style>
+      </p:cxnSp>
+      <mc:AlternateContent xmlns:mc="http://schemas.openxmlformats.org/markup-compatibility/2006">
+        <mc:Choice xmlns:a14="http://schemas.microsoft.com/office/drawing/2010/main" Requires="a14">
+          <p:sp>
+            <p:nvSpPr>
+              <p:cNvPr id="16" name="TextBox 15">
+                <a:extLst>
+                  <a:ext uri="{FF2B5EF4-FFF2-40B4-BE49-F238E27FC236}">
+                    <a16:creationId xmlns:a16="http://schemas.microsoft.com/office/drawing/2014/main" id="{DE1AE977-3276-4BFF-264F-6202A9A3E2BC}"/>
+                  </a:ext>
+                </a:extLst>
+              </p:cNvPr>
+              <p:cNvSpPr txBox="1"/>
+              <p:nvPr/>
+            </p:nvSpPr>
+            <p:spPr>
+              <a:xfrm>
+                <a:off x="4862494" y="3078483"/>
+                <a:ext cx="608051" cy="523220"/>
+              </a:xfrm>
+              <a:prstGeom prst="rect">
+                <a:avLst/>
+              </a:prstGeom>
+              <a:noFill/>
+            </p:spPr>
+            <p:txBody>
+              <a:bodyPr wrap="none" rtlCol="0">
+                <a:spAutoFit/>
+              </a:bodyPr>
+              <a:lstStyle/>
+              <a:p>
+                <a:pPr/>
+                <a14:m>
+                  <m:oMathPara xmlns:m="http://schemas.openxmlformats.org/officeDocument/2006/math">
+                    <m:oMathParaPr>
+                      <m:jc m:val="centerGroup"/>
+                    </m:oMathParaPr>
+                    <m:oMath xmlns:m="http://schemas.openxmlformats.org/officeDocument/2006/math">
+                      <m:sSub>
+                        <m:sSubPr>
+                          <m:ctrlPr>
+                            <a:rPr lang="en-US" sz="2800" i="1" smtClean="0">
+                              <a:latin typeface="Cambria Math" panose="02040503050406030204" pitchFamily="18" charset="0"/>
+                            </a:rPr>
+                          </m:ctrlPr>
+                        </m:sSubPr>
+                        <m:e>
+                          <m:r>
+                            <a:rPr lang="tr-TR" sz="2800" b="0" i="1" smtClean="0">
+                              <a:latin typeface="Cambria Math" panose="02040503050406030204" pitchFamily="18" charset="0"/>
+                            </a:rPr>
+                            <m:t>𝐿</m:t>
+                          </m:r>
+                        </m:e>
+                        <m:sub>
+                          <m:r>
+                            <a:rPr lang="de-DE" sz="2800" b="0" i="1" smtClean="0">
+                              <a:latin typeface="Cambria Math" panose="02040503050406030204" pitchFamily="18" charset="0"/>
+                            </a:rPr>
+                            <m:t>1</m:t>
+                          </m:r>
+                        </m:sub>
+                      </m:sSub>
+                    </m:oMath>
+                  </m:oMathPara>
+                </a14:m>
+                <a:endParaRPr lang="en-US" sz="2800" dirty="0"/>
+              </a:p>
+            </p:txBody>
+          </p:sp>
+        </mc:Choice>
+        <mc:Fallback>
+          <p:sp>
+            <p:nvSpPr>
+              <p:cNvPr id="16" name="TextBox 15">
+                <a:extLst>
+                  <a:ext uri="{FF2B5EF4-FFF2-40B4-BE49-F238E27FC236}">
+                    <a16:creationId xmlns:a16="http://schemas.microsoft.com/office/drawing/2014/main" id="{DE1AE977-3276-4BFF-264F-6202A9A3E2BC}"/>
+                  </a:ext>
+                </a:extLst>
+              </p:cNvPr>
+              <p:cNvSpPr txBox="1">
+                <a:spLocks noRot="1" noChangeAspect="1" noMove="1" noResize="1" noEditPoints="1" noAdjustHandles="1" noChangeArrowheads="1" noChangeShapeType="1" noTextEdit="1"/>
+              </p:cNvSpPr>
+              <p:nvPr/>
+            </p:nvSpPr>
+            <p:spPr>
+              <a:xfrm>
+                <a:off x="4862494" y="3078483"/>
+                <a:ext cx="608051" cy="523220"/>
+              </a:xfrm>
+              <a:prstGeom prst="rect">
+                <a:avLst/>
+              </a:prstGeom>
+              <a:blipFill>
+                <a:blip r:embed="rId28"/>
+                <a:stretch>
+                  <a:fillRect/>
+                </a:stretch>
+              </a:blipFill>
+            </p:spPr>
+            <p:txBody>
+              <a:bodyPr/>
+              <a:lstStyle/>
+              <a:p>
+                <a:r>
+                  <a:rPr lang="en-US">
+                    <a:noFill/>
+                  </a:rPr>
+                  <a:t> </a:t>
+                </a:r>
+              </a:p>
+            </p:txBody>
+          </p:sp>
+        </mc:Fallback>
+      </mc:AlternateContent>
+      <mc:AlternateContent xmlns:mc="http://schemas.openxmlformats.org/markup-compatibility/2006">
+        <mc:Choice xmlns:a14="http://schemas.microsoft.com/office/drawing/2010/main" Requires="a14">
+          <p:sp>
+            <p:nvSpPr>
+              <p:cNvPr id="56" name="TextBox 55">
+                <a:extLst>
+                  <a:ext uri="{FF2B5EF4-FFF2-40B4-BE49-F238E27FC236}">
+                    <a16:creationId xmlns:a16="http://schemas.microsoft.com/office/drawing/2014/main" id="{05345180-61BF-A5B4-2A28-C77D05421B6A}"/>
+                  </a:ext>
+                </a:extLst>
+              </p:cNvPr>
+              <p:cNvSpPr txBox="1"/>
+              <p:nvPr/>
+            </p:nvSpPr>
+            <p:spPr>
+              <a:xfrm>
+                <a:off x="7768897" y="1048448"/>
+                <a:ext cx="991425" cy="523220"/>
+              </a:xfrm>
+              <a:prstGeom prst="rect">
+                <a:avLst/>
+              </a:prstGeom>
+              <a:noFill/>
+            </p:spPr>
+            <p:txBody>
+              <a:bodyPr wrap="none" rtlCol="0">
+                <a:spAutoFit/>
+              </a:bodyPr>
+              <a:lstStyle/>
+              <a:p>
+                <a:pPr/>
+                <a14:m>
+                  <m:oMathPara xmlns:m="http://schemas.openxmlformats.org/officeDocument/2006/math">
+                    <m:oMathParaPr>
+                      <m:jc m:val="centerGroup"/>
+                    </m:oMathParaPr>
+                    <m:oMath xmlns:m="http://schemas.openxmlformats.org/officeDocument/2006/math">
+                      <m:sSub>
+                        <m:sSubPr>
+                          <m:ctrlPr>
+                            <a:rPr lang="en-US" sz="2800" i="1" smtClean="0">
+                              <a:latin typeface="Cambria Math" panose="02040503050406030204" pitchFamily="18" charset="0"/>
+                            </a:rPr>
+                          </m:ctrlPr>
+                        </m:sSubPr>
+                        <m:e>
+                          <m:r>
+                            <a:rPr lang="tr-TR" sz="2800" b="0" i="1" smtClean="0">
+                              <a:latin typeface="Cambria Math" panose="02040503050406030204" pitchFamily="18" charset="0"/>
+                            </a:rPr>
+                            <m:t>𝐿</m:t>
+                          </m:r>
+                        </m:e>
+                        <m:sub>
+                          <m:r>
+                            <a:rPr lang="de-DE" sz="2800" b="0" i="1" smtClean="0">
+                              <a:latin typeface="Cambria Math" panose="02040503050406030204" pitchFamily="18" charset="0"/>
+                            </a:rPr>
+                            <m:t>3</m:t>
+                          </m:r>
+                        </m:sub>
+                      </m:sSub>
+                      <m:r>
+                        <a:rPr lang="de-DE" sz="2800" b="0" i="1" smtClean="0">
+                          <a:latin typeface="Cambria Math" panose="02040503050406030204" pitchFamily="18" charset="0"/>
+                        </a:rPr>
+                        <m:t>/2</m:t>
+                      </m:r>
+                    </m:oMath>
+                  </m:oMathPara>
+                </a14:m>
+                <a:endParaRPr lang="en-US" sz="2800" dirty="0"/>
+              </a:p>
+            </p:txBody>
+          </p:sp>
+        </mc:Choice>
+        <mc:Fallback>
+          <p:sp>
+            <p:nvSpPr>
+              <p:cNvPr id="56" name="TextBox 55">
+                <a:extLst>
+                  <a:ext uri="{FF2B5EF4-FFF2-40B4-BE49-F238E27FC236}">
+                    <a16:creationId xmlns:a16="http://schemas.microsoft.com/office/drawing/2014/main" id="{05345180-61BF-A5B4-2A28-C77D05421B6A}"/>
+                  </a:ext>
+                </a:extLst>
+              </p:cNvPr>
+              <p:cNvSpPr txBox="1">
+                <a:spLocks noRot="1" noChangeAspect="1" noMove="1" noResize="1" noEditPoints="1" noAdjustHandles="1" noChangeArrowheads="1" noChangeShapeType="1" noTextEdit="1"/>
+              </p:cNvSpPr>
+              <p:nvPr/>
+            </p:nvSpPr>
+            <p:spPr>
+              <a:xfrm>
+                <a:off x="7768897" y="1048448"/>
+                <a:ext cx="991425" cy="523220"/>
+              </a:xfrm>
+              <a:prstGeom prst="rect">
+                <a:avLst/>
+              </a:prstGeom>
+              <a:blipFill>
+                <a:blip r:embed="rId29"/>
+                <a:stretch>
+                  <a:fillRect/>
+                </a:stretch>
+              </a:blipFill>
+            </p:spPr>
+            <p:txBody>
+              <a:bodyPr/>
+              <a:lstStyle/>
+              <a:p>
+                <a:r>
+                  <a:rPr lang="en-US">
+                    <a:noFill/>
+                  </a:rPr>
+                  <a:t> </a:t>
+                </a:r>
+              </a:p>
+            </p:txBody>
+          </p:sp>
+        </mc:Fallback>
+      </mc:AlternateContent>
+      <mc:AlternateContent xmlns:mc="http://schemas.openxmlformats.org/markup-compatibility/2006">
+        <mc:Choice xmlns:a14="http://schemas.microsoft.com/office/drawing/2010/main" Requires="a14">
+          <p:sp>
+            <p:nvSpPr>
+              <p:cNvPr id="61" name="TextBox 60">
+                <a:extLst>
+                  <a:ext uri="{FF2B5EF4-FFF2-40B4-BE49-F238E27FC236}">
+                    <a16:creationId xmlns:a16="http://schemas.microsoft.com/office/drawing/2014/main" id="{D052F141-D3EE-C328-FE57-C027B4F1A5B6}"/>
+                  </a:ext>
+                </a:extLst>
+              </p:cNvPr>
+              <p:cNvSpPr txBox="1"/>
+              <p:nvPr/>
+            </p:nvSpPr>
+            <p:spPr>
+              <a:xfrm>
+                <a:off x="10363399" y="2758478"/>
+                <a:ext cx="1050609" cy="523220"/>
+              </a:xfrm>
+              <a:prstGeom prst="rect">
+                <a:avLst/>
+              </a:prstGeom>
+              <a:noFill/>
+            </p:spPr>
+            <p:txBody>
+              <a:bodyPr wrap="none" rtlCol="0">
+                <a:spAutoFit/>
+              </a:bodyPr>
+              <a:lstStyle/>
+              <a:p>
+                <a:pPr/>
+                <a14:m>
+                  <m:oMathPara xmlns:m="http://schemas.openxmlformats.org/officeDocument/2006/math">
+                    <m:oMathParaPr>
+                      <m:jc m:val="centerGroup"/>
+                    </m:oMathParaPr>
+                    <m:oMath xmlns:m="http://schemas.openxmlformats.org/officeDocument/2006/math">
+                      <m:sSub>
+                        <m:sSubPr>
+                          <m:ctrlPr>
+                            <a:rPr lang="en-US" sz="2800" i="1" smtClean="0">
+                              <a:latin typeface="Cambria Math" panose="02040503050406030204" pitchFamily="18" charset="0"/>
+                            </a:rPr>
+                          </m:ctrlPr>
+                        </m:sSubPr>
+                        <m:e>
+                          <m:r>
+                            <a:rPr lang="en-US" sz="2800" b="0" i="1" smtClean="0">
+                              <a:latin typeface="Cambria Math" panose="02040503050406030204" pitchFamily="18" charset="0"/>
+                            </a:rPr>
+                            <m:t>𝑃</m:t>
+                          </m:r>
+                        </m:e>
+                        <m:sub>
+                          <m:r>
+                            <a:rPr lang="en-US" sz="2800" b="0" i="1" smtClean="0">
+                              <a:latin typeface="Cambria Math" panose="02040503050406030204" pitchFamily="18" charset="0"/>
+                            </a:rPr>
+                            <m:t>𝑢</m:t>
+                          </m:r>
+                          <m:r>
+                            <m:rPr>
+                              <m:sty m:val="p"/>
+                            </m:rPr>
+                            <a:rPr lang="de-DE" sz="2800" b="0" i="1" smtClean="0">
+                              <a:latin typeface="Cambria Math" panose="02040503050406030204" pitchFamily="18" charset="0"/>
+                            </a:rPr>
+                            <m:t>out</m:t>
+                          </m:r>
+                        </m:sub>
+                      </m:sSub>
+                    </m:oMath>
+                  </m:oMathPara>
+                </a14:m>
+                <a:endParaRPr lang="en-US" sz="2800" dirty="0"/>
+              </a:p>
+            </p:txBody>
+          </p:sp>
+        </mc:Choice>
+        <mc:Fallback>
+          <p:sp>
+            <p:nvSpPr>
+              <p:cNvPr id="61" name="TextBox 60">
+                <a:extLst>
+                  <a:ext uri="{FF2B5EF4-FFF2-40B4-BE49-F238E27FC236}">
+                    <a16:creationId xmlns:a16="http://schemas.microsoft.com/office/drawing/2014/main" id="{D052F141-D3EE-C328-FE57-C027B4F1A5B6}"/>
+                  </a:ext>
+                </a:extLst>
+              </p:cNvPr>
+              <p:cNvSpPr txBox="1">
+                <a:spLocks noRot="1" noChangeAspect="1" noMove="1" noResize="1" noEditPoints="1" noAdjustHandles="1" noChangeArrowheads="1" noChangeShapeType="1" noTextEdit="1"/>
+              </p:cNvSpPr>
+              <p:nvPr/>
+            </p:nvSpPr>
+            <p:spPr>
+              <a:xfrm>
+                <a:off x="10363399" y="2758478"/>
+                <a:ext cx="1050609" cy="523220"/>
+              </a:xfrm>
+              <a:prstGeom prst="rect">
+                <a:avLst/>
+              </a:prstGeom>
+              <a:blipFill>
+                <a:blip r:embed="rId30"/>
+                <a:stretch>
+                  <a:fillRect/>
+                </a:stretch>
+              </a:blipFill>
+            </p:spPr>
+            <p:txBody>
+              <a:bodyPr/>
+              <a:lstStyle/>
+              <a:p>
+                <a:r>
+                  <a:rPr lang="en-US">
+                    <a:noFill/>
+                  </a:rPr>
+                  <a:t> </a:t>
+                </a:r>
+              </a:p>
+            </p:txBody>
+          </p:sp>
+        </mc:Fallback>
+      </mc:AlternateContent>
+      <mc:AlternateContent xmlns:mc="http://schemas.openxmlformats.org/markup-compatibility/2006">
+        <mc:Choice xmlns:a14="http://schemas.microsoft.com/office/drawing/2010/main" Requires="a14">
+          <p:sp>
+            <p:nvSpPr>
+              <p:cNvPr id="65" name="TextBox 64">
+                <a:extLst>
+                  <a:ext uri="{FF2B5EF4-FFF2-40B4-BE49-F238E27FC236}">
+                    <a16:creationId xmlns:a16="http://schemas.microsoft.com/office/drawing/2014/main" id="{F89EF76A-CB1F-C60F-01D8-9417D22F72F0}"/>
+                  </a:ext>
+                </a:extLst>
+              </p:cNvPr>
+              <p:cNvSpPr txBox="1"/>
+              <p:nvPr/>
+            </p:nvSpPr>
+            <p:spPr>
+              <a:xfrm>
+                <a:off x="10393107" y="3533174"/>
+                <a:ext cx="1081193" cy="523220"/>
+              </a:xfrm>
+              <a:prstGeom prst="rect">
+                <a:avLst/>
+              </a:prstGeom>
+              <a:noFill/>
+            </p:spPr>
+            <p:txBody>
+              <a:bodyPr wrap="none" rtlCol="0">
+                <a:spAutoFit/>
+              </a:bodyPr>
+              <a:lstStyle/>
+              <a:p>
+                <a:pPr/>
+                <a14:m>
+                  <m:oMathPara xmlns:m="http://schemas.openxmlformats.org/officeDocument/2006/math">
+                    <m:oMathParaPr>
+                      <m:jc m:val="centerGroup"/>
+                    </m:oMathParaPr>
+                    <m:oMath xmlns:m="http://schemas.openxmlformats.org/officeDocument/2006/math">
+                      <m:sSub>
+                        <m:sSubPr>
+                          <m:ctrlPr>
+                            <a:rPr lang="en-US" sz="2800" i="1" smtClean="0">
+                              <a:latin typeface="Cambria Math" panose="02040503050406030204" pitchFamily="18" charset="0"/>
+                            </a:rPr>
+                          </m:ctrlPr>
+                        </m:sSubPr>
+                        <m:e>
+                          <m:r>
+                            <a:rPr lang="en-US" sz="2800" b="0" i="1" smtClean="0">
+                              <a:latin typeface="Cambria Math" panose="02040503050406030204" pitchFamily="18" charset="0"/>
+                            </a:rPr>
+                            <m:t>𝑃</m:t>
+                          </m:r>
+                        </m:e>
+                        <m:sub>
+                          <m:r>
+                            <m:rPr>
+                              <m:sty m:val="p"/>
+                            </m:rPr>
+                            <a:rPr lang="de-DE" sz="2800" b="0" i="1" smtClean="0">
+                              <a:latin typeface="Cambria Math" panose="02040503050406030204" pitchFamily="18" charset="0"/>
+                            </a:rPr>
+                            <m:t>bout</m:t>
+                          </m:r>
+                        </m:sub>
+                      </m:sSub>
+                    </m:oMath>
+                  </m:oMathPara>
+                </a14:m>
+                <a:endParaRPr lang="en-US" sz="2800" dirty="0"/>
+              </a:p>
+            </p:txBody>
+          </p:sp>
+        </mc:Choice>
+        <mc:Fallback>
+          <p:sp>
+            <p:nvSpPr>
+              <p:cNvPr id="65" name="TextBox 64">
+                <a:extLst>
+                  <a:ext uri="{FF2B5EF4-FFF2-40B4-BE49-F238E27FC236}">
+                    <a16:creationId xmlns:a16="http://schemas.microsoft.com/office/drawing/2014/main" id="{F89EF76A-CB1F-C60F-01D8-9417D22F72F0}"/>
+                  </a:ext>
+                </a:extLst>
+              </p:cNvPr>
+              <p:cNvSpPr txBox="1">
+                <a:spLocks noRot="1" noChangeAspect="1" noMove="1" noResize="1" noEditPoints="1" noAdjustHandles="1" noChangeArrowheads="1" noChangeShapeType="1" noTextEdit="1"/>
+              </p:cNvSpPr>
+              <p:nvPr/>
+            </p:nvSpPr>
+            <p:spPr>
+              <a:xfrm>
+                <a:off x="10393107" y="3533174"/>
+                <a:ext cx="1081193" cy="523220"/>
+              </a:xfrm>
+              <a:prstGeom prst="rect">
+                <a:avLst/>
+              </a:prstGeom>
+              <a:blipFill>
+                <a:blip r:embed="rId31"/>
+                <a:stretch>
+                  <a:fillRect/>
+                </a:stretch>
+              </a:blipFill>
+            </p:spPr>
+            <p:txBody>
+              <a:bodyPr/>
+              <a:lstStyle/>
+              <a:p>
+                <a:r>
+                  <a:rPr lang="en-US">
+                    <a:noFill/>
+                  </a:rPr>
+                  <a:t> </a:t>
+                </a:r>
+              </a:p>
+            </p:txBody>
+          </p:sp>
+        </mc:Fallback>
+      </mc:AlternateContent>
+    </p:spTree>
+    <p:extLst>
+      <p:ext uri="{BB962C8B-B14F-4D97-AF65-F5344CB8AC3E}">
+        <p14:creationId xmlns:p14="http://schemas.microsoft.com/office/powerpoint/2010/main" val="2691703719"/>
+      </p:ext>
+    </p:extLst>
+  </p:cSld>
+  <p:clrMapOvr>
+    <a:masterClrMapping/>
+  </p:clrMapOvr>
+  <mc:AlternateContent xmlns:mc="http://schemas.openxmlformats.org/markup-compatibility/2006" xmlns:p14="http://schemas.microsoft.com/office/powerpoint/2010/main">
+    <mc:Choice Requires="p14">
+      <p:transition spd="med" p14:dur="700">
+        <p:fade/>
+      </p:transition>
+    </mc:Choice>
+    <mc:Fallback xmlns="">
+      <p:transition spd="med">
+        <p:fade/>
+      </p:transition>
+    </mc:Fallback>
+  </mc:AlternateContent>
+</p:sld>
+</file>
+
+<file path=ppt/slides/slide5.xml><?xml version="1.0" encoding="utf-8"?>
 <p:sld xmlns:a="http://schemas.openxmlformats.org/drawingml/2006/main" xmlns:r="http://schemas.openxmlformats.org/officeDocument/2006/relationships" xmlns:p="http://schemas.openxmlformats.org/presentationml/2006/main">
   <p:cSld>
     <p:spTree>
@@ -9391,7 +18138,7 @@
 </p:sld>
 </file>
 
-<file path=ppt/slides/slide3.xml><?xml version="1.0" encoding="utf-8"?>
+<file path=ppt/slides/slide6.xml><?xml version="1.0" encoding="utf-8"?>
 <p:sld xmlns:a="http://schemas.openxmlformats.org/drawingml/2006/main" xmlns:r="http://schemas.openxmlformats.org/officeDocument/2006/relationships" xmlns:p="http://schemas.openxmlformats.org/presentationml/2006/main">
   <p:cSld>
     <p:spTree>
@@ -16077,7 +24824,7 @@
 </p:sld>
 </file>
 
-<file path=ppt/slides/slide4.xml><?xml version="1.0" encoding="utf-8"?>
+<file path=ppt/slides/slide7.xml><?xml version="1.0" encoding="utf-8"?>
 <p:sld xmlns:a="http://schemas.openxmlformats.org/drawingml/2006/main" xmlns:r="http://schemas.openxmlformats.org/officeDocument/2006/relationships" xmlns:p="http://schemas.openxmlformats.org/presentationml/2006/main">
   <p:cSld>
     <p:spTree>
@@ -16178,7 +24925,7 @@
             <a:fld id="{815DB69B-0A2B-4D0B-A3BD-360AAA24381D}" type="slidenum">
               <a:rPr lang="de-DE" smtClean="0"/>
               <a:pPr/>
-              <a:t>4</a:t>
+              <a:t>7</a:t>
             </a:fld>
             <a:endParaRPr lang="de-DE" dirty="0"/>
           </a:p>
@@ -20149,7 +28896,7 @@
 </p:sld>
 </file>
 
-<file path=ppt/slides/slide5.xml><?xml version="1.0" encoding="utf-8"?>
+<file path=ppt/slides/slide8.xml><?xml version="1.0" encoding="utf-8"?>
 <p:sld xmlns:a="http://schemas.openxmlformats.org/drawingml/2006/main" xmlns:r="http://schemas.openxmlformats.org/officeDocument/2006/relationships" xmlns:p="http://schemas.openxmlformats.org/presentationml/2006/main">
   <p:cSld>
     <p:spTree>
